--- a/10%/Edited/10 percent_final.pptx
+++ b/10%/Edited/10 percent_final.pptx
@@ -23,6 +23,7 @@
     <p:sldId id="269" r:id="rId18"/>
     <p:sldId id="270" r:id="rId19"/>
     <p:sldId id="271" r:id="rId20"/>
+    <p:sldId id="272" r:id="rId21"/>
   </p:sldIdLst>
   <p:sldSz cx="9144000" cy="6858000"/>
   <p:notesSz cx="7559675" cy="10691812"/>
@@ -70,7 +71,7 @@
       </p:grpSpPr>
       <p:sp>
         <p:nvSpPr>
-          <p:cNvPr id="26" name="PlaceHolder 1"/>
+          <p:cNvPr id="23" name="PlaceHolder 1"/>
           <p:cNvSpPr>
             <a:spLocks noGrp="1"/>
           </p:cNvSpPr>
@@ -80,8 +81,8 @@
         </p:nvSpPr>
         <p:spPr>
           <a:xfrm>
-            <a:off x="457200" y="274680"/>
-            <a:ext cx="8229240" cy="1142640"/>
+            <a:off x="457200" y="273600"/>
+            <a:ext cx="8229240" cy="1144800"/>
           </a:xfrm>
           <a:prstGeom prst="rect">
             <a:avLst/>
@@ -92,18 +93,16 @@
             <a:noAutofit/>
           </a:bodyPr>
           <a:p>
-            <a:endParaRPr b="0" lang="en-US" sz="1800" spc="-1" strike="noStrike">
-              <a:solidFill>
-                <a:srgbClr val="000000"/>
-              </a:solidFill>
-              <a:latin typeface="Calibri"/>
-            </a:endParaRPr>
-          </a:p>
-        </p:txBody>
-      </p:sp>
-      <p:sp>
-        <p:nvSpPr>
-          <p:cNvPr id="27" name="PlaceHolder 2"/>
+            <a:pPr algn="ctr"/>
+            <a:endParaRPr b="0" lang="en-US" sz="4400" spc="-1" strike="noStrike">
+              <a:latin typeface="Arial"/>
+            </a:endParaRPr>
+          </a:p>
+        </p:txBody>
+      </p:sp>
+      <p:sp>
+        <p:nvSpPr>
+          <p:cNvPr id="24" name="PlaceHolder 2"/>
           <p:cNvSpPr>
             <a:spLocks noGrp="1"/>
           </p:cNvSpPr>
@@ -113,8 +112,8 @@
         </p:nvSpPr>
         <p:spPr>
           <a:xfrm>
-            <a:off x="457200" y="1600200"/>
-            <a:ext cx="8229240" cy="2158560"/>
+            <a:off x="457200" y="1604520"/>
+            <a:ext cx="8229240" cy="1896840"/>
           </a:xfrm>
           <a:prstGeom prst="rect">
             <a:avLst/>
@@ -126,17 +125,14 @@
           </a:bodyPr>
           <a:p>
             <a:endParaRPr b="0" lang="en-US" sz="3200" spc="-1" strike="noStrike">
-              <a:solidFill>
-                <a:srgbClr val="000000"/>
-              </a:solidFill>
-              <a:latin typeface="Calibri"/>
-            </a:endParaRPr>
-          </a:p>
-        </p:txBody>
-      </p:sp>
-      <p:sp>
-        <p:nvSpPr>
-          <p:cNvPr id="28" name="PlaceHolder 3"/>
+              <a:latin typeface="Arial"/>
+            </a:endParaRPr>
+          </a:p>
+        </p:txBody>
+      </p:sp>
+      <p:sp>
+        <p:nvSpPr>
+          <p:cNvPr id="25" name="PlaceHolder 3"/>
           <p:cNvSpPr>
             <a:spLocks noGrp="1"/>
           </p:cNvSpPr>
@@ -146,8 +142,8 @@
         </p:nvSpPr>
         <p:spPr>
           <a:xfrm>
-            <a:off x="457200" y="3964320"/>
-            <a:ext cx="8229240" cy="2158560"/>
+            <a:off x="457200" y="3682080"/>
+            <a:ext cx="8229240" cy="1896840"/>
           </a:xfrm>
           <a:prstGeom prst="rect">
             <a:avLst/>
@@ -159,10 +155,7 @@
           </a:bodyPr>
           <a:p>
             <a:endParaRPr b="0" lang="en-US" sz="3200" spc="-1" strike="noStrike">
-              <a:solidFill>
-                <a:srgbClr val="000000"/>
-              </a:solidFill>
-              <a:latin typeface="Calibri"/>
+              <a:latin typeface="Arial"/>
             </a:endParaRPr>
           </a:p>
         </p:txBody>
@@ -191,7 +184,7 @@
       </p:grpSpPr>
       <p:sp>
         <p:nvSpPr>
-          <p:cNvPr id="29" name="PlaceHolder 1"/>
+          <p:cNvPr id="26" name="PlaceHolder 1"/>
           <p:cNvSpPr>
             <a:spLocks noGrp="1"/>
           </p:cNvSpPr>
@@ -201,8 +194,8 @@
         </p:nvSpPr>
         <p:spPr>
           <a:xfrm>
-            <a:off x="457200" y="274680"/>
-            <a:ext cx="8229240" cy="1142640"/>
+            <a:off x="457200" y="273600"/>
+            <a:ext cx="8229240" cy="1144800"/>
           </a:xfrm>
           <a:prstGeom prst="rect">
             <a:avLst/>
@@ -213,18 +206,16 @@
             <a:noAutofit/>
           </a:bodyPr>
           <a:p>
-            <a:endParaRPr b="0" lang="en-US" sz="1800" spc="-1" strike="noStrike">
-              <a:solidFill>
-                <a:srgbClr val="000000"/>
-              </a:solidFill>
-              <a:latin typeface="Calibri"/>
-            </a:endParaRPr>
-          </a:p>
-        </p:txBody>
-      </p:sp>
-      <p:sp>
-        <p:nvSpPr>
-          <p:cNvPr id="30" name="PlaceHolder 2"/>
+            <a:pPr algn="ctr"/>
+            <a:endParaRPr b="0" lang="en-US" sz="4400" spc="-1" strike="noStrike">
+              <a:latin typeface="Arial"/>
+            </a:endParaRPr>
+          </a:p>
+        </p:txBody>
+      </p:sp>
+      <p:sp>
+        <p:nvSpPr>
+          <p:cNvPr id="27" name="PlaceHolder 2"/>
           <p:cNvSpPr>
             <a:spLocks noGrp="1"/>
           </p:cNvSpPr>
@@ -234,8 +225,8 @@
         </p:nvSpPr>
         <p:spPr>
           <a:xfrm>
-            <a:off x="457200" y="1600200"/>
-            <a:ext cx="4015800" cy="2158560"/>
+            <a:off x="457200" y="1604520"/>
+            <a:ext cx="4015800" cy="1896840"/>
           </a:xfrm>
           <a:prstGeom prst="rect">
             <a:avLst/>
@@ -247,17 +238,14 @@
           </a:bodyPr>
           <a:p>
             <a:endParaRPr b="0" lang="en-US" sz="3200" spc="-1" strike="noStrike">
-              <a:solidFill>
-                <a:srgbClr val="000000"/>
-              </a:solidFill>
-              <a:latin typeface="Calibri"/>
-            </a:endParaRPr>
-          </a:p>
-        </p:txBody>
-      </p:sp>
-      <p:sp>
-        <p:nvSpPr>
-          <p:cNvPr id="31" name="PlaceHolder 3"/>
+              <a:latin typeface="Arial"/>
+            </a:endParaRPr>
+          </a:p>
+        </p:txBody>
+      </p:sp>
+      <p:sp>
+        <p:nvSpPr>
+          <p:cNvPr id="28" name="PlaceHolder 3"/>
           <p:cNvSpPr>
             <a:spLocks noGrp="1"/>
           </p:cNvSpPr>
@@ -267,8 +255,8 @@
         </p:nvSpPr>
         <p:spPr>
           <a:xfrm>
-            <a:off x="4674240" y="1600200"/>
-            <a:ext cx="4015800" cy="2158560"/>
+            <a:off x="4674240" y="1604520"/>
+            <a:ext cx="4015800" cy="1896840"/>
           </a:xfrm>
           <a:prstGeom prst="rect">
             <a:avLst/>
@@ -280,17 +268,14 @@
           </a:bodyPr>
           <a:p>
             <a:endParaRPr b="0" lang="en-US" sz="3200" spc="-1" strike="noStrike">
-              <a:solidFill>
-                <a:srgbClr val="000000"/>
-              </a:solidFill>
-              <a:latin typeface="Calibri"/>
-            </a:endParaRPr>
-          </a:p>
-        </p:txBody>
-      </p:sp>
-      <p:sp>
-        <p:nvSpPr>
-          <p:cNvPr id="32" name="PlaceHolder 4"/>
+              <a:latin typeface="Arial"/>
+            </a:endParaRPr>
+          </a:p>
+        </p:txBody>
+      </p:sp>
+      <p:sp>
+        <p:nvSpPr>
+          <p:cNvPr id="29" name="PlaceHolder 4"/>
           <p:cNvSpPr>
             <a:spLocks noGrp="1"/>
           </p:cNvSpPr>
@@ -300,8 +285,8 @@
         </p:nvSpPr>
         <p:spPr>
           <a:xfrm>
-            <a:off x="457200" y="3964320"/>
-            <a:ext cx="4015800" cy="2158560"/>
+            <a:off x="457200" y="3682080"/>
+            <a:ext cx="4015800" cy="1896840"/>
           </a:xfrm>
           <a:prstGeom prst="rect">
             <a:avLst/>
@@ -313,17 +298,14 @@
           </a:bodyPr>
           <a:p>
             <a:endParaRPr b="0" lang="en-US" sz="3200" spc="-1" strike="noStrike">
-              <a:solidFill>
-                <a:srgbClr val="000000"/>
-              </a:solidFill>
-              <a:latin typeface="Calibri"/>
-            </a:endParaRPr>
-          </a:p>
-        </p:txBody>
-      </p:sp>
-      <p:sp>
-        <p:nvSpPr>
-          <p:cNvPr id="33" name="PlaceHolder 5"/>
+              <a:latin typeface="Arial"/>
+            </a:endParaRPr>
+          </a:p>
+        </p:txBody>
+      </p:sp>
+      <p:sp>
+        <p:nvSpPr>
+          <p:cNvPr id="30" name="PlaceHolder 5"/>
           <p:cNvSpPr>
             <a:spLocks noGrp="1"/>
           </p:cNvSpPr>
@@ -333,8 +315,8 @@
         </p:nvSpPr>
         <p:spPr>
           <a:xfrm>
-            <a:off x="4674240" y="3964320"/>
-            <a:ext cx="4015800" cy="2158560"/>
+            <a:off x="4674240" y="3682080"/>
+            <a:ext cx="4015800" cy="1896840"/>
           </a:xfrm>
           <a:prstGeom prst="rect">
             <a:avLst/>
@@ -346,10 +328,7 @@
           </a:bodyPr>
           <a:p>
             <a:endParaRPr b="0" lang="en-US" sz="3200" spc="-1" strike="noStrike">
-              <a:solidFill>
-                <a:srgbClr val="000000"/>
-              </a:solidFill>
-              <a:latin typeface="Calibri"/>
+              <a:latin typeface="Arial"/>
             </a:endParaRPr>
           </a:p>
         </p:txBody>
@@ -378,7 +357,7 @@
       </p:grpSpPr>
       <p:sp>
         <p:nvSpPr>
-          <p:cNvPr id="34" name="PlaceHolder 1"/>
+          <p:cNvPr id="31" name="PlaceHolder 1"/>
           <p:cNvSpPr>
             <a:spLocks noGrp="1"/>
           </p:cNvSpPr>
@@ -388,8 +367,8 @@
         </p:nvSpPr>
         <p:spPr>
           <a:xfrm>
-            <a:off x="457200" y="274680"/>
-            <a:ext cx="8229240" cy="1142640"/>
+            <a:off x="457200" y="273600"/>
+            <a:ext cx="8229240" cy="1144800"/>
           </a:xfrm>
           <a:prstGeom prst="rect">
             <a:avLst/>
@@ -400,18 +379,16 @@
             <a:noAutofit/>
           </a:bodyPr>
           <a:p>
-            <a:endParaRPr b="0" lang="en-US" sz="1800" spc="-1" strike="noStrike">
-              <a:solidFill>
-                <a:srgbClr val="000000"/>
-              </a:solidFill>
-              <a:latin typeface="Calibri"/>
-            </a:endParaRPr>
-          </a:p>
-        </p:txBody>
-      </p:sp>
-      <p:sp>
-        <p:nvSpPr>
-          <p:cNvPr id="35" name="PlaceHolder 2"/>
+            <a:pPr algn="ctr"/>
+            <a:endParaRPr b="0" lang="en-US" sz="4400" spc="-1" strike="noStrike">
+              <a:latin typeface="Arial"/>
+            </a:endParaRPr>
+          </a:p>
+        </p:txBody>
+      </p:sp>
+      <p:sp>
+        <p:nvSpPr>
+          <p:cNvPr id="32" name="PlaceHolder 2"/>
           <p:cNvSpPr>
             <a:spLocks noGrp="1"/>
           </p:cNvSpPr>
@@ -421,8 +398,8 @@
         </p:nvSpPr>
         <p:spPr>
           <a:xfrm>
-            <a:off x="457200" y="1600200"/>
-            <a:ext cx="2649600" cy="2158560"/>
+            <a:off x="457200" y="1604520"/>
+            <a:ext cx="2649600" cy="1896840"/>
           </a:xfrm>
           <a:prstGeom prst="rect">
             <a:avLst/>
@@ -434,17 +411,14 @@
           </a:bodyPr>
           <a:p>
             <a:endParaRPr b="0" lang="en-US" sz="3200" spc="-1" strike="noStrike">
-              <a:solidFill>
-                <a:srgbClr val="000000"/>
-              </a:solidFill>
-              <a:latin typeface="Calibri"/>
-            </a:endParaRPr>
-          </a:p>
-        </p:txBody>
-      </p:sp>
-      <p:sp>
-        <p:nvSpPr>
-          <p:cNvPr id="36" name="PlaceHolder 3"/>
+              <a:latin typeface="Arial"/>
+            </a:endParaRPr>
+          </a:p>
+        </p:txBody>
+      </p:sp>
+      <p:sp>
+        <p:nvSpPr>
+          <p:cNvPr id="33" name="PlaceHolder 3"/>
           <p:cNvSpPr>
             <a:spLocks noGrp="1"/>
           </p:cNvSpPr>
@@ -454,8 +428,8 @@
         </p:nvSpPr>
         <p:spPr>
           <a:xfrm>
-            <a:off x="3239640" y="1600200"/>
-            <a:ext cx="2649600" cy="2158560"/>
+            <a:off x="3239640" y="1604520"/>
+            <a:ext cx="2649600" cy="1896840"/>
           </a:xfrm>
           <a:prstGeom prst="rect">
             <a:avLst/>
@@ -467,17 +441,14 @@
           </a:bodyPr>
           <a:p>
             <a:endParaRPr b="0" lang="en-US" sz="3200" spc="-1" strike="noStrike">
-              <a:solidFill>
-                <a:srgbClr val="000000"/>
-              </a:solidFill>
-              <a:latin typeface="Calibri"/>
-            </a:endParaRPr>
-          </a:p>
-        </p:txBody>
-      </p:sp>
-      <p:sp>
-        <p:nvSpPr>
-          <p:cNvPr id="37" name="PlaceHolder 4"/>
+              <a:latin typeface="Arial"/>
+            </a:endParaRPr>
+          </a:p>
+        </p:txBody>
+      </p:sp>
+      <p:sp>
+        <p:nvSpPr>
+          <p:cNvPr id="34" name="PlaceHolder 4"/>
           <p:cNvSpPr>
             <a:spLocks noGrp="1"/>
           </p:cNvSpPr>
@@ -487,8 +458,8 @@
         </p:nvSpPr>
         <p:spPr>
           <a:xfrm>
-            <a:off x="6022080" y="1600200"/>
-            <a:ext cx="2649600" cy="2158560"/>
+            <a:off x="6022080" y="1604520"/>
+            <a:ext cx="2649600" cy="1896840"/>
           </a:xfrm>
           <a:prstGeom prst="rect">
             <a:avLst/>
@@ -500,17 +471,14 @@
           </a:bodyPr>
           <a:p>
             <a:endParaRPr b="0" lang="en-US" sz="3200" spc="-1" strike="noStrike">
-              <a:solidFill>
-                <a:srgbClr val="000000"/>
-              </a:solidFill>
-              <a:latin typeface="Calibri"/>
-            </a:endParaRPr>
-          </a:p>
-        </p:txBody>
-      </p:sp>
-      <p:sp>
-        <p:nvSpPr>
-          <p:cNvPr id="38" name="PlaceHolder 5"/>
+              <a:latin typeface="Arial"/>
+            </a:endParaRPr>
+          </a:p>
+        </p:txBody>
+      </p:sp>
+      <p:sp>
+        <p:nvSpPr>
+          <p:cNvPr id="35" name="PlaceHolder 5"/>
           <p:cNvSpPr>
             <a:spLocks noGrp="1"/>
           </p:cNvSpPr>
@@ -520,8 +488,8 @@
         </p:nvSpPr>
         <p:spPr>
           <a:xfrm>
-            <a:off x="457200" y="3964320"/>
-            <a:ext cx="2649600" cy="2158560"/>
+            <a:off x="457200" y="3682080"/>
+            <a:ext cx="2649600" cy="1896840"/>
           </a:xfrm>
           <a:prstGeom prst="rect">
             <a:avLst/>
@@ -533,17 +501,14 @@
           </a:bodyPr>
           <a:p>
             <a:endParaRPr b="0" lang="en-US" sz="3200" spc="-1" strike="noStrike">
-              <a:solidFill>
-                <a:srgbClr val="000000"/>
-              </a:solidFill>
-              <a:latin typeface="Calibri"/>
-            </a:endParaRPr>
-          </a:p>
-        </p:txBody>
-      </p:sp>
-      <p:sp>
-        <p:nvSpPr>
-          <p:cNvPr id="39" name="PlaceHolder 6"/>
+              <a:latin typeface="Arial"/>
+            </a:endParaRPr>
+          </a:p>
+        </p:txBody>
+      </p:sp>
+      <p:sp>
+        <p:nvSpPr>
+          <p:cNvPr id="36" name="PlaceHolder 6"/>
           <p:cNvSpPr>
             <a:spLocks noGrp="1"/>
           </p:cNvSpPr>
@@ -553,8 +518,8 @@
         </p:nvSpPr>
         <p:spPr>
           <a:xfrm>
-            <a:off x="3239640" y="3964320"/>
-            <a:ext cx="2649600" cy="2158560"/>
+            <a:off x="3239640" y="3682080"/>
+            <a:ext cx="2649600" cy="1896840"/>
           </a:xfrm>
           <a:prstGeom prst="rect">
             <a:avLst/>
@@ -566,17 +531,14 @@
           </a:bodyPr>
           <a:p>
             <a:endParaRPr b="0" lang="en-US" sz="3200" spc="-1" strike="noStrike">
-              <a:solidFill>
-                <a:srgbClr val="000000"/>
-              </a:solidFill>
-              <a:latin typeface="Calibri"/>
-            </a:endParaRPr>
-          </a:p>
-        </p:txBody>
-      </p:sp>
-      <p:sp>
-        <p:nvSpPr>
-          <p:cNvPr id="40" name="PlaceHolder 7"/>
+              <a:latin typeface="Arial"/>
+            </a:endParaRPr>
+          </a:p>
+        </p:txBody>
+      </p:sp>
+      <p:sp>
+        <p:nvSpPr>
+          <p:cNvPr id="37" name="PlaceHolder 7"/>
           <p:cNvSpPr>
             <a:spLocks noGrp="1"/>
           </p:cNvSpPr>
@@ -586,8 +548,8 @@
         </p:nvSpPr>
         <p:spPr>
           <a:xfrm>
-            <a:off x="6022080" y="3964320"/>
-            <a:ext cx="2649600" cy="2158560"/>
+            <a:off x="6022080" y="3682080"/>
+            <a:ext cx="2649600" cy="1896840"/>
           </a:xfrm>
           <a:prstGeom prst="rect">
             <a:avLst/>
@@ -599,10 +561,7 @@
           </a:bodyPr>
           <a:p>
             <a:endParaRPr b="0" lang="en-US" sz="3200" spc="-1" strike="noStrike">
-              <a:solidFill>
-                <a:srgbClr val="000000"/>
-              </a:solidFill>
-              <a:latin typeface="Calibri"/>
+              <a:latin typeface="Arial"/>
             </a:endParaRPr>
           </a:p>
         </p:txBody>
@@ -653,7 +612,7 @@
       </p:grpSpPr>
       <p:sp>
         <p:nvSpPr>
-          <p:cNvPr id="46" name="PlaceHolder 1"/>
+          <p:cNvPr id="40" name="PlaceHolder 1"/>
           <p:cNvSpPr>
             <a:spLocks noGrp="1"/>
           </p:cNvSpPr>
@@ -663,8 +622,8 @@
         </p:nvSpPr>
         <p:spPr>
           <a:xfrm>
-            <a:off x="457200" y="274680"/>
-            <a:ext cx="8229240" cy="1142640"/>
+            <a:off x="457200" y="273600"/>
+            <a:ext cx="8229240" cy="1144800"/>
           </a:xfrm>
           <a:prstGeom prst="rect">
             <a:avLst/>
@@ -675,18 +634,16 @@
             <a:noAutofit/>
           </a:bodyPr>
           <a:p>
-            <a:endParaRPr b="0" lang="en-US" sz="1800" spc="-1" strike="noStrike">
-              <a:solidFill>
-                <a:srgbClr val="000000"/>
-              </a:solidFill>
-              <a:latin typeface="Calibri"/>
-            </a:endParaRPr>
-          </a:p>
-        </p:txBody>
-      </p:sp>
-      <p:sp>
-        <p:nvSpPr>
-          <p:cNvPr id="47" name="PlaceHolder 2"/>
+            <a:pPr algn="ctr"/>
+            <a:endParaRPr b="0" lang="en-US" sz="4400" spc="-1" strike="noStrike">
+              <a:latin typeface="Arial"/>
+            </a:endParaRPr>
+          </a:p>
+        </p:txBody>
+      </p:sp>
+      <p:sp>
+        <p:nvSpPr>
+          <p:cNvPr id="41" name="PlaceHolder 2"/>
           <p:cNvSpPr>
             <a:spLocks noGrp="1"/>
           </p:cNvSpPr>
@@ -696,8 +653,8 @@
         </p:nvSpPr>
         <p:spPr>
           <a:xfrm>
-            <a:off x="457200" y="1600200"/>
-            <a:ext cx="8229240" cy="4525560"/>
+            <a:off x="457200" y="1604520"/>
+            <a:ext cx="8229240" cy="3977280"/>
           </a:xfrm>
           <a:prstGeom prst="rect">
             <a:avLst/>
@@ -739,7 +696,7 @@
       </p:grpSpPr>
       <p:sp>
         <p:nvSpPr>
-          <p:cNvPr id="48" name="PlaceHolder 1"/>
+          <p:cNvPr id="42" name="PlaceHolder 1"/>
           <p:cNvSpPr>
             <a:spLocks noGrp="1"/>
           </p:cNvSpPr>
@@ -749,8 +706,8 @@
         </p:nvSpPr>
         <p:spPr>
           <a:xfrm>
-            <a:off x="457200" y="274680"/>
-            <a:ext cx="8229240" cy="1142640"/>
+            <a:off x="457200" y="273600"/>
+            <a:ext cx="8229240" cy="1144800"/>
           </a:xfrm>
           <a:prstGeom prst="rect">
             <a:avLst/>
@@ -761,18 +718,16 @@
             <a:noAutofit/>
           </a:bodyPr>
           <a:p>
-            <a:endParaRPr b="0" lang="en-US" sz="1800" spc="-1" strike="noStrike">
-              <a:solidFill>
-                <a:srgbClr val="000000"/>
-              </a:solidFill>
-              <a:latin typeface="Calibri"/>
-            </a:endParaRPr>
-          </a:p>
-        </p:txBody>
-      </p:sp>
-      <p:sp>
-        <p:nvSpPr>
-          <p:cNvPr id="49" name="PlaceHolder 2"/>
+            <a:pPr algn="ctr"/>
+            <a:endParaRPr b="0" lang="en-US" sz="4400" spc="-1" strike="noStrike">
+              <a:latin typeface="Arial"/>
+            </a:endParaRPr>
+          </a:p>
+        </p:txBody>
+      </p:sp>
+      <p:sp>
+        <p:nvSpPr>
+          <p:cNvPr id="43" name="PlaceHolder 2"/>
           <p:cNvSpPr>
             <a:spLocks noGrp="1"/>
           </p:cNvSpPr>
@@ -782,8 +737,8 @@
         </p:nvSpPr>
         <p:spPr>
           <a:xfrm>
-            <a:off x="457200" y="1600200"/>
-            <a:ext cx="8229240" cy="4525560"/>
+            <a:off x="457200" y="1604520"/>
+            <a:ext cx="8229240" cy="3977280"/>
           </a:xfrm>
           <a:prstGeom prst="rect">
             <a:avLst/>
@@ -795,10 +750,7 @@
           </a:bodyPr>
           <a:p>
             <a:endParaRPr b="0" lang="en-US" sz="3200" spc="-1" strike="noStrike">
-              <a:solidFill>
-                <a:srgbClr val="000000"/>
-              </a:solidFill>
-              <a:latin typeface="Calibri"/>
+              <a:latin typeface="Arial"/>
             </a:endParaRPr>
           </a:p>
         </p:txBody>
@@ -827,7 +779,7 @@
       </p:grpSpPr>
       <p:sp>
         <p:nvSpPr>
-          <p:cNvPr id="50" name="PlaceHolder 1"/>
+          <p:cNvPr id="44" name="PlaceHolder 1"/>
           <p:cNvSpPr>
             <a:spLocks noGrp="1"/>
           </p:cNvSpPr>
@@ -837,8 +789,8 @@
         </p:nvSpPr>
         <p:spPr>
           <a:xfrm>
-            <a:off x="457200" y="274680"/>
-            <a:ext cx="8229240" cy="1142640"/>
+            <a:off x="457200" y="273600"/>
+            <a:ext cx="8229240" cy="1144800"/>
           </a:xfrm>
           <a:prstGeom prst="rect">
             <a:avLst/>
@@ -849,18 +801,16 @@
             <a:noAutofit/>
           </a:bodyPr>
           <a:p>
-            <a:endParaRPr b="0" lang="en-US" sz="1800" spc="-1" strike="noStrike">
-              <a:solidFill>
-                <a:srgbClr val="000000"/>
-              </a:solidFill>
-              <a:latin typeface="Calibri"/>
-            </a:endParaRPr>
-          </a:p>
-        </p:txBody>
-      </p:sp>
-      <p:sp>
-        <p:nvSpPr>
-          <p:cNvPr id="51" name="PlaceHolder 2"/>
+            <a:pPr algn="ctr"/>
+            <a:endParaRPr b="0" lang="en-US" sz="4400" spc="-1" strike="noStrike">
+              <a:latin typeface="Arial"/>
+            </a:endParaRPr>
+          </a:p>
+        </p:txBody>
+      </p:sp>
+      <p:sp>
+        <p:nvSpPr>
+          <p:cNvPr id="45" name="PlaceHolder 2"/>
           <p:cNvSpPr>
             <a:spLocks noGrp="1"/>
           </p:cNvSpPr>
@@ -870,8 +820,8 @@
         </p:nvSpPr>
         <p:spPr>
           <a:xfrm>
-            <a:off x="457200" y="1600200"/>
-            <a:ext cx="4015800" cy="4525560"/>
+            <a:off x="457200" y="1604520"/>
+            <a:ext cx="4015800" cy="3977280"/>
           </a:xfrm>
           <a:prstGeom prst="rect">
             <a:avLst/>
@@ -883,17 +833,14 @@
           </a:bodyPr>
           <a:p>
             <a:endParaRPr b="0" lang="en-US" sz="3200" spc="-1" strike="noStrike">
-              <a:solidFill>
-                <a:srgbClr val="000000"/>
-              </a:solidFill>
-              <a:latin typeface="Calibri"/>
-            </a:endParaRPr>
-          </a:p>
-        </p:txBody>
-      </p:sp>
-      <p:sp>
-        <p:nvSpPr>
-          <p:cNvPr id="52" name="PlaceHolder 3"/>
+              <a:latin typeface="Arial"/>
+            </a:endParaRPr>
+          </a:p>
+        </p:txBody>
+      </p:sp>
+      <p:sp>
+        <p:nvSpPr>
+          <p:cNvPr id="46" name="PlaceHolder 3"/>
           <p:cNvSpPr>
             <a:spLocks noGrp="1"/>
           </p:cNvSpPr>
@@ -903,8 +850,8 @@
         </p:nvSpPr>
         <p:spPr>
           <a:xfrm>
-            <a:off x="4674240" y="1600200"/>
-            <a:ext cx="4015800" cy="4525560"/>
+            <a:off x="4674240" y="1604520"/>
+            <a:ext cx="4015800" cy="3977280"/>
           </a:xfrm>
           <a:prstGeom prst="rect">
             <a:avLst/>
@@ -916,10 +863,7 @@
           </a:bodyPr>
           <a:p>
             <a:endParaRPr b="0" lang="en-US" sz="3200" spc="-1" strike="noStrike">
-              <a:solidFill>
-                <a:srgbClr val="000000"/>
-              </a:solidFill>
-              <a:latin typeface="Calibri"/>
+              <a:latin typeface="Arial"/>
             </a:endParaRPr>
           </a:p>
         </p:txBody>
@@ -948,7 +892,7 @@
       </p:grpSpPr>
       <p:sp>
         <p:nvSpPr>
-          <p:cNvPr id="53" name="PlaceHolder 1"/>
+          <p:cNvPr id="47" name="PlaceHolder 1"/>
           <p:cNvSpPr>
             <a:spLocks noGrp="1"/>
           </p:cNvSpPr>
@@ -958,8 +902,8 @@
         </p:nvSpPr>
         <p:spPr>
           <a:xfrm>
-            <a:off x="457200" y="274680"/>
-            <a:ext cx="8229240" cy="1142640"/>
+            <a:off x="457200" y="273600"/>
+            <a:ext cx="8229240" cy="1144800"/>
           </a:xfrm>
           <a:prstGeom prst="rect">
             <a:avLst/>
@@ -970,11 +914,9 @@
             <a:noAutofit/>
           </a:bodyPr>
           <a:p>
-            <a:endParaRPr b="0" lang="en-US" sz="1800" spc="-1" strike="noStrike">
-              <a:solidFill>
-                <a:srgbClr val="000000"/>
-              </a:solidFill>
-              <a:latin typeface="Calibri"/>
+            <a:pPr algn="ctr"/>
+            <a:endParaRPr b="0" lang="en-US" sz="4400" spc="-1" strike="noStrike">
+              <a:latin typeface="Arial"/>
             </a:endParaRPr>
           </a:p>
         </p:txBody>
@@ -1003,7 +945,7 @@
       </p:grpSpPr>
       <p:sp>
         <p:nvSpPr>
-          <p:cNvPr id="54" name="PlaceHolder 1"/>
+          <p:cNvPr id="48" name="PlaceHolder 1"/>
           <p:cNvSpPr>
             <a:spLocks noGrp="1"/>
           </p:cNvSpPr>
@@ -1013,8 +955,8 @@
         </p:nvSpPr>
         <p:spPr>
           <a:xfrm>
-            <a:off x="457200" y="274680"/>
-            <a:ext cx="8229240" cy="5297760"/>
+            <a:off x="457200" y="273600"/>
+            <a:ext cx="8229240" cy="5307840"/>
           </a:xfrm>
           <a:prstGeom prst="rect">
             <a:avLst/>
@@ -1056,7 +998,7 @@
       </p:grpSpPr>
       <p:sp>
         <p:nvSpPr>
-          <p:cNvPr id="55" name="PlaceHolder 1"/>
+          <p:cNvPr id="49" name="PlaceHolder 1"/>
           <p:cNvSpPr>
             <a:spLocks noGrp="1"/>
           </p:cNvSpPr>
@@ -1066,8 +1008,8 @@
         </p:nvSpPr>
         <p:spPr>
           <a:xfrm>
-            <a:off x="457200" y="274680"/>
-            <a:ext cx="8229240" cy="1142640"/>
+            <a:off x="457200" y="273600"/>
+            <a:ext cx="8229240" cy="1144800"/>
           </a:xfrm>
           <a:prstGeom prst="rect">
             <a:avLst/>
@@ -1078,18 +1020,16 @@
             <a:noAutofit/>
           </a:bodyPr>
           <a:p>
-            <a:endParaRPr b="0" lang="en-US" sz="1800" spc="-1" strike="noStrike">
-              <a:solidFill>
-                <a:srgbClr val="000000"/>
-              </a:solidFill>
-              <a:latin typeface="Calibri"/>
-            </a:endParaRPr>
-          </a:p>
-        </p:txBody>
-      </p:sp>
-      <p:sp>
-        <p:nvSpPr>
-          <p:cNvPr id="56" name="PlaceHolder 2"/>
+            <a:pPr algn="ctr"/>
+            <a:endParaRPr b="0" lang="en-US" sz="4400" spc="-1" strike="noStrike">
+              <a:latin typeface="Arial"/>
+            </a:endParaRPr>
+          </a:p>
+        </p:txBody>
+      </p:sp>
+      <p:sp>
+        <p:nvSpPr>
+          <p:cNvPr id="50" name="PlaceHolder 2"/>
           <p:cNvSpPr>
             <a:spLocks noGrp="1"/>
           </p:cNvSpPr>
@@ -1099,8 +1039,8 @@
         </p:nvSpPr>
         <p:spPr>
           <a:xfrm>
-            <a:off x="457200" y="1600200"/>
-            <a:ext cx="4015800" cy="2158560"/>
+            <a:off x="457200" y="1604520"/>
+            <a:ext cx="4015800" cy="1896840"/>
           </a:xfrm>
           <a:prstGeom prst="rect">
             <a:avLst/>
@@ -1112,17 +1052,14 @@
           </a:bodyPr>
           <a:p>
             <a:endParaRPr b="0" lang="en-US" sz="3200" spc="-1" strike="noStrike">
-              <a:solidFill>
-                <a:srgbClr val="000000"/>
-              </a:solidFill>
-              <a:latin typeface="Calibri"/>
-            </a:endParaRPr>
-          </a:p>
-        </p:txBody>
-      </p:sp>
-      <p:sp>
-        <p:nvSpPr>
-          <p:cNvPr id="57" name="PlaceHolder 3"/>
+              <a:latin typeface="Arial"/>
+            </a:endParaRPr>
+          </a:p>
+        </p:txBody>
+      </p:sp>
+      <p:sp>
+        <p:nvSpPr>
+          <p:cNvPr id="51" name="PlaceHolder 3"/>
           <p:cNvSpPr>
             <a:spLocks noGrp="1"/>
           </p:cNvSpPr>
@@ -1132,8 +1069,8 @@
         </p:nvSpPr>
         <p:spPr>
           <a:xfrm>
-            <a:off x="4674240" y="1600200"/>
-            <a:ext cx="4015800" cy="4525560"/>
+            <a:off x="4674240" y="1604520"/>
+            <a:ext cx="4015800" cy="3977280"/>
           </a:xfrm>
           <a:prstGeom prst="rect">
             <a:avLst/>
@@ -1145,17 +1082,14 @@
           </a:bodyPr>
           <a:p>
             <a:endParaRPr b="0" lang="en-US" sz="3200" spc="-1" strike="noStrike">
-              <a:solidFill>
-                <a:srgbClr val="000000"/>
-              </a:solidFill>
-              <a:latin typeface="Calibri"/>
-            </a:endParaRPr>
-          </a:p>
-        </p:txBody>
-      </p:sp>
-      <p:sp>
-        <p:nvSpPr>
-          <p:cNvPr id="58" name="PlaceHolder 4"/>
+              <a:latin typeface="Arial"/>
+            </a:endParaRPr>
+          </a:p>
+        </p:txBody>
+      </p:sp>
+      <p:sp>
+        <p:nvSpPr>
+          <p:cNvPr id="52" name="PlaceHolder 4"/>
           <p:cNvSpPr>
             <a:spLocks noGrp="1"/>
           </p:cNvSpPr>
@@ -1165,8 +1099,8 @@
         </p:nvSpPr>
         <p:spPr>
           <a:xfrm>
-            <a:off x="457200" y="3964320"/>
-            <a:ext cx="4015800" cy="2158560"/>
+            <a:off x="457200" y="3682080"/>
+            <a:ext cx="4015800" cy="1896840"/>
           </a:xfrm>
           <a:prstGeom prst="rect">
             <a:avLst/>
@@ -1178,10 +1112,7 @@
           </a:bodyPr>
           <a:p>
             <a:endParaRPr b="0" lang="en-US" sz="3200" spc="-1" strike="noStrike">
-              <a:solidFill>
-                <a:srgbClr val="000000"/>
-              </a:solidFill>
-              <a:latin typeface="Calibri"/>
+              <a:latin typeface="Arial"/>
             </a:endParaRPr>
           </a:p>
         </p:txBody>
@@ -1210,7 +1141,7 @@
       </p:grpSpPr>
       <p:sp>
         <p:nvSpPr>
-          <p:cNvPr id="5" name="PlaceHolder 1"/>
+          <p:cNvPr id="2" name="PlaceHolder 1"/>
           <p:cNvSpPr>
             <a:spLocks noGrp="1"/>
           </p:cNvSpPr>
@@ -1220,8 +1151,8 @@
         </p:nvSpPr>
         <p:spPr>
           <a:xfrm>
-            <a:off x="457200" y="274680"/>
-            <a:ext cx="8229240" cy="1142640"/>
+            <a:off x="457200" y="273600"/>
+            <a:ext cx="8229240" cy="1144800"/>
           </a:xfrm>
           <a:prstGeom prst="rect">
             <a:avLst/>
@@ -1232,18 +1163,16 @@
             <a:noAutofit/>
           </a:bodyPr>
           <a:p>
-            <a:endParaRPr b="0" lang="en-US" sz="1800" spc="-1" strike="noStrike">
-              <a:solidFill>
-                <a:srgbClr val="000000"/>
-              </a:solidFill>
-              <a:latin typeface="Calibri"/>
-            </a:endParaRPr>
-          </a:p>
-        </p:txBody>
-      </p:sp>
-      <p:sp>
-        <p:nvSpPr>
-          <p:cNvPr id="6" name="PlaceHolder 2"/>
+            <a:pPr algn="ctr"/>
+            <a:endParaRPr b="0" lang="en-US" sz="4400" spc="-1" strike="noStrike">
+              <a:latin typeface="Arial"/>
+            </a:endParaRPr>
+          </a:p>
+        </p:txBody>
+      </p:sp>
+      <p:sp>
+        <p:nvSpPr>
+          <p:cNvPr id="3" name="PlaceHolder 2"/>
           <p:cNvSpPr>
             <a:spLocks noGrp="1"/>
           </p:cNvSpPr>
@@ -1253,8 +1182,8 @@
         </p:nvSpPr>
         <p:spPr>
           <a:xfrm>
-            <a:off x="457200" y="1600200"/>
-            <a:ext cx="8229240" cy="4525560"/>
+            <a:off x="457200" y="1604520"/>
+            <a:ext cx="8229240" cy="3977280"/>
           </a:xfrm>
           <a:prstGeom prst="rect">
             <a:avLst/>
@@ -1296,7 +1225,7 @@
       </p:grpSpPr>
       <p:sp>
         <p:nvSpPr>
-          <p:cNvPr id="59" name="PlaceHolder 1"/>
+          <p:cNvPr id="53" name="PlaceHolder 1"/>
           <p:cNvSpPr>
             <a:spLocks noGrp="1"/>
           </p:cNvSpPr>
@@ -1306,8 +1235,8 @@
         </p:nvSpPr>
         <p:spPr>
           <a:xfrm>
-            <a:off x="457200" y="274680"/>
-            <a:ext cx="8229240" cy="1142640"/>
+            <a:off x="457200" y="273600"/>
+            <a:ext cx="8229240" cy="1144800"/>
           </a:xfrm>
           <a:prstGeom prst="rect">
             <a:avLst/>
@@ -1318,18 +1247,16 @@
             <a:noAutofit/>
           </a:bodyPr>
           <a:p>
-            <a:endParaRPr b="0" lang="en-US" sz="1800" spc="-1" strike="noStrike">
-              <a:solidFill>
-                <a:srgbClr val="000000"/>
-              </a:solidFill>
-              <a:latin typeface="Calibri"/>
-            </a:endParaRPr>
-          </a:p>
-        </p:txBody>
-      </p:sp>
-      <p:sp>
-        <p:nvSpPr>
-          <p:cNvPr id="60" name="PlaceHolder 2"/>
+            <a:pPr algn="ctr"/>
+            <a:endParaRPr b="0" lang="en-US" sz="4400" spc="-1" strike="noStrike">
+              <a:latin typeface="Arial"/>
+            </a:endParaRPr>
+          </a:p>
+        </p:txBody>
+      </p:sp>
+      <p:sp>
+        <p:nvSpPr>
+          <p:cNvPr id="54" name="PlaceHolder 2"/>
           <p:cNvSpPr>
             <a:spLocks noGrp="1"/>
           </p:cNvSpPr>
@@ -1339,8 +1266,8 @@
         </p:nvSpPr>
         <p:spPr>
           <a:xfrm>
-            <a:off x="457200" y="1600200"/>
-            <a:ext cx="4015800" cy="4525560"/>
+            <a:off x="457200" y="1604520"/>
+            <a:ext cx="4015800" cy="3977280"/>
           </a:xfrm>
           <a:prstGeom prst="rect">
             <a:avLst/>
@@ -1352,17 +1279,14 @@
           </a:bodyPr>
           <a:p>
             <a:endParaRPr b="0" lang="en-US" sz="3200" spc="-1" strike="noStrike">
-              <a:solidFill>
-                <a:srgbClr val="000000"/>
-              </a:solidFill>
-              <a:latin typeface="Calibri"/>
-            </a:endParaRPr>
-          </a:p>
-        </p:txBody>
-      </p:sp>
-      <p:sp>
-        <p:nvSpPr>
-          <p:cNvPr id="61" name="PlaceHolder 3"/>
+              <a:latin typeface="Arial"/>
+            </a:endParaRPr>
+          </a:p>
+        </p:txBody>
+      </p:sp>
+      <p:sp>
+        <p:nvSpPr>
+          <p:cNvPr id="55" name="PlaceHolder 3"/>
           <p:cNvSpPr>
             <a:spLocks noGrp="1"/>
           </p:cNvSpPr>
@@ -1372,8 +1296,8 @@
         </p:nvSpPr>
         <p:spPr>
           <a:xfrm>
-            <a:off x="4674240" y="1600200"/>
-            <a:ext cx="4015800" cy="2158560"/>
+            <a:off x="4674240" y="1604520"/>
+            <a:ext cx="4015800" cy="1896840"/>
           </a:xfrm>
           <a:prstGeom prst="rect">
             <a:avLst/>
@@ -1385,17 +1309,14 @@
           </a:bodyPr>
           <a:p>
             <a:endParaRPr b="0" lang="en-US" sz="3200" spc="-1" strike="noStrike">
-              <a:solidFill>
-                <a:srgbClr val="000000"/>
-              </a:solidFill>
-              <a:latin typeface="Calibri"/>
-            </a:endParaRPr>
-          </a:p>
-        </p:txBody>
-      </p:sp>
-      <p:sp>
-        <p:nvSpPr>
-          <p:cNvPr id="62" name="PlaceHolder 4"/>
+              <a:latin typeface="Arial"/>
+            </a:endParaRPr>
+          </a:p>
+        </p:txBody>
+      </p:sp>
+      <p:sp>
+        <p:nvSpPr>
+          <p:cNvPr id="56" name="PlaceHolder 4"/>
           <p:cNvSpPr>
             <a:spLocks noGrp="1"/>
           </p:cNvSpPr>
@@ -1405,8 +1326,8 @@
         </p:nvSpPr>
         <p:spPr>
           <a:xfrm>
-            <a:off x="4674240" y="3964320"/>
-            <a:ext cx="4015800" cy="2158560"/>
+            <a:off x="4674240" y="3682080"/>
+            <a:ext cx="4015800" cy="1896840"/>
           </a:xfrm>
           <a:prstGeom prst="rect">
             <a:avLst/>
@@ -1418,10 +1339,7 @@
           </a:bodyPr>
           <a:p>
             <a:endParaRPr b="0" lang="en-US" sz="3200" spc="-1" strike="noStrike">
-              <a:solidFill>
-                <a:srgbClr val="000000"/>
-              </a:solidFill>
-              <a:latin typeface="Calibri"/>
+              <a:latin typeface="Arial"/>
             </a:endParaRPr>
           </a:p>
         </p:txBody>
@@ -1450,7 +1368,7 @@
       </p:grpSpPr>
       <p:sp>
         <p:nvSpPr>
-          <p:cNvPr id="63" name="PlaceHolder 1"/>
+          <p:cNvPr id="57" name="PlaceHolder 1"/>
           <p:cNvSpPr>
             <a:spLocks noGrp="1"/>
           </p:cNvSpPr>
@@ -1460,8 +1378,8 @@
         </p:nvSpPr>
         <p:spPr>
           <a:xfrm>
-            <a:off x="457200" y="274680"/>
-            <a:ext cx="8229240" cy="1142640"/>
+            <a:off x="457200" y="273600"/>
+            <a:ext cx="8229240" cy="1144800"/>
           </a:xfrm>
           <a:prstGeom prst="rect">
             <a:avLst/>
@@ -1472,18 +1390,16 @@
             <a:noAutofit/>
           </a:bodyPr>
           <a:p>
-            <a:endParaRPr b="0" lang="en-US" sz="1800" spc="-1" strike="noStrike">
-              <a:solidFill>
-                <a:srgbClr val="000000"/>
-              </a:solidFill>
-              <a:latin typeface="Calibri"/>
-            </a:endParaRPr>
-          </a:p>
-        </p:txBody>
-      </p:sp>
-      <p:sp>
-        <p:nvSpPr>
-          <p:cNvPr id="64" name="PlaceHolder 2"/>
+            <a:pPr algn="ctr"/>
+            <a:endParaRPr b="0" lang="en-US" sz="4400" spc="-1" strike="noStrike">
+              <a:latin typeface="Arial"/>
+            </a:endParaRPr>
+          </a:p>
+        </p:txBody>
+      </p:sp>
+      <p:sp>
+        <p:nvSpPr>
+          <p:cNvPr id="58" name="PlaceHolder 2"/>
           <p:cNvSpPr>
             <a:spLocks noGrp="1"/>
           </p:cNvSpPr>
@@ -1493,8 +1409,8 @@
         </p:nvSpPr>
         <p:spPr>
           <a:xfrm>
-            <a:off x="457200" y="1600200"/>
-            <a:ext cx="4015800" cy="2158560"/>
+            <a:off x="457200" y="1604520"/>
+            <a:ext cx="4015800" cy="1896840"/>
           </a:xfrm>
           <a:prstGeom prst="rect">
             <a:avLst/>
@@ -1506,17 +1422,14 @@
           </a:bodyPr>
           <a:p>
             <a:endParaRPr b="0" lang="en-US" sz="3200" spc="-1" strike="noStrike">
-              <a:solidFill>
-                <a:srgbClr val="000000"/>
-              </a:solidFill>
-              <a:latin typeface="Calibri"/>
-            </a:endParaRPr>
-          </a:p>
-        </p:txBody>
-      </p:sp>
-      <p:sp>
-        <p:nvSpPr>
-          <p:cNvPr id="65" name="PlaceHolder 3"/>
+              <a:latin typeface="Arial"/>
+            </a:endParaRPr>
+          </a:p>
+        </p:txBody>
+      </p:sp>
+      <p:sp>
+        <p:nvSpPr>
+          <p:cNvPr id="59" name="PlaceHolder 3"/>
           <p:cNvSpPr>
             <a:spLocks noGrp="1"/>
           </p:cNvSpPr>
@@ -1526,8 +1439,8 @@
         </p:nvSpPr>
         <p:spPr>
           <a:xfrm>
-            <a:off x="4674240" y="1600200"/>
-            <a:ext cx="4015800" cy="2158560"/>
+            <a:off x="4674240" y="1604520"/>
+            <a:ext cx="4015800" cy="1896840"/>
           </a:xfrm>
           <a:prstGeom prst="rect">
             <a:avLst/>
@@ -1539,17 +1452,14 @@
           </a:bodyPr>
           <a:p>
             <a:endParaRPr b="0" lang="en-US" sz="3200" spc="-1" strike="noStrike">
-              <a:solidFill>
-                <a:srgbClr val="000000"/>
-              </a:solidFill>
-              <a:latin typeface="Calibri"/>
-            </a:endParaRPr>
-          </a:p>
-        </p:txBody>
-      </p:sp>
-      <p:sp>
-        <p:nvSpPr>
-          <p:cNvPr id="66" name="PlaceHolder 4"/>
+              <a:latin typeface="Arial"/>
+            </a:endParaRPr>
+          </a:p>
+        </p:txBody>
+      </p:sp>
+      <p:sp>
+        <p:nvSpPr>
+          <p:cNvPr id="60" name="PlaceHolder 4"/>
           <p:cNvSpPr>
             <a:spLocks noGrp="1"/>
           </p:cNvSpPr>
@@ -1559,8 +1469,8 @@
         </p:nvSpPr>
         <p:spPr>
           <a:xfrm>
-            <a:off x="457200" y="3964320"/>
-            <a:ext cx="8229240" cy="2158560"/>
+            <a:off x="457200" y="3682080"/>
+            <a:ext cx="8229240" cy="1896840"/>
           </a:xfrm>
           <a:prstGeom prst="rect">
             <a:avLst/>
@@ -1572,10 +1482,7 @@
           </a:bodyPr>
           <a:p>
             <a:endParaRPr b="0" lang="en-US" sz="3200" spc="-1" strike="noStrike">
-              <a:solidFill>
-                <a:srgbClr val="000000"/>
-              </a:solidFill>
-              <a:latin typeface="Calibri"/>
+              <a:latin typeface="Arial"/>
             </a:endParaRPr>
           </a:p>
         </p:txBody>
@@ -1604,7 +1511,7 @@
       </p:grpSpPr>
       <p:sp>
         <p:nvSpPr>
-          <p:cNvPr id="67" name="PlaceHolder 1"/>
+          <p:cNvPr id="61" name="PlaceHolder 1"/>
           <p:cNvSpPr>
             <a:spLocks noGrp="1"/>
           </p:cNvSpPr>
@@ -1614,8 +1521,8 @@
         </p:nvSpPr>
         <p:spPr>
           <a:xfrm>
-            <a:off x="457200" y="274680"/>
-            <a:ext cx="8229240" cy="1142640"/>
+            <a:off x="457200" y="273600"/>
+            <a:ext cx="8229240" cy="1144800"/>
           </a:xfrm>
           <a:prstGeom prst="rect">
             <a:avLst/>
@@ -1626,18 +1533,16 @@
             <a:noAutofit/>
           </a:bodyPr>
           <a:p>
-            <a:endParaRPr b="0" lang="en-US" sz="1800" spc="-1" strike="noStrike">
-              <a:solidFill>
-                <a:srgbClr val="000000"/>
-              </a:solidFill>
-              <a:latin typeface="Calibri"/>
-            </a:endParaRPr>
-          </a:p>
-        </p:txBody>
-      </p:sp>
-      <p:sp>
-        <p:nvSpPr>
-          <p:cNvPr id="68" name="PlaceHolder 2"/>
+            <a:pPr algn="ctr"/>
+            <a:endParaRPr b="0" lang="en-US" sz="4400" spc="-1" strike="noStrike">
+              <a:latin typeface="Arial"/>
+            </a:endParaRPr>
+          </a:p>
+        </p:txBody>
+      </p:sp>
+      <p:sp>
+        <p:nvSpPr>
+          <p:cNvPr id="62" name="PlaceHolder 2"/>
           <p:cNvSpPr>
             <a:spLocks noGrp="1"/>
           </p:cNvSpPr>
@@ -1647,8 +1552,8 @@
         </p:nvSpPr>
         <p:spPr>
           <a:xfrm>
-            <a:off x="457200" y="1600200"/>
-            <a:ext cx="8229240" cy="2158560"/>
+            <a:off x="457200" y="1604520"/>
+            <a:ext cx="8229240" cy="1896840"/>
           </a:xfrm>
           <a:prstGeom prst="rect">
             <a:avLst/>
@@ -1660,17 +1565,14 @@
           </a:bodyPr>
           <a:p>
             <a:endParaRPr b="0" lang="en-US" sz="3200" spc="-1" strike="noStrike">
-              <a:solidFill>
-                <a:srgbClr val="000000"/>
-              </a:solidFill>
-              <a:latin typeface="Calibri"/>
-            </a:endParaRPr>
-          </a:p>
-        </p:txBody>
-      </p:sp>
-      <p:sp>
-        <p:nvSpPr>
-          <p:cNvPr id="69" name="PlaceHolder 3"/>
+              <a:latin typeface="Arial"/>
+            </a:endParaRPr>
+          </a:p>
+        </p:txBody>
+      </p:sp>
+      <p:sp>
+        <p:nvSpPr>
+          <p:cNvPr id="63" name="PlaceHolder 3"/>
           <p:cNvSpPr>
             <a:spLocks noGrp="1"/>
           </p:cNvSpPr>
@@ -1680,8 +1582,8 @@
         </p:nvSpPr>
         <p:spPr>
           <a:xfrm>
-            <a:off x="457200" y="3964320"/>
-            <a:ext cx="8229240" cy="2158560"/>
+            <a:off x="457200" y="3682080"/>
+            <a:ext cx="8229240" cy="1896840"/>
           </a:xfrm>
           <a:prstGeom prst="rect">
             <a:avLst/>
@@ -1693,10 +1595,7 @@
           </a:bodyPr>
           <a:p>
             <a:endParaRPr b="0" lang="en-US" sz="3200" spc="-1" strike="noStrike">
-              <a:solidFill>
-                <a:srgbClr val="000000"/>
-              </a:solidFill>
-              <a:latin typeface="Calibri"/>
+              <a:latin typeface="Arial"/>
             </a:endParaRPr>
           </a:p>
         </p:txBody>
@@ -1725,7 +1624,7 @@
       </p:grpSpPr>
       <p:sp>
         <p:nvSpPr>
-          <p:cNvPr id="70" name="PlaceHolder 1"/>
+          <p:cNvPr id="64" name="PlaceHolder 1"/>
           <p:cNvSpPr>
             <a:spLocks noGrp="1"/>
           </p:cNvSpPr>
@@ -1735,8 +1634,8 @@
         </p:nvSpPr>
         <p:spPr>
           <a:xfrm>
-            <a:off x="457200" y="274680"/>
-            <a:ext cx="8229240" cy="1142640"/>
+            <a:off x="457200" y="273600"/>
+            <a:ext cx="8229240" cy="1144800"/>
           </a:xfrm>
           <a:prstGeom prst="rect">
             <a:avLst/>
@@ -1747,18 +1646,16 @@
             <a:noAutofit/>
           </a:bodyPr>
           <a:p>
-            <a:endParaRPr b="0" lang="en-US" sz="1800" spc="-1" strike="noStrike">
-              <a:solidFill>
-                <a:srgbClr val="000000"/>
-              </a:solidFill>
-              <a:latin typeface="Calibri"/>
-            </a:endParaRPr>
-          </a:p>
-        </p:txBody>
-      </p:sp>
-      <p:sp>
-        <p:nvSpPr>
-          <p:cNvPr id="71" name="PlaceHolder 2"/>
+            <a:pPr algn="ctr"/>
+            <a:endParaRPr b="0" lang="en-US" sz="4400" spc="-1" strike="noStrike">
+              <a:latin typeface="Arial"/>
+            </a:endParaRPr>
+          </a:p>
+        </p:txBody>
+      </p:sp>
+      <p:sp>
+        <p:nvSpPr>
+          <p:cNvPr id="65" name="PlaceHolder 2"/>
           <p:cNvSpPr>
             <a:spLocks noGrp="1"/>
           </p:cNvSpPr>
@@ -1768,8 +1665,8 @@
         </p:nvSpPr>
         <p:spPr>
           <a:xfrm>
-            <a:off x="457200" y="1600200"/>
-            <a:ext cx="4015800" cy="2158560"/>
+            <a:off x="457200" y="1604520"/>
+            <a:ext cx="4015800" cy="1896840"/>
           </a:xfrm>
           <a:prstGeom prst="rect">
             <a:avLst/>
@@ -1781,17 +1678,14 @@
           </a:bodyPr>
           <a:p>
             <a:endParaRPr b="0" lang="en-US" sz="3200" spc="-1" strike="noStrike">
-              <a:solidFill>
-                <a:srgbClr val="000000"/>
-              </a:solidFill>
-              <a:latin typeface="Calibri"/>
-            </a:endParaRPr>
-          </a:p>
-        </p:txBody>
-      </p:sp>
-      <p:sp>
-        <p:nvSpPr>
-          <p:cNvPr id="72" name="PlaceHolder 3"/>
+              <a:latin typeface="Arial"/>
+            </a:endParaRPr>
+          </a:p>
+        </p:txBody>
+      </p:sp>
+      <p:sp>
+        <p:nvSpPr>
+          <p:cNvPr id="66" name="PlaceHolder 3"/>
           <p:cNvSpPr>
             <a:spLocks noGrp="1"/>
           </p:cNvSpPr>
@@ -1801,8 +1695,8 @@
         </p:nvSpPr>
         <p:spPr>
           <a:xfrm>
-            <a:off x="4674240" y="1600200"/>
-            <a:ext cx="4015800" cy="2158560"/>
+            <a:off x="4674240" y="1604520"/>
+            <a:ext cx="4015800" cy="1896840"/>
           </a:xfrm>
           <a:prstGeom prst="rect">
             <a:avLst/>
@@ -1814,17 +1708,14 @@
           </a:bodyPr>
           <a:p>
             <a:endParaRPr b="0" lang="en-US" sz="3200" spc="-1" strike="noStrike">
-              <a:solidFill>
-                <a:srgbClr val="000000"/>
-              </a:solidFill>
-              <a:latin typeface="Calibri"/>
-            </a:endParaRPr>
-          </a:p>
-        </p:txBody>
-      </p:sp>
-      <p:sp>
-        <p:nvSpPr>
-          <p:cNvPr id="73" name="PlaceHolder 4"/>
+              <a:latin typeface="Arial"/>
+            </a:endParaRPr>
+          </a:p>
+        </p:txBody>
+      </p:sp>
+      <p:sp>
+        <p:nvSpPr>
+          <p:cNvPr id="67" name="PlaceHolder 4"/>
           <p:cNvSpPr>
             <a:spLocks noGrp="1"/>
           </p:cNvSpPr>
@@ -1834,8 +1725,8 @@
         </p:nvSpPr>
         <p:spPr>
           <a:xfrm>
-            <a:off x="457200" y="3964320"/>
-            <a:ext cx="4015800" cy="2158560"/>
+            <a:off x="457200" y="3682080"/>
+            <a:ext cx="4015800" cy="1896840"/>
           </a:xfrm>
           <a:prstGeom prst="rect">
             <a:avLst/>
@@ -1847,17 +1738,14 @@
           </a:bodyPr>
           <a:p>
             <a:endParaRPr b="0" lang="en-US" sz="3200" spc="-1" strike="noStrike">
-              <a:solidFill>
-                <a:srgbClr val="000000"/>
-              </a:solidFill>
-              <a:latin typeface="Calibri"/>
-            </a:endParaRPr>
-          </a:p>
-        </p:txBody>
-      </p:sp>
-      <p:sp>
-        <p:nvSpPr>
-          <p:cNvPr id="74" name="PlaceHolder 5"/>
+              <a:latin typeface="Arial"/>
+            </a:endParaRPr>
+          </a:p>
+        </p:txBody>
+      </p:sp>
+      <p:sp>
+        <p:nvSpPr>
+          <p:cNvPr id="68" name="PlaceHolder 5"/>
           <p:cNvSpPr>
             <a:spLocks noGrp="1"/>
           </p:cNvSpPr>
@@ -1867,8 +1755,8 @@
         </p:nvSpPr>
         <p:spPr>
           <a:xfrm>
-            <a:off x="4674240" y="3964320"/>
-            <a:ext cx="4015800" cy="2158560"/>
+            <a:off x="4674240" y="3682080"/>
+            <a:ext cx="4015800" cy="1896840"/>
           </a:xfrm>
           <a:prstGeom prst="rect">
             <a:avLst/>
@@ -1880,10 +1768,7 @@
           </a:bodyPr>
           <a:p>
             <a:endParaRPr b="0" lang="en-US" sz="3200" spc="-1" strike="noStrike">
-              <a:solidFill>
-                <a:srgbClr val="000000"/>
-              </a:solidFill>
-              <a:latin typeface="Calibri"/>
+              <a:latin typeface="Arial"/>
             </a:endParaRPr>
           </a:p>
         </p:txBody>
@@ -1912,7 +1797,7 @@
       </p:grpSpPr>
       <p:sp>
         <p:nvSpPr>
-          <p:cNvPr id="75" name="PlaceHolder 1"/>
+          <p:cNvPr id="69" name="PlaceHolder 1"/>
           <p:cNvSpPr>
             <a:spLocks noGrp="1"/>
           </p:cNvSpPr>
@@ -1922,8 +1807,8 @@
         </p:nvSpPr>
         <p:spPr>
           <a:xfrm>
-            <a:off x="457200" y="274680"/>
-            <a:ext cx="8229240" cy="1142640"/>
+            <a:off x="457200" y="273600"/>
+            <a:ext cx="8229240" cy="1144800"/>
           </a:xfrm>
           <a:prstGeom prst="rect">
             <a:avLst/>
@@ -1934,18 +1819,16 @@
             <a:noAutofit/>
           </a:bodyPr>
           <a:p>
-            <a:endParaRPr b="0" lang="en-US" sz="1800" spc="-1" strike="noStrike">
-              <a:solidFill>
-                <a:srgbClr val="000000"/>
-              </a:solidFill>
-              <a:latin typeface="Calibri"/>
-            </a:endParaRPr>
-          </a:p>
-        </p:txBody>
-      </p:sp>
-      <p:sp>
-        <p:nvSpPr>
-          <p:cNvPr id="76" name="PlaceHolder 2"/>
+            <a:pPr algn="ctr"/>
+            <a:endParaRPr b="0" lang="en-US" sz="4400" spc="-1" strike="noStrike">
+              <a:latin typeface="Arial"/>
+            </a:endParaRPr>
+          </a:p>
+        </p:txBody>
+      </p:sp>
+      <p:sp>
+        <p:nvSpPr>
+          <p:cNvPr id="70" name="PlaceHolder 2"/>
           <p:cNvSpPr>
             <a:spLocks noGrp="1"/>
           </p:cNvSpPr>
@@ -1955,8 +1838,8 @@
         </p:nvSpPr>
         <p:spPr>
           <a:xfrm>
-            <a:off x="457200" y="1600200"/>
-            <a:ext cx="2649600" cy="2158560"/>
+            <a:off x="457200" y="1604520"/>
+            <a:ext cx="2649600" cy="1896840"/>
           </a:xfrm>
           <a:prstGeom prst="rect">
             <a:avLst/>
@@ -1968,17 +1851,14 @@
           </a:bodyPr>
           <a:p>
             <a:endParaRPr b="0" lang="en-US" sz="3200" spc="-1" strike="noStrike">
-              <a:solidFill>
-                <a:srgbClr val="000000"/>
-              </a:solidFill>
-              <a:latin typeface="Calibri"/>
-            </a:endParaRPr>
-          </a:p>
-        </p:txBody>
-      </p:sp>
-      <p:sp>
-        <p:nvSpPr>
-          <p:cNvPr id="77" name="PlaceHolder 3"/>
+              <a:latin typeface="Arial"/>
+            </a:endParaRPr>
+          </a:p>
+        </p:txBody>
+      </p:sp>
+      <p:sp>
+        <p:nvSpPr>
+          <p:cNvPr id="71" name="PlaceHolder 3"/>
           <p:cNvSpPr>
             <a:spLocks noGrp="1"/>
           </p:cNvSpPr>
@@ -1988,8 +1868,8 @@
         </p:nvSpPr>
         <p:spPr>
           <a:xfrm>
-            <a:off x="3239640" y="1600200"/>
-            <a:ext cx="2649600" cy="2158560"/>
+            <a:off x="3239640" y="1604520"/>
+            <a:ext cx="2649600" cy="1896840"/>
           </a:xfrm>
           <a:prstGeom prst="rect">
             <a:avLst/>
@@ -2001,17 +1881,14 @@
           </a:bodyPr>
           <a:p>
             <a:endParaRPr b="0" lang="en-US" sz="3200" spc="-1" strike="noStrike">
-              <a:solidFill>
-                <a:srgbClr val="000000"/>
-              </a:solidFill>
-              <a:latin typeface="Calibri"/>
-            </a:endParaRPr>
-          </a:p>
-        </p:txBody>
-      </p:sp>
-      <p:sp>
-        <p:nvSpPr>
-          <p:cNvPr id="78" name="PlaceHolder 4"/>
+              <a:latin typeface="Arial"/>
+            </a:endParaRPr>
+          </a:p>
+        </p:txBody>
+      </p:sp>
+      <p:sp>
+        <p:nvSpPr>
+          <p:cNvPr id="72" name="PlaceHolder 4"/>
           <p:cNvSpPr>
             <a:spLocks noGrp="1"/>
           </p:cNvSpPr>
@@ -2021,8 +1898,8 @@
         </p:nvSpPr>
         <p:spPr>
           <a:xfrm>
-            <a:off x="6022080" y="1600200"/>
-            <a:ext cx="2649600" cy="2158560"/>
+            <a:off x="6022080" y="1604520"/>
+            <a:ext cx="2649600" cy="1896840"/>
           </a:xfrm>
           <a:prstGeom prst="rect">
             <a:avLst/>
@@ -2034,17 +1911,14 @@
           </a:bodyPr>
           <a:p>
             <a:endParaRPr b="0" lang="en-US" sz="3200" spc="-1" strike="noStrike">
-              <a:solidFill>
-                <a:srgbClr val="000000"/>
-              </a:solidFill>
-              <a:latin typeface="Calibri"/>
-            </a:endParaRPr>
-          </a:p>
-        </p:txBody>
-      </p:sp>
-      <p:sp>
-        <p:nvSpPr>
-          <p:cNvPr id="79" name="PlaceHolder 5"/>
+              <a:latin typeface="Arial"/>
+            </a:endParaRPr>
+          </a:p>
+        </p:txBody>
+      </p:sp>
+      <p:sp>
+        <p:nvSpPr>
+          <p:cNvPr id="73" name="PlaceHolder 5"/>
           <p:cNvSpPr>
             <a:spLocks noGrp="1"/>
           </p:cNvSpPr>
@@ -2054,8 +1928,8 @@
         </p:nvSpPr>
         <p:spPr>
           <a:xfrm>
-            <a:off x="457200" y="3964320"/>
-            <a:ext cx="2649600" cy="2158560"/>
+            <a:off x="457200" y="3682080"/>
+            <a:ext cx="2649600" cy="1896840"/>
           </a:xfrm>
           <a:prstGeom prst="rect">
             <a:avLst/>
@@ -2067,17 +1941,14 @@
           </a:bodyPr>
           <a:p>
             <a:endParaRPr b="0" lang="en-US" sz="3200" spc="-1" strike="noStrike">
-              <a:solidFill>
-                <a:srgbClr val="000000"/>
-              </a:solidFill>
-              <a:latin typeface="Calibri"/>
-            </a:endParaRPr>
-          </a:p>
-        </p:txBody>
-      </p:sp>
-      <p:sp>
-        <p:nvSpPr>
-          <p:cNvPr id="80" name="PlaceHolder 6"/>
+              <a:latin typeface="Arial"/>
+            </a:endParaRPr>
+          </a:p>
+        </p:txBody>
+      </p:sp>
+      <p:sp>
+        <p:nvSpPr>
+          <p:cNvPr id="74" name="PlaceHolder 6"/>
           <p:cNvSpPr>
             <a:spLocks noGrp="1"/>
           </p:cNvSpPr>
@@ -2087,8 +1958,8 @@
         </p:nvSpPr>
         <p:spPr>
           <a:xfrm>
-            <a:off x="3239640" y="3964320"/>
-            <a:ext cx="2649600" cy="2158560"/>
+            <a:off x="3239640" y="3682080"/>
+            <a:ext cx="2649600" cy="1896840"/>
           </a:xfrm>
           <a:prstGeom prst="rect">
             <a:avLst/>
@@ -2100,17 +1971,14 @@
           </a:bodyPr>
           <a:p>
             <a:endParaRPr b="0" lang="en-US" sz="3200" spc="-1" strike="noStrike">
-              <a:solidFill>
-                <a:srgbClr val="000000"/>
-              </a:solidFill>
-              <a:latin typeface="Calibri"/>
-            </a:endParaRPr>
-          </a:p>
-        </p:txBody>
-      </p:sp>
-      <p:sp>
-        <p:nvSpPr>
-          <p:cNvPr id="81" name="PlaceHolder 7"/>
+              <a:latin typeface="Arial"/>
+            </a:endParaRPr>
+          </a:p>
+        </p:txBody>
+      </p:sp>
+      <p:sp>
+        <p:nvSpPr>
+          <p:cNvPr id="75" name="PlaceHolder 7"/>
           <p:cNvSpPr>
             <a:spLocks noGrp="1"/>
           </p:cNvSpPr>
@@ -2120,8 +1988,8 @@
         </p:nvSpPr>
         <p:spPr>
           <a:xfrm>
-            <a:off x="6022080" y="3964320"/>
-            <a:ext cx="2649600" cy="2158560"/>
+            <a:off x="6022080" y="3682080"/>
+            <a:ext cx="2649600" cy="1896840"/>
           </a:xfrm>
           <a:prstGeom prst="rect">
             <a:avLst/>
@@ -2133,10 +2001,7 @@
           </a:bodyPr>
           <a:p>
             <a:endParaRPr b="0" lang="en-US" sz="3200" spc="-1" strike="noStrike">
-              <a:solidFill>
-                <a:srgbClr val="000000"/>
-              </a:solidFill>
-              <a:latin typeface="Calibri"/>
+              <a:latin typeface="Arial"/>
             </a:endParaRPr>
           </a:p>
         </p:txBody>
@@ -2187,7 +2052,7 @@
       </p:grpSpPr>
       <p:sp>
         <p:nvSpPr>
-          <p:cNvPr id="87" name="PlaceHolder 1"/>
+          <p:cNvPr id="78" name="PlaceHolder 1"/>
           <p:cNvSpPr>
             <a:spLocks noGrp="1"/>
           </p:cNvSpPr>
@@ -2197,8 +2062,8 @@
         </p:nvSpPr>
         <p:spPr>
           <a:xfrm>
-            <a:off x="457200" y="274680"/>
-            <a:ext cx="8229240" cy="1142640"/>
+            <a:off x="457200" y="273600"/>
+            <a:ext cx="8229240" cy="1144800"/>
           </a:xfrm>
           <a:prstGeom prst="rect">
             <a:avLst/>
@@ -2209,18 +2074,16 @@
             <a:noAutofit/>
           </a:bodyPr>
           <a:p>
-            <a:endParaRPr b="0" lang="en-US" sz="1800" spc="-1" strike="noStrike">
-              <a:solidFill>
-                <a:srgbClr val="000000"/>
-              </a:solidFill>
-              <a:latin typeface="Calibri"/>
-            </a:endParaRPr>
-          </a:p>
-        </p:txBody>
-      </p:sp>
-      <p:sp>
-        <p:nvSpPr>
-          <p:cNvPr id="88" name="PlaceHolder 2"/>
+            <a:pPr algn="ctr"/>
+            <a:endParaRPr b="0" lang="en-US" sz="4400" spc="-1" strike="noStrike">
+              <a:latin typeface="Arial"/>
+            </a:endParaRPr>
+          </a:p>
+        </p:txBody>
+      </p:sp>
+      <p:sp>
+        <p:nvSpPr>
+          <p:cNvPr id="79" name="PlaceHolder 2"/>
           <p:cNvSpPr>
             <a:spLocks noGrp="1"/>
           </p:cNvSpPr>
@@ -2230,8 +2093,8 @@
         </p:nvSpPr>
         <p:spPr>
           <a:xfrm>
-            <a:off x="457200" y="1600200"/>
-            <a:ext cx="8229240" cy="4525560"/>
+            <a:off x="457200" y="1604520"/>
+            <a:ext cx="8229240" cy="3977280"/>
           </a:xfrm>
           <a:prstGeom prst="rect">
             <a:avLst/>
@@ -2273,7 +2136,7 @@
       </p:grpSpPr>
       <p:sp>
         <p:nvSpPr>
-          <p:cNvPr id="89" name="PlaceHolder 1"/>
+          <p:cNvPr id="80" name="PlaceHolder 1"/>
           <p:cNvSpPr>
             <a:spLocks noGrp="1"/>
           </p:cNvSpPr>
@@ -2283,8 +2146,8 @@
         </p:nvSpPr>
         <p:spPr>
           <a:xfrm>
-            <a:off x="457200" y="274680"/>
-            <a:ext cx="8229240" cy="1142640"/>
+            <a:off x="457200" y="273600"/>
+            <a:ext cx="8229240" cy="1144800"/>
           </a:xfrm>
           <a:prstGeom prst="rect">
             <a:avLst/>
@@ -2295,18 +2158,16 @@
             <a:noAutofit/>
           </a:bodyPr>
           <a:p>
-            <a:endParaRPr b="0" lang="en-US" sz="1800" spc="-1" strike="noStrike">
-              <a:solidFill>
-                <a:srgbClr val="000000"/>
-              </a:solidFill>
-              <a:latin typeface="Calibri"/>
-            </a:endParaRPr>
-          </a:p>
-        </p:txBody>
-      </p:sp>
-      <p:sp>
-        <p:nvSpPr>
-          <p:cNvPr id="90" name="PlaceHolder 2"/>
+            <a:pPr algn="ctr"/>
+            <a:endParaRPr b="0" lang="en-US" sz="4400" spc="-1" strike="noStrike">
+              <a:latin typeface="Arial"/>
+            </a:endParaRPr>
+          </a:p>
+        </p:txBody>
+      </p:sp>
+      <p:sp>
+        <p:nvSpPr>
+          <p:cNvPr id="81" name="PlaceHolder 2"/>
           <p:cNvSpPr>
             <a:spLocks noGrp="1"/>
           </p:cNvSpPr>
@@ -2316,8 +2177,8 @@
         </p:nvSpPr>
         <p:spPr>
           <a:xfrm>
-            <a:off x="457200" y="1600200"/>
-            <a:ext cx="8229240" cy="4525560"/>
+            <a:off x="457200" y="1604520"/>
+            <a:ext cx="8229240" cy="3977280"/>
           </a:xfrm>
           <a:prstGeom prst="rect">
             <a:avLst/>
@@ -2329,10 +2190,7 @@
           </a:bodyPr>
           <a:p>
             <a:endParaRPr b="0" lang="en-US" sz="3200" spc="-1" strike="noStrike">
-              <a:solidFill>
-                <a:srgbClr val="000000"/>
-              </a:solidFill>
-              <a:latin typeface="Calibri"/>
+              <a:latin typeface="Arial"/>
             </a:endParaRPr>
           </a:p>
         </p:txBody>
@@ -2361,7 +2219,7 @@
       </p:grpSpPr>
       <p:sp>
         <p:nvSpPr>
-          <p:cNvPr id="91" name="PlaceHolder 1"/>
+          <p:cNvPr id="82" name="PlaceHolder 1"/>
           <p:cNvSpPr>
             <a:spLocks noGrp="1"/>
           </p:cNvSpPr>
@@ -2371,8 +2229,8 @@
         </p:nvSpPr>
         <p:spPr>
           <a:xfrm>
-            <a:off x="457200" y="274680"/>
-            <a:ext cx="8229240" cy="1142640"/>
+            <a:off x="457200" y="273600"/>
+            <a:ext cx="8229240" cy="1144800"/>
           </a:xfrm>
           <a:prstGeom prst="rect">
             <a:avLst/>
@@ -2383,18 +2241,16 @@
             <a:noAutofit/>
           </a:bodyPr>
           <a:p>
-            <a:endParaRPr b="0" lang="en-US" sz="1800" spc="-1" strike="noStrike">
-              <a:solidFill>
-                <a:srgbClr val="000000"/>
-              </a:solidFill>
-              <a:latin typeface="Calibri"/>
-            </a:endParaRPr>
-          </a:p>
-        </p:txBody>
-      </p:sp>
-      <p:sp>
-        <p:nvSpPr>
-          <p:cNvPr id="92" name="PlaceHolder 2"/>
+            <a:pPr algn="ctr"/>
+            <a:endParaRPr b="0" lang="en-US" sz="4400" spc="-1" strike="noStrike">
+              <a:latin typeface="Arial"/>
+            </a:endParaRPr>
+          </a:p>
+        </p:txBody>
+      </p:sp>
+      <p:sp>
+        <p:nvSpPr>
+          <p:cNvPr id="83" name="PlaceHolder 2"/>
           <p:cNvSpPr>
             <a:spLocks noGrp="1"/>
           </p:cNvSpPr>
@@ -2404,8 +2260,8 @@
         </p:nvSpPr>
         <p:spPr>
           <a:xfrm>
-            <a:off x="457200" y="1600200"/>
-            <a:ext cx="4015800" cy="4525560"/>
+            <a:off x="457200" y="1604520"/>
+            <a:ext cx="4015800" cy="3977280"/>
           </a:xfrm>
           <a:prstGeom prst="rect">
             <a:avLst/>
@@ -2417,17 +2273,14 @@
           </a:bodyPr>
           <a:p>
             <a:endParaRPr b="0" lang="en-US" sz="3200" spc="-1" strike="noStrike">
-              <a:solidFill>
-                <a:srgbClr val="000000"/>
-              </a:solidFill>
-              <a:latin typeface="Calibri"/>
-            </a:endParaRPr>
-          </a:p>
-        </p:txBody>
-      </p:sp>
-      <p:sp>
-        <p:nvSpPr>
-          <p:cNvPr id="93" name="PlaceHolder 3"/>
+              <a:latin typeface="Arial"/>
+            </a:endParaRPr>
+          </a:p>
+        </p:txBody>
+      </p:sp>
+      <p:sp>
+        <p:nvSpPr>
+          <p:cNvPr id="84" name="PlaceHolder 3"/>
           <p:cNvSpPr>
             <a:spLocks noGrp="1"/>
           </p:cNvSpPr>
@@ -2437,8 +2290,8 @@
         </p:nvSpPr>
         <p:spPr>
           <a:xfrm>
-            <a:off x="4674240" y="1600200"/>
-            <a:ext cx="4015800" cy="4525560"/>
+            <a:off x="4674240" y="1604520"/>
+            <a:ext cx="4015800" cy="3977280"/>
           </a:xfrm>
           <a:prstGeom prst="rect">
             <a:avLst/>
@@ -2450,10 +2303,7 @@
           </a:bodyPr>
           <a:p>
             <a:endParaRPr b="0" lang="en-US" sz="3200" spc="-1" strike="noStrike">
-              <a:solidFill>
-                <a:srgbClr val="000000"/>
-              </a:solidFill>
-              <a:latin typeface="Calibri"/>
+              <a:latin typeface="Arial"/>
             </a:endParaRPr>
           </a:p>
         </p:txBody>
@@ -2482,7 +2332,7 @@
       </p:grpSpPr>
       <p:sp>
         <p:nvSpPr>
-          <p:cNvPr id="94" name="PlaceHolder 1"/>
+          <p:cNvPr id="85" name="PlaceHolder 1"/>
           <p:cNvSpPr>
             <a:spLocks noGrp="1"/>
           </p:cNvSpPr>
@@ -2492,8 +2342,8 @@
         </p:nvSpPr>
         <p:spPr>
           <a:xfrm>
-            <a:off x="457200" y="274680"/>
-            <a:ext cx="8229240" cy="1142640"/>
+            <a:off x="457200" y="273600"/>
+            <a:ext cx="8229240" cy="1144800"/>
           </a:xfrm>
           <a:prstGeom prst="rect">
             <a:avLst/>
@@ -2504,11 +2354,9 @@
             <a:noAutofit/>
           </a:bodyPr>
           <a:p>
-            <a:endParaRPr b="0" lang="en-US" sz="1800" spc="-1" strike="noStrike">
-              <a:solidFill>
-                <a:srgbClr val="000000"/>
-              </a:solidFill>
-              <a:latin typeface="Calibri"/>
+            <a:pPr algn="ctr"/>
+            <a:endParaRPr b="0" lang="en-US" sz="4400" spc="-1" strike="noStrike">
+              <a:latin typeface="Arial"/>
             </a:endParaRPr>
           </a:p>
         </p:txBody>
@@ -2537,7 +2385,7 @@
       </p:grpSpPr>
       <p:sp>
         <p:nvSpPr>
-          <p:cNvPr id="7" name="PlaceHolder 1"/>
+          <p:cNvPr id="4" name="PlaceHolder 1"/>
           <p:cNvSpPr>
             <a:spLocks noGrp="1"/>
           </p:cNvSpPr>
@@ -2547,8 +2395,8 @@
         </p:nvSpPr>
         <p:spPr>
           <a:xfrm>
-            <a:off x="457200" y="274680"/>
-            <a:ext cx="8229240" cy="1142640"/>
+            <a:off x="457200" y="273600"/>
+            <a:ext cx="8229240" cy="1144800"/>
           </a:xfrm>
           <a:prstGeom prst="rect">
             <a:avLst/>
@@ -2559,18 +2407,16 @@
             <a:noAutofit/>
           </a:bodyPr>
           <a:p>
-            <a:endParaRPr b="0" lang="en-US" sz="1800" spc="-1" strike="noStrike">
-              <a:solidFill>
-                <a:srgbClr val="000000"/>
-              </a:solidFill>
-              <a:latin typeface="Calibri"/>
-            </a:endParaRPr>
-          </a:p>
-        </p:txBody>
-      </p:sp>
-      <p:sp>
-        <p:nvSpPr>
-          <p:cNvPr id="8" name="PlaceHolder 2"/>
+            <a:pPr algn="ctr"/>
+            <a:endParaRPr b="0" lang="en-US" sz="4400" spc="-1" strike="noStrike">
+              <a:latin typeface="Arial"/>
+            </a:endParaRPr>
+          </a:p>
+        </p:txBody>
+      </p:sp>
+      <p:sp>
+        <p:nvSpPr>
+          <p:cNvPr id="5" name="PlaceHolder 2"/>
           <p:cNvSpPr>
             <a:spLocks noGrp="1"/>
           </p:cNvSpPr>
@@ -2580,8 +2426,8 @@
         </p:nvSpPr>
         <p:spPr>
           <a:xfrm>
-            <a:off x="457200" y="1600200"/>
-            <a:ext cx="8229240" cy="4525560"/>
+            <a:off x="457200" y="1604520"/>
+            <a:ext cx="8229240" cy="3977280"/>
           </a:xfrm>
           <a:prstGeom prst="rect">
             <a:avLst/>
@@ -2593,10 +2439,7 @@
           </a:bodyPr>
           <a:p>
             <a:endParaRPr b="0" lang="en-US" sz="3200" spc="-1" strike="noStrike">
-              <a:solidFill>
-                <a:srgbClr val="000000"/>
-              </a:solidFill>
-              <a:latin typeface="Calibri"/>
+              <a:latin typeface="Arial"/>
             </a:endParaRPr>
           </a:p>
         </p:txBody>
@@ -2625,7 +2468,7 @@
       </p:grpSpPr>
       <p:sp>
         <p:nvSpPr>
-          <p:cNvPr id="95" name="PlaceHolder 1"/>
+          <p:cNvPr id="86" name="PlaceHolder 1"/>
           <p:cNvSpPr>
             <a:spLocks noGrp="1"/>
           </p:cNvSpPr>
@@ -2635,8 +2478,8 @@
         </p:nvSpPr>
         <p:spPr>
           <a:xfrm>
-            <a:off x="457200" y="274680"/>
-            <a:ext cx="8229240" cy="5297760"/>
+            <a:off x="457200" y="273600"/>
+            <a:ext cx="8229240" cy="5307840"/>
           </a:xfrm>
           <a:prstGeom prst="rect">
             <a:avLst/>
@@ -2678,7 +2521,7 @@
       </p:grpSpPr>
       <p:sp>
         <p:nvSpPr>
-          <p:cNvPr id="96" name="PlaceHolder 1"/>
+          <p:cNvPr id="87" name="PlaceHolder 1"/>
           <p:cNvSpPr>
             <a:spLocks noGrp="1"/>
           </p:cNvSpPr>
@@ -2688,8 +2531,8 @@
         </p:nvSpPr>
         <p:spPr>
           <a:xfrm>
-            <a:off x="457200" y="274680"/>
-            <a:ext cx="8229240" cy="1142640"/>
+            <a:off x="457200" y="273600"/>
+            <a:ext cx="8229240" cy="1144800"/>
           </a:xfrm>
           <a:prstGeom prst="rect">
             <a:avLst/>
@@ -2700,18 +2543,16 @@
             <a:noAutofit/>
           </a:bodyPr>
           <a:p>
-            <a:endParaRPr b="0" lang="en-US" sz="1800" spc="-1" strike="noStrike">
-              <a:solidFill>
-                <a:srgbClr val="000000"/>
-              </a:solidFill>
-              <a:latin typeface="Calibri"/>
-            </a:endParaRPr>
-          </a:p>
-        </p:txBody>
-      </p:sp>
-      <p:sp>
-        <p:nvSpPr>
-          <p:cNvPr id="97" name="PlaceHolder 2"/>
+            <a:pPr algn="ctr"/>
+            <a:endParaRPr b="0" lang="en-US" sz="4400" spc="-1" strike="noStrike">
+              <a:latin typeface="Arial"/>
+            </a:endParaRPr>
+          </a:p>
+        </p:txBody>
+      </p:sp>
+      <p:sp>
+        <p:nvSpPr>
+          <p:cNvPr id="88" name="PlaceHolder 2"/>
           <p:cNvSpPr>
             <a:spLocks noGrp="1"/>
           </p:cNvSpPr>
@@ -2721,8 +2562,8 @@
         </p:nvSpPr>
         <p:spPr>
           <a:xfrm>
-            <a:off x="457200" y="1600200"/>
-            <a:ext cx="4015800" cy="2158560"/>
+            <a:off x="457200" y="1604520"/>
+            <a:ext cx="4015800" cy="1896840"/>
           </a:xfrm>
           <a:prstGeom prst="rect">
             <a:avLst/>
@@ -2734,17 +2575,14 @@
           </a:bodyPr>
           <a:p>
             <a:endParaRPr b="0" lang="en-US" sz="3200" spc="-1" strike="noStrike">
-              <a:solidFill>
-                <a:srgbClr val="000000"/>
-              </a:solidFill>
-              <a:latin typeface="Calibri"/>
-            </a:endParaRPr>
-          </a:p>
-        </p:txBody>
-      </p:sp>
-      <p:sp>
-        <p:nvSpPr>
-          <p:cNvPr id="98" name="PlaceHolder 3"/>
+              <a:latin typeface="Arial"/>
+            </a:endParaRPr>
+          </a:p>
+        </p:txBody>
+      </p:sp>
+      <p:sp>
+        <p:nvSpPr>
+          <p:cNvPr id="89" name="PlaceHolder 3"/>
           <p:cNvSpPr>
             <a:spLocks noGrp="1"/>
           </p:cNvSpPr>
@@ -2754,8 +2592,8 @@
         </p:nvSpPr>
         <p:spPr>
           <a:xfrm>
-            <a:off x="4674240" y="1600200"/>
-            <a:ext cx="4015800" cy="4525560"/>
+            <a:off x="4674240" y="1604520"/>
+            <a:ext cx="4015800" cy="3977280"/>
           </a:xfrm>
           <a:prstGeom prst="rect">
             <a:avLst/>
@@ -2767,17 +2605,14 @@
           </a:bodyPr>
           <a:p>
             <a:endParaRPr b="0" lang="en-US" sz="3200" spc="-1" strike="noStrike">
-              <a:solidFill>
-                <a:srgbClr val="000000"/>
-              </a:solidFill>
-              <a:latin typeface="Calibri"/>
-            </a:endParaRPr>
-          </a:p>
-        </p:txBody>
-      </p:sp>
-      <p:sp>
-        <p:nvSpPr>
-          <p:cNvPr id="99" name="PlaceHolder 4"/>
+              <a:latin typeface="Arial"/>
+            </a:endParaRPr>
+          </a:p>
+        </p:txBody>
+      </p:sp>
+      <p:sp>
+        <p:nvSpPr>
+          <p:cNvPr id="90" name="PlaceHolder 4"/>
           <p:cNvSpPr>
             <a:spLocks noGrp="1"/>
           </p:cNvSpPr>
@@ -2787,8 +2622,8 @@
         </p:nvSpPr>
         <p:spPr>
           <a:xfrm>
-            <a:off x="457200" y="3964320"/>
-            <a:ext cx="4015800" cy="2158560"/>
+            <a:off x="457200" y="3682080"/>
+            <a:ext cx="4015800" cy="1896840"/>
           </a:xfrm>
           <a:prstGeom prst="rect">
             <a:avLst/>
@@ -2800,10 +2635,7 @@
           </a:bodyPr>
           <a:p>
             <a:endParaRPr b="0" lang="en-US" sz="3200" spc="-1" strike="noStrike">
-              <a:solidFill>
-                <a:srgbClr val="000000"/>
-              </a:solidFill>
-              <a:latin typeface="Calibri"/>
+              <a:latin typeface="Arial"/>
             </a:endParaRPr>
           </a:p>
         </p:txBody>
@@ -2832,7 +2664,7 @@
       </p:grpSpPr>
       <p:sp>
         <p:nvSpPr>
-          <p:cNvPr id="100" name="PlaceHolder 1"/>
+          <p:cNvPr id="91" name="PlaceHolder 1"/>
           <p:cNvSpPr>
             <a:spLocks noGrp="1"/>
           </p:cNvSpPr>
@@ -2842,8 +2674,8 @@
         </p:nvSpPr>
         <p:spPr>
           <a:xfrm>
-            <a:off x="457200" y="274680"/>
-            <a:ext cx="8229240" cy="1142640"/>
+            <a:off x="457200" y="273600"/>
+            <a:ext cx="8229240" cy="1144800"/>
           </a:xfrm>
           <a:prstGeom prst="rect">
             <a:avLst/>
@@ -2854,18 +2686,16 @@
             <a:noAutofit/>
           </a:bodyPr>
           <a:p>
-            <a:endParaRPr b="0" lang="en-US" sz="1800" spc="-1" strike="noStrike">
-              <a:solidFill>
-                <a:srgbClr val="000000"/>
-              </a:solidFill>
-              <a:latin typeface="Calibri"/>
-            </a:endParaRPr>
-          </a:p>
-        </p:txBody>
-      </p:sp>
-      <p:sp>
-        <p:nvSpPr>
-          <p:cNvPr id="101" name="PlaceHolder 2"/>
+            <a:pPr algn="ctr"/>
+            <a:endParaRPr b="0" lang="en-US" sz="4400" spc="-1" strike="noStrike">
+              <a:latin typeface="Arial"/>
+            </a:endParaRPr>
+          </a:p>
+        </p:txBody>
+      </p:sp>
+      <p:sp>
+        <p:nvSpPr>
+          <p:cNvPr id="92" name="PlaceHolder 2"/>
           <p:cNvSpPr>
             <a:spLocks noGrp="1"/>
           </p:cNvSpPr>
@@ -2875,8 +2705,8 @@
         </p:nvSpPr>
         <p:spPr>
           <a:xfrm>
-            <a:off x="457200" y="1600200"/>
-            <a:ext cx="4015800" cy="4525560"/>
+            <a:off x="457200" y="1604520"/>
+            <a:ext cx="4015800" cy="3977280"/>
           </a:xfrm>
           <a:prstGeom prst="rect">
             <a:avLst/>
@@ -2888,17 +2718,14 @@
           </a:bodyPr>
           <a:p>
             <a:endParaRPr b="0" lang="en-US" sz="3200" spc="-1" strike="noStrike">
-              <a:solidFill>
-                <a:srgbClr val="000000"/>
-              </a:solidFill>
-              <a:latin typeface="Calibri"/>
-            </a:endParaRPr>
-          </a:p>
-        </p:txBody>
-      </p:sp>
-      <p:sp>
-        <p:nvSpPr>
-          <p:cNvPr id="102" name="PlaceHolder 3"/>
+              <a:latin typeface="Arial"/>
+            </a:endParaRPr>
+          </a:p>
+        </p:txBody>
+      </p:sp>
+      <p:sp>
+        <p:nvSpPr>
+          <p:cNvPr id="93" name="PlaceHolder 3"/>
           <p:cNvSpPr>
             <a:spLocks noGrp="1"/>
           </p:cNvSpPr>
@@ -2908,8 +2735,8 @@
         </p:nvSpPr>
         <p:spPr>
           <a:xfrm>
-            <a:off x="4674240" y="1600200"/>
-            <a:ext cx="4015800" cy="2158560"/>
+            <a:off x="4674240" y="1604520"/>
+            <a:ext cx="4015800" cy="1896840"/>
           </a:xfrm>
           <a:prstGeom prst="rect">
             <a:avLst/>
@@ -2921,17 +2748,14 @@
           </a:bodyPr>
           <a:p>
             <a:endParaRPr b="0" lang="en-US" sz="3200" spc="-1" strike="noStrike">
-              <a:solidFill>
-                <a:srgbClr val="000000"/>
-              </a:solidFill>
-              <a:latin typeface="Calibri"/>
-            </a:endParaRPr>
-          </a:p>
-        </p:txBody>
-      </p:sp>
-      <p:sp>
-        <p:nvSpPr>
-          <p:cNvPr id="103" name="PlaceHolder 4"/>
+              <a:latin typeface="Arial"/>
+            </a:endParaRPr>
+          </a:p>
+        </p:txBody>
+      </p:sp>
+      <p:sp>
+        <p:nvSpPr>
+          <p:cNvPr id="94" name="PlaceHolder 4"/>
           <p:cNvSpPr>
             <a:spLocks noGrp="1"/>
           </p:cNvSpPr>
@@ -2941,8 +2765,8 @@
         </p:nvSpPr>
         <p:spPr>
           <a:xfrm>
-            <a:off x="4674240" y="3964320"/>
-            <a:ext cx="4015800" cy="2158560"/>
+            <a:off x="4674240" y="3682080"/>
+            <a:ext cx="4015800" cy="1896840"/>
           </a:xfrm>
           <a:prstGeom prst="rect">
             <a:avLst/>
@@ -2954,10 +2778,7 @@
           </a:bodyPr>
           <a:p>
             <a:endParaRPr b="0" lang="en-US" sz="3200" spc="-1" strike="noStrike">
-              <a:solidFill>
-                <a:srgbClr val="000000"/>
-              </a:solidFill>
-              <a:latin typeface="Calibri"/>
+              <a:latin typeface="Arial"/>
             </a:endParaRPr>
           </a:p>
         </p:txBody>
@@ -2986,7 +2807,7 @@
       </p:grpSpPr>
       <p:sp>
         <p:nvSpPr>
-          <p:cNvPr id="104" name="PlaceHolder 1"/>
+          <p:cNvPr id="95" name="PlaceHolder 1"/>
           <p:cNvSpPr>
             <a:spLocks noGrp="1"/>
           </p:cNvSpPr>
@@ -2996,8 +2817,8 @@
         </p:nvSpPr>
         <p:spPr>
           <a:xfrm>
-            <a:off x="457200" y="274680"/>
-            <a:ext cx="8229240" cy="1142640"/>
+            <a:off x="457200" y="273600"/>
+            <a:ext cx="8229240" cy="1144800"/>
           </a:xfrm>
           <a:prstGeom prst="rect">
             <a:avLst/>
@@ -3008,18 +2829,16 @@
             <a:noAutofit/>
           </a:bodyPr>
           <a:p>
-            <a:endParaRPr b="0" lang="en-US" sz="1800" spc="-1" strike="noStrike">
-              <a:solidFill>
-                <a:srgbClr val="000000"/>
-              </a:solidFill>
-              <a:latin typeface="Calibri"/>
-            </a:endParaRPr>
-          </a:p>
-        </p:txBody>
-      </p:sp>
-      <p:sp>
-        <p:nvSpPr>
-          <p:cNvPr id="105" name="PlaceHolder 2"/>
+            <a:pPr algn="ctr"/>
+            <a:endParaRPr b="0" lang="en-US" sz="4400" spc="-1" strike="noStrike">
+              <a:latin typeface="Arial"/>
+            </a:endParaRPr>
+          </a:p>
+        </p:txBody>
+      </p:sp>
+      <p:sp>
+        <p:nvSpPr>
+          <p:cNvPr id="96" name="PlaceHolder 2"/>
           <p:cNvSpPr>
             <a:spLocks noGrp="1"/>
           </p:cNvSpPr>
@@ -3029,8 +2848,8 @@
         </p:nvSpPr>
         <p:spPr>
           <a:xfrm>
-            <a:off x="457200" y="1600200"/>
-            <a:ext cx="4015800" cy="2158560"/>
+            <a:off x="457200" y="1604520"/>
+            <a:ext cx="4015800" cy="1896840"/>
           </a:xfrm>
           <a:prstGeom prst="rect">
             <a:avLst/>
@@ -3042,17 +2861,14 @@
           </a:bodyPr>
           <a:p>
             <a:endParaRPr b="0" lang="en-US" sz="3200" spc="-1" strike="noStrike">
-              <a:solidFill>
-                <a:srgbClr val="000000"/>
-              </a:solidFill>
-              <a:latin typeface="Calibri"/>
-            </a:endParaRPr>
-          </a:p>
-        </p:txBody>
-      </p:sp>
-      <p:sp>
-        <p:nvSpPr>
-          <p:cNvPr id="106" name="PlaceHolder 3"/>
+              <a:latin typeface="Arial"/>
+            </a:endParaRPr>
+          </a:p>
+        </p:txBody>
+      </p:sp>
+      <p:sp>
+        <p:nvSpPr>
+          <p:cNvPr id="97" name="PlaceHolder 3"/>
           <p:cNvSpPr>
             <a:spLocks noGrp="1"/>
           </p:cNvSpPr>
@@ -3062,8 +2878,8 @@
         </p:nvSpPr>
         <p:spPr>
           <a:xfrm>
-            <a:off x="4674240" y="1600200"/>
-            <a:ext cx="4015800" cy="2158560"/>
+            <a:off x="4674240" y="1604520"/>
+            <a:ext cx="4015800" cy="1896840"/>
           </a:xfrm>
           <a:prstGeom prst="rect">
             <a:avLst/>
@@ -3075,17 +2891,14 @@
           </a:bodyPr>
           <a:p>
             <a:endParaRPr b="0" lang="en-US" sz="3200" spc="-1" strike="noStrike">
-              <a:solidFill>
-                <a:srgbClr val="000000"/>
-              </a:solidFill>
-              <a:latin typeface="Calibri"/>
-            </a:endParaRPr>
-          </a:p>
-        </p:txBody>
-      </p:sp>
-      <p:sp>
-        <p:nvSpPr>
-          <p:cNvPr id="107" name="PlaceHolder 4"/>
+              <a:latin typeface="Arial"/>
+            </a:endParaRPr>
+          </a:p>
+        </p:txBody>
+      </p:sp>
+      <p:sp>
+        <p:nvSpPr>
+          <p:cNvPr id="98" name="PlaceHolder 4"/>
           <p:cNvSpPr>
             <a:spLocks noGrp="1"/>
           </p:cNvSpPr>
@@ -3095,8 +2908,8 @@
         </p:nvSpPr>
         <p:spPr>
           <a:xfrm>
-            <a:off x="457200" y="3964320"/>
-            <a:ext cx="8229240" cy="2158560"/>
+            <a:off x="457200" y="3682080"/>
+            <a:ext cx="8229240" cy="1896840"/>
           </a:xfrm>
           <a:prstGeom prst="rect">
             <a:avLst/>
@@ -3108,10 +2921,7 @@
           </a:bodyPr>
           <a:p>
             <a:endParaRPr b="0" lang="en-US" sz="3200" spc="-1" strike="noStrike">
-              <a:solidFill>
-                <a:srgbClr val="000000"/>
-              </a:solidFill>
-              <a:latin typeface="Calibri"/>
+              <a:latin typeface="Arial"/>
             </a:endParaRPr>
           </a:p>
         </p:txBody>
@@ -3140,7 +2950,7 @@
       </p:grpSpPr>
       <p:sp>
         <p:nvSpPr>
-          <p:cNvPr id="108" name="PlaceHolder 1"/>
+          <p:cNvPr id="99" name="PlaceHolder 1"/>
           <p:cNvSpPr>
             <a:spLocks noGrp="1"/>
           </p:cNvSpPr>
@@ -3150,8 +2960,8 @@
         </p:nvSpPr>
         <p:spPr>
           <a:xfrm>
-            <a:off x="457200" y="274680"/>
-            <a:ext cx="8229240" cy="1142640"/>
+            <a:off x="457200" y="273600"/>
+            <a:ext cx="8229240" cy="1144800"/>
           </a:xfrm>
           <a:prstGeom prst="rect">
             <a:avLst/>
@@ -3162,18 +2972,16 @@
             <a:noAutofit/>
           </a:bodyPr>
           <a:p>
-            <a:endParaRPr b="0" lang="en-US" sz="1800" spc="-1" strike="noStrike">
-              <a:solidFill>
-                <a:srgbClr val="000000"/>
-              </a:solidFill>
-              <a:latin typeface="Calibri"/>
-            </a:endParaRPr>
-          </a:p>
-        </p:txBody>
-      </p:sp>
-      <p:sp>
-        <p:nvSpPr>
-          <p:cNvPr id="109" name="PlaceHolder 2"/>
+            <a:pPr algn="ctr"/>
+            <a:endParaRPr b="0" lang="en-US" sz="4400" spc="-1" strike="noStrike">
+              <a:latin typeface="Arial"/>
+            </a:endParaRPr>
+          </a:p>
+        </p:txBody>
+      </p:sp>
+      <p:sp>
+        <p:nvSpPr>
+          <p:cNvPr id="100" name="PlaceHolder 2"/>
           <p:cNvSpPr>
             <a:spLocks noGrp="1"/>
           </p:cNvSpPr>
@@ -3183,8 +2991,8 @@
         </p:nvSpPr>
         <p:spPr>
           <a:xfrm>
-            <a:off x="457200" y="1600200"/>
-            <a:ext cx="8229240" cy="2158560"/>
+            <a:off x="457200" y="1604520"/>
+            <a:ext cx="8229240" cy="1896840"/>
           </a:xfrm>
           <a:prstGeom prst="rect">
             <a:avLst/>
@@ -3196,17 +3004,14 @@
           </a:bodyPr>
           <a:p>
             <a:endParaRPr b="0" lang="en-US" sz="3200" spc="-1" strike="noStrike">
-              <a:solidFill>
-                <a:srgbClr val="000000"/>
-              </a:solidFill>
-              <a:latin typeface="Calibri"/>
-            </a:endParaRPr>
-          </a:p>
-        </p:txBody>
-      </p:sp>
-      <p:sp>
-        <p:nvSpPr>
-          <p:cNvPr id="110" name="PlaceHolder 3"/>
+              <a:latin typeface="Arial"/>
+            </a:endParaRPr>
+          </a:p>
+        </p:txBody>
+      </p:sp>
+      <p:sp>
+        <p:nvSpPr>
+          <p:cNvPr id="101" name="PlaceHolder 3"/>
           <p:cNvSpPr>
             <a:spLocks noGrp="1"/>
           </p:cNvSpPr>
@@ -3216,8 +3021,8 @@
         </p:nvSpPr>
         <p:spPr>
           <a:xfrm>
-            <a:off x="457200" y="3964320"/>
-            <a:ext cx="8229240" cy="2158560"/>
+            <a:off x="457200" y="3682080"/>
+            <a:ext cx="8229240" cy="1896840"/>
           </a:xfrm>
           <a:prstGeom prst="rect">
             <a:avLst/>
@@ -3229,10 +3034,7 @@
           </a:bodyPr>
           <a:p>
             <a:endParaRPr b="0" lang="en-US" sz="3200" spc="-1" strike="noStrike">
-              <a:solidFill>
-                <a:srgbClr val="000000"/>
-              </a:solidFill>
-              <a:latin typeface="Calibri"/>
+              <a:latin typeface="Arial"/>
             </a:endParaRPr>
           </a:p>
         </p:txBody>
@@ -3261,7 +3063,7 @@
       </p:grpSpPr>
       <p:sp>
         <p:nvSpPr>
-          <p:cNvPr id="111" name="PlaceHolder 1"/>
+          <p:cNvPr id="102" name="PlaceHolder 1"/>
           <p:cNvSpPr>
             <a:spLocks noGrp="1"/>
           </p:cNvSpPr>
@@ -3271,8 +3073,8 @@
         </p:nvSpPr>
         <p:spPr>
           <a:xfrm>
-            <a:off x="457200" y="274680"/>
-            <a:ext cx="8229240" cy="1142640"/>
+            <a:off x="457200" y="273600"/>
+            <a:ext cx="8229240" cy="1144800"/>
           </a:xfrm>
           <a:prstGeom prst="rect">
             <a:avLst/>
@@ -3283,18 +3085,16 @@
             <a:noAutofit/>
           </a:bodyPr>
           <a:p>
-            <a:endParaRPr b="0" lang="en-US" sz="1800" spc="-1" strike="noStrike">
-              <a:solidFill>
-                <a:srgbClr val="000000"/>
-              </a:solidFill>
-              <a:latin typeface="Calibri"/>
-            </a:endParaRPr>
-          </a:p>
-        </p:txBody>
-      </p:sp>
-      <p:sp>
-        <p:nvSpPr>
-          <p:cNvPr id="112" name="PlaceHolder 2"/>
+            <a:pPr algn="ctr"/>
+            <a:endParaRPr b="0" lang="en-US" sz="4400" spc="-1" strike="noStrike">
+              <a:latin typeface="Arial"/>
+            </a:endParaRPr>
+          </a:p>
+        </p:txBody>
+      </p:sp>
+      <p:sp>
+        <p:nvSpPr>
+          <p:cNvPr id="103" name="PlaceHolder 2"/>
           <p:cNvSpPr>
             <a:spLocks noGrp="1"/>
           </p:cNvSpPr>
@@ -3304,8 +3104,8 @@
         </p:nvSpPr>
         <p:spPr>
           <a:xfrm>
-            <a:off x="457200" y="1600200"/>
-            <a:ext cx="4015800" cy="2158560"/>
+            <a:off x="457200" y="1604520"/>
+            <a:ext cx="4015800" cy="1896840"/>
           </a:xfrm>
           <a:prstGeom prst="rect">
             <a:avLst/>
@@ -3317,17 +3117,14 @@
           </a:bodyPr>
           <a:p>
             <a:endParaRPr b="0" lang="en-US" sz="3200" spc="-1" strike="noStrike">
-              <a:solidFill>
-                <a:srgbClr val="000000"/>
-              </a:solidFill>
-              <a:latin typeface="Calibri"/>
-            </a:endParaRPr>
-          </a:p>
-        </p:txBody>
-      </p:sp>
-      <p:sp>
-        <p:nvSpPr>
-          <p:cNvPr id="113" name="PlaceHolder 3"/>
+              <a:latin typeface="Arial"/>
+            </a:endParaRPr>
+          </a:p>
+        </p:txBody>
+      </p:sp>
+      <p:sp>
+        <p:nvSpPr>
+          <p:cNvPr id="104" name="PlaceHolder 3"/>
           <p:cNvSpPr>
             <a:spLocks noGrp="1"/>
           </p:cNvSpPr>
@@ -3337,8 +3134,8 @@
         </p:nvSpPr>
         <p:spPr>
           <a:xfrm>
-            <a:off x="4674240" y="1600200"/>
-            <a:ext cx="4015800" cy="2158560"/>
+            <a:off x="4674240" y="1604520"/>
+            <a:ext cx="4015800" cy="1896840"/>
           </a:xfrm>
           <a:prstGeom prst="rect">
             <a:avLst/>
@@ -3350,17 +3147,14 @@
           </a:bodyPr>
           <a:p>
             <a:endParaRPr b="0" lang="en-US" sz="3200" spc="-1" strike="noStrike">
-              <a:solidFill>
-                <a:srgbClr val="000000"/>
-              </a:solidFill>
-              <a:latin typeface="Calibri"/>
-            </a:endParaRPr>
-          </a:p>
-        </p:txBody>
-      </p:sp>
-      <p:sp>
-        <p:nvSpPr>
-          <p:cNvPr id="114" name="PlaceHolder 4"/>
+              <a:latin typeface="Arial"/>
+            </a:endParaRPr>
+          </a:p>
+        </p:txBody>
+      </p:sp>
+      <p:sp>
+        <p:nvSpPr>
+          <p:cNvPr id="105" name="PlaceHolder 4"/>
           <p:cNvSpPr>
             <a:spLocks noGrp="1"/>
           </p:cNvSpPr>
@@ -3370,8 +3164,8 @@
         </p:nvSpPr>
         <p:spPr>
           <a:xfrm>
-            <a:off x="457200" y="3964320"/>
-            <a:ext cx="4015800" cy="2158560"/>
+            <a:off x="457200" y="3682080"/>
+            <a:ext cx="4015800" cy="1896840"/>
           </a:xfrm>
           <a:prstGeom prst="rect">
             <a:avLst/>
@@ -3383,17 +3177,14 @@
           </a:bodyPr>
           <a:p>
             <a:endParaRPr b="0" lang="en-US" sz="3200" spc="-1" strike="noStrike">
-              <a:solidFill>
-                <a:srgbClr val="000000"/>
-              </a:solidFill>
-              <a:latin typeface="Calibri"/>
-            </a:endParaRPr>
-          </a:p>
-        </p:txBody>
-      </p:sp>
-      <p:sp>
-        <p:nvSpPr>
-          <p:cNvPr id="115" name="PlaceHolder 5"/>
+              <a:latin typeface="Arial"/>
+            </a:endParaRPr>
+          </a:p>
+        </p:txBody>
+      </p:sp>
+      <p:sp>
+        <p:nvSpPr>
+          <p:cNvPr id="106" name="PlaceHolder 5"/>
           <p:cNvSpPr>
             <a:spLocks noGrp="1"/>
           </p:cNvSpPr>
@@ -3403,8 +3194,8 @@
         </p:nvSpPr>
         <p:spPr>
           <a:xfrm>
-            <a:off x="4674240" y="3964320"/>
-            <a:ext cx="4015800" cy="2158560"/>
+            <a:off x="4674240" y="3682080"/>
+            <a:ext cx="4015800" cy="1896840"/>
           </a:xfrm>
           <a:prstGeom prst="rect">
             <a:avLst/>
@@ -3416,10 +3207,7 @@
           </a:bodyPr>
           <a:p>
             <a:endParaRPr b="0" lang="en-US" sz="3200" spc="-1" strike="noStrike">
-              <a:solidFill>
-                <a:srgbClr val="000000"/>
-              </a:solidFill>
-              <a:latin typeface="Calibri"/>
+              <a:latin typeface="Arial"/>
             </a:endParaRPr>
           </a:p>
         </p:txBody>
@@ -3448,7 +3236,7 @@
       </p:grpSpPr>
       <p:sp>
         <p:nvSpPr>
-          <p:cNvPr id="116" name="PlaceHolder 1"/>
+          <p:cNvPr id="107" name="PlaceHolder 1"/>
           <p:cNvSpPr>
             <a:spLocks noGrp="1"/>
           </p:cNvSpPr>
@@ -3458,8 +3246,8 @@
         </p:nvSpPr>
         <p:spPr>
           <a:xfrm>
-            <a:off x="457200" y="274680"/>
-            <a:ext cx="8229240" cy="1142640"/>
+            <a:off x="457200" y="273600"/>
+            <a:ext cx="8229240" cy="1144800"/>
           </a:xfrm>
           <a:prstGeom prst="rect">
             <a:avLst/>
@@ -3470,18 +3258,16 @@
             <a:noAutofit/>
           </a:bodyPr>
           <a:p>
-            <a:endParaRPr b="0" lang="en-US" sz="1800" spc="-1" strike="noStrike">
-              <a:solidFill>
-                <a:srgbClr val="000000"/>
-              </a:solidFill>
-              <a:latin typeface="Calibri"/>
-            </a:endParaRPr>
-          </a:p>
-        </p:txBody>
-      </p:sp>
-      <p:sp>
-        <p:nvSpPr>
-          <p:cNvPr id="117" name="PlaceHolder 2"/>
+            <a:pPr algn="ctr"/>
+            <a:endParaRPr b="0" lang="en-US" sz="4400" spc="-1" strike="noStrike">
+              <a:latin typeface="Arial"/>
+            </a:endParaRPr>
+          </a:p>
+        </p:txBody>
+      </p:sp>
+      <p:sp>
+        <p:nvSpPr>
+          <p:cNvPr id="108" name="PlaceHolder 2"/>
           <p:cNvSpPr>
             <a:spLocks noGrp="1"/>
           </p:cNvSpPr>
@@ -3491,8 +3277,8 @@
         </p:nvSpPr>
         <p:spPr>
           <a:xfrm>
-            <a:off x="457200" y="1600200"/>
-            <a:ext cx="2649600" cy="2158560"/>
+            <a:off x="457200" y="1604520"/>
+            <a:ext cx="2649600" cy="1896840"/>
           </a:xfrm>
           <a:prstGeom prst="rect">
             <a:avLst/>
@@ -3504,17 +3290,14 @@
           </a:bodyPr>
           <a:p>
             <a:endParaRPr b="0" lang="en-US" sz="3200" spc="-1" strike="noStrike">
-              <a:solidFill>
-                <a:srgbClr val="000000"/>
-              </a:solidFill>
-              <a:latin typeface="Calibri"/>
-            </a:endParaRPr>
-          </a:p>
-        </p:txBody>
-      </p:sp>
-      <p:sp>
-        <p:nvSpPr>
-          <p:cNvPr id="118" name="PlaceHolder 3"/>
+              <a:latin typeface="Arial"/>
+            </a:endParaRPr>
+          </a:p>
+        </p:txBody>
+      </p:sp>
+      <p:sp>
+        <p:nvSpPr>
+          <p:cNvPr id="109" name="PlaceHolder 3"/>
           <p:cNvSpPr>
             <a:spLocks noGrp="1"/>
           </p:cNvSpPr>
@@ -3524,8 +3307,8 @@
         </p:nvSpPr>
         <p:spPr>
           <a:xfrm>
-            <a:off x="3239640" y="1600200"/>
-            <a:ext cx="2649600" cy="2158560"/>
+            <a:off x="3239640" y="1604520"/>
+            <a:ext cx="2649600" cy="1896840"/>
           </a:xfrm>
           <a:prstGeom prst="rect">
             <a:avLst/>
@@ -3537,17 +3320,14 @@
           </a:bodyPr>
           <a:p>
             <a:endParaRPr b="0" lang="en-US" sz="3200" spc="-1" strike="noStrike">
-              <a:solidFill>
-                <a:srgbClr val="000000"/>
-              </a:solidFill>
-              <a:latin typeface="Calibri"/>
-            </a:endParaRPr>
-          </a:p>
-        </p:txBody>
-      </p:sp>
-      <p:sp>
-        <p:nvSpPr>
-          <p:cNvPr id="119" name="PlaceHolder 4"/>
+              <a:latin typeface="Arial"/>
+            </a:endParaRPr>
+          </a:p>
+        </p:txBody>
+      </p:sp>
+      <p:sp>
+        <p:nvSpPr>
+          <p:cNvPr id="110" name="PlaceHolder 4"/>
           <p:cNvSpPr>
             <a:spLocks noGrp="1"/>
           </p:cNvSpPr>
@@ -3557,8 +3337,8 @@
         </p:nvSpPr>
         <p:spPr>
           <a:xfrm>
-            <a:off x="6022080" y="1600200"/>
-            <a:ext cx="2649600" cy="2158560"/>
+            <a:off x="6022080" y="1604520"/>
+            <a:ext cx="2649600" cy="1896840"/>
           </a:xfrm>
           <a:prstGeom prst="rect">
             <a:avLst/>
@@ -3570,17 +3350,14 @@
           </a:bodyPr>
           <a:p>
             <a:endParaRPr b="0" lang="en-US" sz="3200" spc="-1" strike="noStrike">
-              <a:solidFill>
-                <a:srgbClr val="000000"/>
-              </a:solidFill>
-              <a:latin typeface="Calibri"/>
-            </a:endParaRPr>
-          </a:p>
-        </p:txBody>
-      </p:sp>
-      <p:sp>
-        <p:nvSpPr>
-          <p:cNvPr id="120" name="PlaceHolder 5"/>
+              <a:latin typeface="Arial"/>
+            </a:endParaRPr>
+          </a:p>
+        </p:txBody>
+      </p:sp>
+      <p:sp>
+        <p:nvSpPr>
+          <p:cNvPr id="111" name="PlaceHolder 5"/>
           <p:cNvSpPr>
             <a:spLocks noGrp="1"/>
           </p:cNvSpPr>
@@ -3590,8 +3367,8 @@
         </p:nvSpPr>
         <p:spPr>
           <a:xfrm>
-            <a:off x="457200" y="3964320"/>
-            <a:ext cx="2649600" cy="2158560"/>
+            <a:off x="457200" y="3682080"/>
+            <a:ext cx="2649600" cy="1896840"/>
           </a:xfrm>
           <a:prstGeom prst="rect">
             <a:avLst/>
@@ -3603,17 +3380,14 @@
           </a:bodyPr>
           <a:p>
             <a:endParaRPr b="0" lang="en-US" sz="3200" spc="-1" strike="noStrike">
-              <a:solidFill>
-                <a:srgbClr val="000000"/>
-              </a:solidFill>
-              <a:latin typeface="Calibri"/>
-            </a:endParaRPr>
-          </a:p>
-        </p:txBody>
-      </p:sp>
-      <p:sp>
-        <p:nvSpPr>
-          <p:cNvPr id="121" name="PlaceHolder 6"/>
+              <a:latin typeface="Arial"/>
+            </a:endParaRPr>
+          </a:p>
+        </p:txBody>
+      </p:sp>
+      <p:sp>
+        <p:nvSpPr>
+          <p:cNvPr id="112" name="PlaceHolder 6"/>
           <p:cNvSpPr>
             <a:spLocks noGrp="1"/>
           </p:cNvSpPr>
@@ -3623,8 +3397,8 @@
         </p:nvSpPr>
         <p:spPr>
           <a:xfrm>
-            <a:off x="3239640" y="3964320"/>
-            <a:ext cx="2649600" cy="2158560"/>
+            <a:off x="3239640" y="3682080"/>
+            <a:ext cx="2649600" cy="1896840"/>
           </a:xfrm>
           <a:prstGeom prst="rect">
             <a:avLst/>
@@ -3636,17 +3410,14 @@
           </a:bodyPr>
           <a:p>
             <a:endParaRPr b="0" lang="en-US" sz="3200" spc="-1" strike="noStrike">
-              <a:solidFill>
-                <a:srgbClr val="000000"/>
-              </a:solidFill>
-              <a:latin typeface="Calibri"/>
-            </a:endParaRPr>
-          </a:p>
-        </p:txBody>
-      </p:sp>
-      <p:sp>
-        <p:nvSpPr>
-          <p:cNvPr id="122" name="PlaceHolder 7"/>
+              <a:latin typeface="Arial"/>
+            </a:endParaRPr>
+          </a:p>
+        </p:txBody>
+      </p:sp>
+      <p:sp>
+        <p:nvSpPr>
+          <p:cNvPr id="113" name="PlaceHolder 7"/>
           <p:cNvSpPr>
             <a:spLocks noGrp="1"/>
           </p:cNvSpPr>
@@ -3656,8 +3427,8 @@
         </p:nvSpPr>
         <p:spPr>
           <a:xfrm>
-            <a:off x="6022080" y="3964320"/>
-            <a:ext cx="2649600" cy="2158560"/>
+            <a:off x="6022080" y="3682080"/>
+            <a:ext cx="2649600" cy="1896840"/>
           </a:xfrm>
           <a:prstGeom prst="rect">
             <a:avLst/>
@@ -3669,10 +3440,7 @@
           </a:bodyPr>
           <a:p>
             <a:endParaRPr b="0" lang="en-US" sz="3200" spc="-1" strike="noStrike">
-              <a:solidFill>
-                <a:srgbClr val="000000"/>
-              </a:solidFill>
-              <a:latin typeface="Calibri"/>
+              <a:latin typeface="Arial"/>
             </a:endParaRPr>
           </a:p>
         </p:txBody>
@@ -3701,7 +3469,7 @@
       </p:grpSpPr>
       <p:sp>
         <p:nvSpPr>
-          <p:cNvPr id="9" name="PlaceHolder 1"/>
+          <p:cNvPr id="6" name="PlaceHolder 1"/>
           <p:cNvSpPr>
             <a:spLocks noGrp="1"/>
           </p:cNvSpPr>
@@ -3711,8 +3479,8 @@
         </p:nvSpPr>
         <p:spPr>
           <a:xfrm>
-            <a:off x="457200" y="274680"/>
-            <a:ext cx="8229240" cy="1142640"/>
+            <a:off x="457200" y="273600"/>
+            <a:ext cx="8229240" cy="1144800"/>
           </a:xfrm>
           <a:prstGeom prst="rect">
             <a:avLst/>
@@ -3723,18 +3491,16 @@
             <a:noAutofit/>
           </a:bodyPr>
           <a:p>
-            <a:endParaRPr b="0" lang="en-US" sz="1800" spc="-1" strike="noStrike">
-              <a:solidFill>
-                <a:srgbClr val="000000"/>
-              </a:solidFill>
-              <a:latin typeface="Calibri"/>
-            </a:endParaRPr>
-          </a:p>
-        </p:txBody>
-      </p:sp>
-      <p:sp>
-        <p:nvSpPr>
-          <p:cNvPr id="10" name="PlaceHolder 2"/>
+            <a:pPr algn="ctr"/>
+            <a:endParaRPr b="0" lang="en-US" sz="4400" spc="-1" strike="noStrike">
+              <a:latin typeface="Arial"/>
+            </a:endParaRPr>
+          </a:p>
+        </p:txBody>
+      </p:sp>
+      <p:sp>
+        <p:nvSpPr>
+          <p:cNvPr id="7" name="PlaceHolder 2"/>
           <p:cNvSpPr>
             <a:spLocks noGrp="1"/>
           </p:cNvSpPr>
@@ -3744,8 +3510,8 @@
         </p:nvSpPr>
         <p:spPr>
           <a:xfrm>
-            <a:off x="457200" y="1600200"/>
-            <a:ext cx="4015800" cy="4525560"/>
+            <a:off x="457200" y="1604520"/>
+            <a:ext cx="4015800" cy="3977280"/>
           </a:xfrm>
           <a:prstGeom prst="rect">
             <a:avLst/>
@@ -3757,17 +3523,14 @@
           </a:bodyPr>
           <a:p>
             <a:endParaRPr b="0" lang="en-US" sz="3200" spc="-1" strike="noStrike">
-              <a:solidFill>
-                <a:srgbClr val="000000"/>
-              </a:solidFill>
-              <a:latin typeface="Calibri"/>
-            </a:endParaRPr>
-          </a:p>
-        </p:txBody>
-      </p:sp>
-      <p:sp>
-        <p:nvSpPr>
-          <p:cNvPr id="11" name="PlaceHolder 3"/>
+              <a:latin typeface="Arial"/>
+            </a:endParaRPr>
+          </a:p>
+        </p:txBody>
+      </p:sp>
+      <p:sp>
+        <p:nvSpPr>
+          <p:cNvPr id="8" name="PlaceHolder 3"/>
           <p:cNvSpPr>
             <a:spLocks noGrp="1"/>
           </p:cNvSpPr>
@@ -3777,8 +3540,8 @@
         </p:nvSpPr>
         <p:spPr>
           <a:xfrm>
-            <a:off x="4674240" y="1600200"/>
-            <a:ext cx="4015800" cy="4525560"/>
+            <a:off x="4674240" y="1604520"/>
+            <a:ext cx="4015800" cy="3977280"/>
           </a:xfrm>
           <a:prstGeom prst="rect">
             <a:avLst/>
@@ -3790,10 +3553,7 @@
           </a:bodyPr>
           <a:p>
             <a:endParaRPr b="0" lang="en-US" sz="3200" spc="-1" strike="noStrike">
-              <a:solidFill>
-                <a:srgbClr val="000000"/>
-              </a:solidFill>
-              <a:latin typeface="Calibri"/>
+              <a:latin typeface="Arial"/>
             </a:endParaRPr>
           </a:p>
         </p:txBody>
@@ -3822,7 +3582,7 @@
       </p:grpSpPr>
       <p:sp>
         <p:nvSpPr>
-          <p:cNvPr id="12" name="PlaceHolder 1"/>
+          <p:cNvPr id="9" name="PlaceHolder 1"/>
           <p:cNvSpPr>
             <a:spLocks noGrp="1"/>
           </p:cNvSpPr>
@@ -3832,8 +3592,8 @@
         </p:nvSpPr>
         <p:spPr>
           <a:xfrm>
-            <a:off x="457200" y="274680"/>
-            <a:ext cx="8229240" cy="1142640"/>
+            <a:off x="457200" y="273600"/>
+            <a:ext cx="8229240" cy="1144800"/>
           </a:xfrm>
           <a:prstGeom prst="rect">
             <a:avLst/>
@@ -3844,11 +3604,9 @@
             <a:noAutofit/>
           </a:bodyPr>
           <a:p>
-            <a:endParaRPr b="0" lang="en-US" sz="1800" spc="-1" strike="noStrike">
-              <a:solidFill>
-                <a:srgbClr val="000000"/>
-              </a:solidFill>
-              <a:latin typeface="Calibri"/>
+            <a:pPr algn="ctr"/>
+            <a:endParaRPr b="0" lang="en-US" sz="4400" spc="-1" strike="noStrike">
+              <a:latin typeface="Arial"/>
             </a:endParaRPr>
           </a:p>
         </p:txBody>
@@ -3877,7 +3635,7 @@
       </p:grpSpPr>
       <p:sp>
         <p:nvSpPr>
-          <p:cNvPr id="13" name="PlaceHolder 1"/>
+          <p:cNvPr id="10" name="PlaceHolder 1"/>
           <p:cNvSpPr>
             <a:spLocks noGrp="1"/>
           </p:cNvSpPr>
@@ -3887,8 +3645,8 @@
         </p:nvSpPr>
         <p:spPr>
           <a:xfrm>
-            <a:off x="457200" y="274680"/>
-            <a:ext cx="8229240" cy="5297760"/>
+            <a:off x="457200" y="273600"/>
+            <a:ext cx="8229240" cy="5307840"/>
           </a:xfrm>
           <a:prstGeom prst="rect">
             <a:avLst/>
@@ -3930,7 +3688,7 @@
       </p:grpSpPr>
       <p:sp>
         <p:nvSpPr>
-          <p:cNvPr id="14" name="PlaceHolder 1"/>
+          <p:cNvPr id="11" name="PlaceHolder 1"/>
           <p:cNvSpPr>
             <a:spLocks noGrp="1"/>
           </p:cNvSpPr>
@@ -3940,8 +3698,8 @@
         </p:nvSpPr>
         <p:spPr>
           <a:xfrm>
-            <a:off x="457200" y="274680"/>
-            <a:ext cx="8229240" cy="1142640"/>
+            <a:off x="457200" y="273600"/>
+            <a:ext cx="8229240" cy="1144800"/>
           </a:xfrm>
           <a:prstGeom prst="rect">
             <a:avLst/>
@@ -3952,18 +3710,16 @@
             <a:noAutofit/>
           </a:bodyPr>
           <a:p>
-            <a:endParaRPr b="0" lang="en-US" sz="1800" spc="-1" strike="noStrike">
-              <a:solidFill>
-                <a:srgbClr val="000000"/>
-              </a:solidFill>
-              <a:latin typeface="Calibri"/>
-            </a:endParaRPr>
-          </a:p>
-        </p:txBody>
-      </p:sp>
-      <p:sp>
-        <p:nvSpPr>
-          <p:cNvPr id="15" name="PlaceHolder 2"/>
+            <a:pPr algn="ctr"/>
+            <a:endParaRPr b="0" lang="en-US" sz="4400" spc="-1" strike="noStrike">
+              <a:latin typeface="Arial"/>
+            </a:endParaRPr>
+          </a:p>
+        </p:txBody>
+      </p:sp>
+      <p:sp>
+        <p:nvSpPr>
+          <p:cNvPr id="12" name="PlaceHolder 2"/>
           <p:cNvSpPr>
             <a:spLocks noGrp="1"/>
           </p:cNvSpPr>
@@ -3973,8 +3729,8 @@
         </p:nvSpPr>
         <p:spPr>
           <a:xfrm>
-            <a:off x="457200" y="1600200"/>
-            <a:ext cx="4015800" cy="2158560"/>
+            <a:off x="457200" y="1604520"/>
+            <a:ext cx="4015800" cy="1896840"/>
           </a:xfrm>
           <a:prstGeom prst="rect">
             <a:avLst/>
@@ -3986,17 +3742,14 @@
           </a:bodyPr>
           <a:p>
             <a:endParaRPr b="0" lang="en-US" sz="3200" spc="-1" strike="noStrike">
-              <a:solidFill>
-                <a:srgbClr val="000000"/>
-              </a:solidFill>
-              <a:latin typeface="Calibri"/>
-            </a:endParaRPr>
-          </a:p>
-        </p:txBody>
-      </p:sp>
-      <p:sp>
-        <p:nvSpPr>
-          <p:cNvPr id="16" name="PlaceHolder 3"/>
+              <a:latin typeface="Arial"/>
+            </a:endParaRPr>
+          </a:p>
+        </p:txBody>
+      </p:sp>
+      <p:sp>
+        <p:nvSpPr>
+          <p:cNvPr id="13" name="PlaceHolder 3"/>
           <p:cNvSpPr>
             <a:spLocks noGrp="1"/>
           </p:cNvSpPr>
@@ -4006,8 +3759,8 @@
         </p:nvSpPr>
         <p:spPr>
           <a:xfrm>
-            <a:off x="4674240" y="1600200"/>
-            <a:ext cx="4015800" cy="4525560"/>
+            <a:off x="4674240" y="1604520"/>
+            <a:ext cx="4015800" cy="3977280"/>
           </a:xfrm>
           <a:prstGeom prst="rect">
             <a:avLst/>
@@ -4019,17 +3772,14 @@
           </a:bodyPr>
           <a:p>
             <a:endParaRPr b="0" lang="en-US" sz="3200" spc="-1" strike="noStrike">
-              <a:solidFill>
-                <a:srgbClr val="000000"/>
-              </a:solidFill>
-              <a:latin typeface="Calibri"/>
-            </a:endParaRPr>
-          </a:p>
-        </p:txBody>
-      </p:sp>
-      <p:sp>
-        <p:nvSpPr>
-          <p:cNvPr id="17" name="PlaceHolder 4"/>
+              <a:latin typeface="Arial"/>
+            </a:endParaRPr>
+          </a:p>
+        </p:txBody>
+      </p:sp>
+      <p:sp>
+        <p:nvSpPr>
+          <p:cNvPr id="14" name="PlaceHolder 4"/>
           <p:cNvSpPr>
             <a:spLocks noGrp="1"/>
           </p:cNvSpPr>
@@ -4039,8 +3789,8 @@
         </p:nvSpPr>
         <p:spPr>
           <a:xfrm>
-            <a:off x="457200" y="3964320"/>
-            <a:ext cx="4015800" cy="2158560"/>
+            <a:off x="457200" y="3682080"/>
+            <a:ext cx="4015800" cy="1896840"/>
           </a:xfrm>
           <a:prstGeom prst="rect">
             <a:avLst/>
@@ -4052,10 +3802,7 @@
           </a:bodyPr>
           <a:p>
             <a:endParaRPr b="0" lang="en-US" sz="3200" spc="-1" strike="noStrike">
-              <a:solidFill>
-                <a:srgbClr val="000000"/>
-              </a:solidFill>
-              <a:latin typeface="Calibri"/>
+              <a:latin typeface="Arial"/>
             </a:endParaRPr>
           </a:p>
         </p:txBody>
@@ -4084,7 +3831,7 @@
       </p:grpSpPr>
       <p:sp>
         <p:nvSpPr>
-          <p:cNvPr id="18" name="PlaceHolder 1"/>
+          <p:cNvPr id="15" name="PlaceHolder 1"/>
           <p:cNvSpPr>
             <a:spLocks noGrp="1"/>
           </p:cNvSpPr>
@@ -4094,8 +3841,8 @@
         </p:nvSpPr>
         <p:spPr>
           <a:xfrm>
-            <a:off x="457200" y="274680"/>
-            <a:ext cx="8229240" cy="1142640"/>
+            <a:off x="457200" y="273600"/>
+            <a:ext cx="8229240" cy="1144800"/>
           </a:xfrm>
           <a:prstGeom prst="rect">
             <a:avLst/>
@@ -4106,18 +3853,16 @@
             <a:noAutofit/>
           </a:bodyPr>
           <a:p>
-            <a:endParaRPr b="0" lang="en-US" sz="1800" spc="-1" strike="noStrike">
-              <a:solidFill>
-                <a:srgbClr val="000000"/>
-              </a:solidFill>
-              <a:latin typeface="Calibri"/>
-            </a:endParaRPr>
-          </a:p>
-        </p:txBody>
-      </p:sp>
-      <p:sp>
-        <p:nvSpPr>
-          <p:cNvPr id="19" name="PlaceHolder 2"/>
+            <a:pPr algn="ctr"/>
+            <a:endParaRPr b="0" lang="en-US" sz="4400" spc="-1" strike="noStrike">
+              <a:latin typeface="Arial"/>
+            </a:endParaRPr>
+          </a:p>
+        </p:txBody>
+      </p:sp>
+      <p:sp>
+        <p:nvSpPr>
+          <p:cNvPr id="16" name="PlaceHolder 2"/>
           <p:cNvSpPr>
             <a:spLocks noGrp="1"/>
           </p:cNvSpPr>
@@ -4127,8 +3872,8 @@
         </p:nvSpPr>
         <p:spPr>
           <a:xfrm>
-            <a:off x="457200" y="1600200"/>
-            <a:ext cx="4015800" cy="4525560"/>
+            <a:off x="457200" y="1604520"/>
+            <a:ext cx="4015800" cy="3977280"/>
           </a:xfrm>
           <a:prstGeom prst="rect">
             <a:avLst/>
@@ -4140,17 +3885,14 @@
           </a:bodyPr>
           <a:p>
             <a:endParaRPr b="0" lang="en-US" sz="3200" spc="-1" strike="noStrike">
-              <a:solidFill>
-                <a:srgbClr val="000000"/>
-              </a:solidFill>
-              <a:latin typeface="Calibri"/>
-            </a:endParaRPr>
-          </a:p>
-        </p:txBody>
-      </p:sp>
-      <p:sp>
-        <p:nvSpPr>
-          <p:cNvPr id="20" name="PlaceHolder 3"/>
+              <a:latin typeface="Arial"/>
+            </a:endParaRPr>
+          </a:p>
+        </p:txBody>
+      </p:sp>
+      <p:sp>
+        <p:nvSpPr>
+          <p:cNvPr id="17" name="PlaceHolder 3"/>
           <p:cNvSpPr>
             <a:spLocks noGrp="1"/>
           </p:cNvSpPr>
@@ -4160,8 +3902,8 @@
         </p:nvSpPr>
         <p:spPr>
           <a:xfrm>
-            <a:off x="4674240" y="1600200"/>
-            <a:ext cx="4015800" cy="2158560"/>
+            <a:off x="4674240" y="1604520"/>
+            <a:ext cx="4015800" cy="1896840"/>
           </a:xfrm>
           <a:prstGeom prst="rect">
             <a:avLst/>
@@ -4173,17 +3915,14 @@
           </a:bodyPr>
           <a:p>
             <a:endParaRPr b="0" lang="en-US" sz="3200" spc="-1" strike="noStrike">
-              <a:solidFill>
-                <a:srgbClr val="000000"/>
-              </a:solidFill>
-              <a:latin typeface="Calibri"/>
-            </a:endParaRPr>
-          </a:p>
-        </p:txBody>
-      </p:sp>
-      <p:sp>
-        <p:nvSpPr>
-          <p:cNvPr id="21" name="PlaceHolder 4"/>
+              <a:latin typeface="Arial"/>
+            </a:endParaRPr>
+          </a:p>
+        </p:txBody>
+      </p:sp>
+      <p:sp>
+        <p:nvSpPr>
+          <p:cNvPr id="18" name="PlaceHolder 4"/>
           <p:cNvSpPr>
             <a:spLocks noGrp="1"/>
           </p:cNvSpPr>
@@ -4193,8 +3932,8 @@
         </p:nvSpPr>
         <p:spPr>
           <a:xfrm>
-            <a:off x="4674240" y="3964320"/>
-            <a:ext cx="4015800" cy="2158560"/>
+            <a:off x="4674240" y="3682080"/>
+            <a:ext cx="4015800" cy="1896840"/>
           </a:xfrm>
           <a:prstGeom prst="rect">
             <a:avLst/>
@@ -4206,10 +3945,7 @@
           </a:bodyPr>
           <a:p>
             <a:endParaRPr b="0" lang="en-US" sz="3200" spc="-1" strike="noStrike">
-              <a:solidFill>
-                <a:srgbClr val="000000"/>
-              </a:solidFill>
-              <a:latin typeface="Calibri"/>
+              <a:latin typeface="Arial"/>
             </a:endParaRPr>
           </a:p>
         </p:txBody>
@@ -4238,7 +3974,7 @@
       </p:grpSpPr>
       <p:sp>
         <p:nvSpPr>
-          <p:cNvPr id="22" name="PlaceHolder 1"/>
+          <p:cNvPr id="19" name="PlaceHolder 1"/>
           <p:cNvSpPr>
             <a:spLocks noGrp="1"/>
           </p:cNvSpPr>
@@ -4248,8 +3984,8 @@
         </p:nvSpPr>
         <p:spPr>
           <a:xfrm>
-            <a:off x="457200" y="274680"/>
-            <a:ext cx="8229240" cy="1142640"/>
+            <a:off x="457200" y="273600"/>
+            <a:ext cx="8229240" cy="1144800"/>
           </a:xfrm>
           <a:prstGeom prst="rect">
             <a:avLst/>
@@ -4260,18 +3996,16 @@
             <a:noAutofit/>
           </a:bodyPr>
           <a:p>
-            <a:endParaRPr b="0" lang="en-US" sz="1800" spc="-1" strike="noStrike">
-              <a:solidFill>
-                <a:srgbClr val="000000"/>
-              </a:solidFill>
-              <a:latin typeface="Calibri"/>
-            </a:endParaRPr>
-          </a:p>
-        </p:txBody>
-      </p:sp>
-      <p:sp>
-        <p:nvSpPr>
-          <p:cNvPr id="23" name="PlaceHolder 2"/>
+            <a:pPr algn="ctr"/>
+            <a:endParaRPr b="0" lang="en-US" sz="4400" spc="-1" strike="noStrike">
+              <a:latin typeface="Arial"/>
+            </a:endParaRPr>
+          </a:p>
+        </p:txBody>
+      </p:sp>
+      <p:sp>
+        <p:nvSpPr>
+          <p:cNvPr id="20" name="PlaceHolder 2"/>
           <p:cNvSpPr>
             <a:spLocks noGrp="1"/>
           </p:cNvSpPr>
@@ -4281,8 +4015,8 @@
         </p:nvSpPr>
         <p:spPr>
           <a:xfrm>
-            <a:off x="457200" y="1600200"/>
-            <a:ext cx="4015800" cy="2158560"/>
+            <a:off x="457200" y="1604520"/>
+            <a:ext cx="4015800" cy="1896840"/>
           </a:xfrm>
           <a:prstGeom prst="rect">
             <a:avLst/>
@@ -4294,17 +4028,14 @@
           </a:bodyPr>
           <a:p>
             <a:endParaRPr b="0" lang="en-US" sz="3200" spc="-1" strike="noStrike">
-              <a:solidFill>
-                <a:srgbClr val="000000"/>
-              </a:solidFill>
-              <a:latin typeface="Calibri"/>
-            </a:endParaRPr>
-          </a:p>
-        </p:txBody>
-      </p:sp>
-      <p:sp>
-        <p:nvSpPr>
-          <p:cNvPr id="24" name="PlaceHolder 3"/>
+              <a:latin typeface="Arial"/>
+            </a:endParaRPr>
+          </a:p>
+        </p:txBody>
+      </p:sp>
+      <p:sp>
+        <p:nvSpPr>
+          <p:cNvPr id="21" name="PlaceHolder 3"/>
           <p:cNvSpPr>
             <a:spLocks noGrp="1"/>
           </p:cNvSpPr>
@@ -4314,8 +4045,8 @@
         </p:nvSpPr>
         <p:spPr>
           <a:xfrm>
-            <a:off x="4674240" y="1600200"/>
-            <a:ext cx="4015800" cy="2158560"/>
+            <a:off x="4674240" y="1604520"/>
+            <a:ext cx="4015800" cy="1896840"/>
           </a:xfrm>
           <a:prstGeom prst="rect">
             <a:avLst/>
@@ -4327,17 +4058,14 @@
           </a:bodyPr>
           <a:p>
             <a:endParaRPr b="0" lang="en-US" sz="3200" spc="-1" strike="noStrike">
-              <a:solidFill>
-                <a:srgbClr val="000000"/>
-              </a:solidFill>
-              <a:latin typeface="Calibri"/>
-            </a:endParaRPr>
-          </a:p>
-        </p:txBody>
-      </p:sp>
-      <p:sp>
-        <p:nvSpPr>
-          <p:cNvPr id="25" name="PlaceHolder 4"/>
+              <a:latin typeface="Arial"/>
+            </a:endParaRPr>
+          </a:p>
+        </p:txBody>
+      </p:sp>
+      <p:sp>
+        <p:nvSpPr>
+          <p:cNvPr id="22" name="PlaceHolder 4"/>
           <p:cNvSpPr>
             <a:spLocks noGrp="1"/>
           </p:cNvSpPr>
@@ -4347,8 +4075,8 @@
         </p:nvSpPr>
         <p:spPr>
           <a:xfrm>
-            <a:off x="457200" y="3964320"/>
-            <a:ext cx="8229240" cy="2158560"/>
+            <a:off x="457200" y="3682080"/>
+            <a:ext cx="8229240" cy="1896840"/>
           </a:xfrm>
           <a:prstGeom prst="rect">
             <a:avLst/>
@@ -4360,10 +4088,7 @@
           </a:bodyPr>
           <a:p>
             <a:endParaRPr b="0" lang="en-US" sz="3200" spc="-1" strike="noStrike">
-              <a:solidFill>
-                <a:srgbClr val="000000"/>
-              </a:solidFill>
-              <a:latin typeface="Calibri"/>
+              <a:latin typeface="Arial"/>
             </a:endParaRPr>
           </a:p>
         </p:txBody>
@@ -4409,37 +4134,32 @@
         </p:nvSpPr>
         <p:spPr>
           <a:xfrm>
-            <a:off x="685800" y="2130480"/>
-            <a:ext cx="7772040" cy="1469520"/>
-          </a:xfrm>
-          <a:prstGeom prst="rect">
-            <a:avLst/>
-          </a:prstGeom>
-        </p:spPr>
-        <p:txBody>
-          <a:bodyPr anchor="ctr">
+            <a:off x="457200" y="273600"/>
+            <a:ext cx="8228880" cy="1144440"/>
+          </a:xfrm>
+          <a:prstGeom prst="rect">
+            <a:avLst/>
+          </a:prstGeom>
+        </p:spPr>
+        <p:txBody>
+          <a:bodyPr lIns="0" rIns="0" tIns="0" bIns="0" anchor="ctr">
             <a:noAutofit/>
           </a:bodyPr>
           <a:p>
-            <a:pPr algn="ctr">
-              <a:lnSpc>
-                <a:spcPct val="100000"/>
-              </a:lnSpc>
-            </a:pPr>
-            <a:r>
-              <a:rPr b="0" lang="en-US" sz="4400" spc="-1" strike="noStrike">
-                <a:solidFill>
-                  <a:srgbClr val="000000"/>
-                </a:solidFill>
-                <a:latin typeface="Calibri"/>
-              </a:rPr>
-              <a:t>Click to edit Master title style</a:t>
-            </a:r>
-            <a:endParaRPr b="0" lang="en-US" sz="4400" spc="-1" strike="noStrike">
-              <a:solidFill>
-                <a:srgbClr val="000000"/>
-              </a:solidFill>
-              <a:latin typeface="Calibri"/>
+            <a:r>
+              <a:rPr b="0" lang="en-US" sz="1800" spc="-1" strike="noStrike">
+                <a:latin typeface="Arial"/>
+              </a:rPr>
+              <a:t>Click to edit the title text </a:t>
+            </a:r>
+            <a:r>
+              <a:rPr b="0" lang="en-US" sz="1800" spc="-1" strike="noStrike">
+                <a:latin typeface="Arial"/>
+              </a:rPr>
+              <a:t>format</a:t>
+            </a:r>
+            <a:endParaRPr b="0" lang="en-US" sz="1800" spc="-1" strike="noStrike">
+              <a:latin typeface="Arial"/>
             </a:endParaRPr>
           </a:p>
         </p:txBody>
@@ -4451,103 +4171,13 @@
             <a:spLocks noGrp="1"/>
           </p:cNvSpPr>
           <p:nvPr>
-            <p:ph type="dt"/>
-          </p:nvPr>
-        </p:nvSpPr>
-        <p:spPr>
-          <a:xfrm>
-            <a:off x="457200" y="6356520"/>
-            <a:ext cx="2133360" cy="364680"/>
-          </a:xfrm>
-          <a:prstGeom prst="rect">
-            <a:avLst/>
-          </a:prstGeom>
-        </p:spPr>
-        <p:txBody>
-          <a:bodyPr anchor="ctr">
-            <a:noAutofit/>
-          </a:bodyPr>
-          <a:p>
-            <a:endParaRPr b="0" lang="en-US" sz="2400" spc="-1" strike="noStrike">
-              <a:latin typeface="Times New Roman"/>
-            </a:endParaRPr>
-          </a:p>
-        </p:txBody>
-      </p:sp>
-      <p:sp>
-        <p:nvSpPr>
-          <p:cNvPr id="2" name="PlaceHolder 3"/>
-          <p:cNvSpPr>
-            <a:spLocks noGrp="1"/>
-          </p:cNvSpPr>
-          <p:nvPr>
-            <p:ph type="ftr"/>
-          </p:nvPr>
-        </p:nvSpPr>
-        <p:spPr>
-          <a:xfrm>
-            <a:off x="3124080" y="6356520"/>
-            <a:ext cx="2895120" cy="364680"/>
-          </a:xfrm>
-          <a:prstGeom prst="rect">
-            <a:avLst/>
-          </a:prstGeom>
-        </p:spPr>
-        <p:txBody>
-          <a:bodyPr anchor="ctr">
-            <a:noAutofit/>
-          </a:bodyPr>
-          <a:p>
-            <a:endParaRPr b="0" lang="en-US" sz="2400" spc="-1" strike="noStrike">
-              <a:latin typeface="Times New Roman"/>
-            </a:endParaRPr>
-          </a:p>
-        </p:txBody>
-      </p:sp>
-      <p:sp>
-        <p:nvSpPr>
-          <p:cNvPr id="3" name="PlaceHolder 4"/>
-          <p:cNvSpPr>
-            <a:spLocks noGrp="1"/>
-          </p:cNvSpPr>
-          <p:nvPr>
-            <p:ph type="sldNum"/>
-          </p:nvPr>
-        </p:nvSpPr>
-        <p:spPr>
-          <a:xfrm>
-            <a:off x="6553080" y="6356520"/>
-            <a:ext cx="2133360" cy="364680"/>
-          </a:xfrm>
-          <a:prstGeom prst="rect">
-            <a:avLst/>
-          </a:prstGeom>
-        </p:spPr>
-        <p:txBody>
-          <a:bodyPr anchor="ctr">
-            <a:noAutofit/>
-          </a:bodyPr>
-          <a:p>
-            <a:endParaRPr b="0" lang="en-US" sz="2400" spc="-1" strike="noStrike">
-              <a:latin typeface="Times New Roman"/>
-            </a:endParaRPr>
-          </a:p>
-        </p:txBody>
-      </p:sp>
-      <p:sp>
-        <p:nvSpPr>
-          <p:cNvPr id="4" name="PlaceHolder 5"/>
-          <p:cNvSpPr>
-            <a:spLocks noGrp="1"/>
-          </p:cNvSpPr>
-          <p:nvPr>
             <p:ph type="body"/>
           </p:nvPr>
         </p:nvSpPr>
         <p:spPr>
           <a:xfrm>
             <a:off x="457200" y="1604520"/>
-            <a:ext cx="8229240" cy="3977280"/>
+            <a:ext cx="8228880" cy="3976920"/>
           </a:xfrm>
           <a:prstGeom prst="rect">
             <a:avLst/>
@@ -4570,19 +4200,13 @@
               <a:buChar char=""/>
             </a:pPr>
             <a:r>
-              <a:rPr b="0" lang="en-US" sz="3200" spc="-1" strike="noStrike">
-                <a:solidFill>
-                  <a:srgbClr val="000000"/>
-                </a:solidFill>
-                <a:latin typeface="Calibri"/>
+              <a:rPr b="0" lang="en-US" sz="1800" spc="-1" strike="noStrike">
+                <a:latin typeface="Arial"/>
               </a:rPr>
               <a:t>Click to edit the outline text format</a:t>
             </a:r>
-            <a:endParaRPr b="0" lang="en-US" sz="3200" spc="-1" strike="noStrike">
-              <a:solidFill>
-                <a:srgbClr val="000000"/>
-              </a:solidFill>
-              <a:latin typeface="Calibri"/>
+            <a:endParaRPr b="0" lang="en-US" sz="1800" spc="-1" strike="noStrike">
+              <a:latin typeface="Arial"/>
             </a:endParaRPr>
           </a:p>
           <a:p>
@@ -4598,19 +4222,13 @@
               <a:buChar char=""/>
             </a:pPr>
             <a:r>
-              <a:rPr b="0" lang="en-US" sz="2400" spc="-1" strike="noStrike">
-                <a:solidFill>
-                  <a:srgbClr val="000000"/>
-                </a:solidFill>
-                <a:latin typeface="Calibri"/>
+              <a:rPr b="0" lang="en-US" sz="1800" spc="-1" strike="noStrike">
+                <a:latin typeface="Arial"/>
               </a:rPr>
               <a:t>Second Outline Level</a:t>
             </a:r>
-            <a:endParaRPr b="0" lang="en-US" sz="2400" spc="-1" strike="noStrike">
-              <a:solidFill>
-                <a:srgbClr val="000000"/>
-              </a:solidFill>
-              <a:latin typeface="Calibri"/>
+            <a:endParaRPr b="0" lang="en-US" sz="1800" spc="-1" strike="noStrike">
+              <a:latin typeface="Arial"/>
             </a:endParaRPr>
           </a:p>
           <a:p>
@@ -4626,19 +4244,13 @@
               <a:buChar char=""/>
             </a:pPr>
             <a:r>
-              <a:rPr b="0" lang="en-US" sz="2000" spc="-1" strike="noStrike">
-                <a:solidFill>
-                  <a:srgbClr val="000000"/>
-                </a:solidFill>
-                <a:latin typeface="Calibri"/>
+              <a:rPr b="0" lang="en-US" sz="1800" spc="-1" strike="noStrike">
+                <a:latin typeface="Arial"/>
               </a:rPr>
               <a:t>Third Outline Level</a:t>
             </a:r>
-            <a:endParaRPr b="0" lang="en-US" sz="2000" spc="-1" strike="noStrike">
-              <a:solidFill>
-                <a:srgbClr val="000000"/>
-              </a:solidFill>
-              <a:latin typeface="Calibri"/>
+            <a:endParaRPr b="0" lang="en-US" sz="1800" spc="-1" strike="noStrike">
+              <a:latin typeface="Arial"/>
             </a:endParaRPr>
           </a:p>
           <a:p>
@@ -4654,19 +4266,13 @@
               <a:buChar char=""/>
             </a:pPr>
             <a:r>
-              <a:rPr b="0" lang="en-US" sz="2000" spc="-1" strike="noStrike">
-                <a:solidFill>
-                  <a:srgbClr val="000000"/>
-                </a:solidFill>
-                <a:latin typeface="Calibri"/>
+              <a:rPr b="0" lang="en-US" sz="1800" spc="-1" strike="noStrike">
+                <a:latin typeface="Arial"/>
               </a:rPr>
               <a:t>Fourth Outline Level</a:t>
             </a:r>
-            <a:endParaRPr b="0" lang="en-US" sz="2000" spc="-1" strike="noStrike">
-              <a:solidFill>
-                <a:srgbClr val="000000"/>
-              </a:solidFill>
-              <a:latin typeface="Calibri"/>
+            <a:endParaRPr b="0" lang="en-US" sz="1800" spc="-1" strike="noStrike">
+              <a:latin typeface="Arial"/>
             </a:endParaRPr>
           </a:p>
           <a:p>
@@ -4682,19 +4288,13 @@
               <a:buChar char=""/>
             </a:pPr>
             <a:r>
-              <a:rPr b="0" lang="en-US" sz="2000" spc="-1" strike="noStrike">
-                <a:solidFill>
-                  <a:srgbClr val="000000"/>
-                </a:solidFill>
-                <a:latin typeface="Calibri"/>
+              <a:rPr b="0" lang="en-US" sz="1800" spc="-1" strike="noStrike">
+                <a:latin typeface="Arial"/>
               </a:rPr>
               <a:t>Fifth Outline Level</a:t>
             </a:r>
-            <a:endParaRPr b="0" lang="en-US" sz="2000" spc="-1" strike="noStrike">
-              <a:solidFill>
-                <a:srgbClr val="000000"/>
-              </a:solidFill>
-              <a:latin typeface="Calibri"/>
+            <a:endParaRPr b="0" lang="en-US" sz="1800" spc="-1" strike="noStrike">
+              <a:latin typeface="Arial"/>
             </a:endParaRPr>
           </a:p>
           <a:p>
@@ -4710,19 +4310,13 @@
               <a:buChar char=""/>
             </a:pPr>
             <a:r>
-              <a:rPr b="0" lang="en-US" sz="2000" spc="-1" strike="noStrike">
-                <a:solidFill>
-                  <a:srgbClr val="000000"/>
-                </a:solidFill>
-                <a:latin typeface="Calibri"/>
+              <a:rPr b="0" lang="en-US" sz="1800" spc="-1" strike="noStrike">
+                <a:latin typeface="Arial"/>
               </a:rPr>
               <a:t>Sixth Outline Level</a:t>
             </a:r>
-            <a:endParaRPr b="0" lang="en-US" sz="2000" spc="-1" strike="noStrike">
-              <a:solidFill>
-                <a:srgbClr val="000000"/>
-              </a:solidFill>
-              <a:latin typeface="Calibri"/>
+            <a:endParaRPr b="0" lang="en-US" sz="1800" spc="-1" strike="noStrike">
+              <a:latin typeface="Arial"/>
             </a:endParaRPr>
           </a:p>
           <a:p>
@@ -4738,19 +4332,13 @@
               <a:buChar char=""/>
             </a:pPr>
             <a:r>
-              <a:rPr b="0" lang="en-US" sz="2000" spc="-1" strike="noStrike">
-                <a:solidFill>
-                  <a:srgbClr val="000000"/>
-                </a:solidFill>
-                <a:latin typeface="Calibri"/>
+              <a:rPr b="0" lang="en-US" sz="1800" spc="-1" strike="noStrike">
+                <a:latin typeface="Arial"/>
               </a:rPr>
               <a:t>Seventh Outline Level</a:t>
             </a:r>
-            <a:endParaRPr b="0" lang="en-US" sz="2000" spc="-1" strike="noStrike">
-              <a:solidFill>
-                <a:srgbClr val="000000"/>
-              </a:solidFill>
-              <a:latin typeface="Calibri"/>
+            <a:endParaRPr b="0" lang="en-US" sz="1800" spc="-1" strike="noStrike">
+              <a:latin typeface="Arial"/>
             </a:endParaRPr>
           </a:p>
         </p:txBody>
@@ -4801,7 +4389,7 @@
       </p:grpSpPr>
       <p:sp>
         <p:nvSpPr>
-          <p:cNvPr id="41" name="PlaceHolder 1"/>
+          <p:cNvPr id="38" name="PlaceHolder 1"/>
           <p:cNvSpPr>
             <a:spLocks noGrp="1"/>
           </p:cNvSpPr>
@@ -4811,44 +4399,52 @@
         </p:nvSpPr>
         <p:spPr>
           <a:xfrm>
-            <a:off x="457200" y="274680"/>
-            <a:ext cx="8229240" cy="1142640"/>
-          </a:xfrm>
-          <a:prstGeom prst="rect">
-            <a:avLst/>
-          </a:prstGeom>
-        </p:spPr>
-        <p:txBody>
-          <a:bodyPr anchor="ctr">
+            <a:off x="457200" y="273600"/>
+            <a:ext cx="8229240" cy="1144800"/>
+          </a:xfrm>
+          <a:prstGeom prst="rect">
+            <a:avLst/>
+          </a:prstGeom>
+        </p:spPr>
+        <p:txBody>
+          <a:bodyPr lIns="0" rIns="0" tIns="0" bIns="0" anchor="ctr">
             <a:noAutofit/>
           </a:bodyPr>
           <a:p>
-            <a:pPr algn="ctr">
-              <a:lnSpc>
-                <a:spcPct val="100000"/>
-              </a:lnSpc>
-            </a:pPr>
+            <a:pPr algn="ctr"/>
             <a:r>
               <a:rPr b="0" lang="en-US" sz="4400" spc="-1" strike="noStrike">
-                <a:solidFill>
-                  <a:srgbClr val="000000"/>
-                </a:solidFill>
-                <a:latin typeface="Calibri"/>
-              </a:rPr>
-              <a:t>Click to edit Master title style</a:t>
+                <a:latin typeface="Arial"/>
+              </a:rPr>
+              <a:t>Click to </a:t>
+            </a:r>
+            <a:r>
+              <a:rPr b="0" lang="en-US" sz="4400" spc="-1" strike="noStrike">
+                <a:latin typeface="Arial"/>
+              </a:rPr>
+              <a:t>edit the </a:t>
+            </a:r>
+            <a:r>
+              <a:rPr b="0" lang="en-US" sz="4400" spc="-1" strike="noStrike">
+                <a:latin typeface="Arial"/>
+              </a:rPr>
+              <a:t>title text </a:t>
+            </a:r>
+            <a:r>
+              <a:rPr b="0" lang="en-US" sz="4400" spc="-1" strike="noStrike">
+                <a:latin typeface="Arial"/>
+              </a:rPr>
+              <a:t>format</a:t>
             </a:r>
             <a:endParaRPr b="0" lang="en-US" sz="4400" spc="-1" strike="noStrike">
-              <a:solidFill>
-                <a:srgbClr val="000000"/>
-              </a:solidFill>
-              <a:latin typeface="Calibri"/>
-            </a:endParaRPr>
-          </a:p>
-        </p:txBody>
-      </p:sp>
-      <p:sp>
-        <p:nvSpPr>
-          <p:cNvPr id="42" name="PlaceHolder 2"/>
+              <a:latin typeface="Arial"/>
+            </a:endParaRPr>
+          </a:p>
+        </p:txBody>
+      </p:sp>
+      <p:sp>
+        <p:nvSpPr>
+          <p:cNvPr id="39" name="PlaceHolder 2"/>
           <p:cNvSpPr>
             <a:spLocks noGrp="1"/>
           </p:cNvSpPr>
@@ -4858,255 +4454,169 @@
         </p:nvSpPr>
         <p:spPr>
           <a:xfrm>
-            <a:off x="457200" y="1600200"/>
-            <a:ext cx="8229240" cy="4525560"/>
-          </a:xfrm>
-          <a:prstGeom prst="rect">
-            <a:avLst/>
-          </a:prstGeom>
-        </p:spPr>
-        <p:txBody>
-          <a:bodyPr>
-            <a:noAutofit/>
-          </a:bodyPr>
-          <a:p>
-            <a:pPr marL="343080" indent="-342720">
-              <a:lnSpc>
-                <a:spcPct val="100000"/>
-              </a:lnSpc>
+            <a:off x="457200" y="1604520"/>
+            <a:ext cx="8229240" cy="3977280"/>
+          </a:xfrm>
+          <a:prstGeom prst="rect">
+            <a:avLst/>
+          </a:prstGeom>
+        </p:spPr>
+        <p:txBody>
+          <a:bodyPr lIns="0" rIns="0" tIns="0" bIns="0">
+            <a:normAutofit/>
+          </a:bodyPr>
+          <a:p>
+            <a:pPr marL="432000" indent="-324000">
               <a:spcBef>
-                <a:spcPts val="641"/>
+                <a:spcPts val="1417"/>
               </a:spcBef>
               <a:buClr>
                 <a:srgbClr val="000000"/>
               </a:buClr>
-              <a:buFont typeface="Arial"/>
-              <a:buChar char="•"/>
+              <a:buSzPct val="45000"/>
+              <a:buFont typeface="Wingdings" charset="2"/>
+              <a:buChar char=""/>
             </a:pPr>
             <a:r>
               <a:rPr b="0" lang="en-US" sz="3200" spc="-1" strike="noStrike">
-                <a:solidFill>
-                  <a:srgbClr val="000000"/>
-                </a:solidFill>
-                <a:latin typeface="Calibri"/>
-              </a:rPr>
-              <a:t>Click to edit Master text styles</a:t>
-            </a:r>
-            <a:endParaRPr b="0" lang="en-US" sz="3200" spc="-1" strike="noStrike">
-              <a:solidFill>
-                <a:srgbClr val="000000"/>
-              </a:solidFill>
-              <a:latin typeface="Calibri"/>
-            </a:endParaRPr>
-          </a:p>
-          <a:p>
-            <a:pPr lvl="1" marL="743040" indent="-285480">
-              <a:lnSpc>
-                <a:spcPct val="100000"/>
-              </a:lnSpc>
+                <a:latin typeface="Arial"/>
+              </a:rPr>
+              <a:t>Click to edit the outline text format</a:t>
+            </a:r>
+            <a:endParaRPr b="0" lang="en-US" sz="3200" spc="-1" strike="noStrike">
+              <a:latin typeface="Arial"/>
+            </a:endParaRPr>
+          </a:p>
+          <a:p>
+            <a:pPr lvl="1" marL="864000" indent="-324000">
               <a:spcBef>
-                <a:spcPts val="561"/>
+                <a:spcPts val="1134"/>
               </a:spcBef>
               <a:buClr>
                 <a:srgbClr val="000000"/>
               </a:buClr>
-              <a:buFont typeface="Arial"/>
-              <a:buChar char="–"/>
+              <a:buSzPct val="75000"/>
+              <a:buFont typeface="Symbol" charset="2"/>
+              <a:buChar char=""/>
             </a:pPr>
             <a:r>
               <a:rPr b="0" lang="en-US" sz="2800" spc="-1" strike="noStrike">
-                <a:solidFill>
-                  <a:srgbClr val="000000"/>
-                </a:solidFill>
-                <a:latin typeface="Calibri"/>
-              </a:rPr>
-              <a:t>Second level</a:t>
+                <a:latin typeface="Arial"/>
+              </a:rPr>
+              <a:t>Second Outline Level</a:t>
             </a:r>
             <a:endParaRPr b="0" lang="en-US" sz="2800" spc="-1" strike="noStrike">
-              <a:solidFill>
-                <a:srgbClr val="000000"/>
-              </a:solidFill>
-              <a:latin typeface="Calibri"/>
-            </a:endParaRPr>
-          </a:p>
-          <a:p>
-            <a:pPr lvl="2" marL="1143000" indent="-228240">
-              <a:lnSpc>
-                <a:spcPct val="100000"/>
-              </a:lnSpc>
+              <a:latin typeface="Arial"/>
+            </a:endParaRPr>
+          </a:p>
+          <a:p>
+            <a:pPr lvl="2" marL="1296000" indent="-288000">
               <a:spcBef>
-                <a:spcPts val="479"/>
+                <a:spcPts val="850"/>
               </a:spcBef>
               <a:buClr>
                 <a:srgbClr val="000000"/>
               </a:buClr>
-              <a:buFont typeface="Arial"/>
-              <a:buChar char="•"/>
+              <a:buSzPct val="45000"/>
+              <a:buFont typeface="Wingdings" charset="2"/>
+              <a:buChar char=""/>
             </a:pPr>
             <a:r>
               <a:rPr b="0" lang="en-US" sz="2400" spc="-1" strike="noStrike">
-                <a:solidFill>
-                  <a:srgbClr val="000000"/>
-                </a:solidFill>
-                <a:latin typeface="Calibri"/>
-              </a:rPr>
-              <a:t>Third level</a:t>
+                <a:latin typeface="Arial"/>
+              </a:rPr>
+              <a:t>Third Outline Level</a:t>
             </a:r>
             <a:endParaRPr b="0" lang="en-US" sz="2400" spc="-1" strike="noStrike">
-              <a:solidFill>
-                <a:srgbClr val="000000"/>
-              </a:solidFill>
-              <a:latin typeface="Calibri"/>
-            </a:endParaRPr>
-          </a:p>
-          <a:p>
-            <a:pPr lvl="3" marL="1600200" indent="-228240">
-              <a:lnSpc>
-                <a:spcPct val="100000"/>
-              </a:lnSpc>
+              <a:latin typeface="Arial"/>
+            </a:endParaRPr>
+          </a:p>
+          <a:p>
+            <a:pPr lvl="3" marL="1728000" indent="-216000">
               <a:spcBef>
-                <a:spcPts val="400"/>
+                <a:spcPts val="567"/>
               </a:spcBef>
               <a:buClr>
                 <a:srgbClr val="000000"/>
               </a:buClr>
-              <a:buFont typeface="Arial"/>
-              <a:buChar char="–"/>
+              <a:buSzPct val="75000"/>
+              <a:buFont typeface="Symbol" charset="2"/>
+              <a:buChar char=""/>
             </a:pPr>
             <a:r>
               <a:rPr b="0" lang="en-US" sz="2000" spc="-1" strike="noStrike">
-                <a:solidFill>
-                  <a:srgbClr val="000000"/>
-                </a:solidFill>
-                <a:latin typeface="Calibri"/>
-              </a:rPr>
-              <a:t>Fourth level</a:t>
+                <a:latin typeface="Arial"/>
+              </a:rPr>
+              <a:t>Fourth Outline Level</a:t>
             </a:r>
             <a:endParaRPr b="0" lang="en-US" sz="2000" spc="-1" strike="noStrike">
-              <a:solidFill>
-                <a:srgbClr val="000000"/>
-              </a:solidFill>
-              <a:latin typeface="Calibri"/>
-            </a:endParaRPr>
-          </a:p>
-          <a:p>
-            <a:pPr lvl="4" marL="2057400" indent="-228240">
-              <a:lnSpc>
-                <a:spcPct val="100000"/>
-              </a:lnSpc>
+              <a:latin typeface="Arial"/>
+            </a:endParaRPr>
+          </a:p>
+          <a:p>
+            <a:pPr lvl="4" marL="2160000" indent="-216000">
               <a:spcBef>
-                <a:spcPts val="400"/>
+                <a:spcPts val="283"/>
               </a:spcBef>
               <a:buClr>
                 <a:srgbClr val="000000"/>
               </a:buClr>
-              <a:buFont typeface="Arial"/>
-              <a:buChar char="»"/>
+              <a:buSzPct val="45000"/>
+              <a:buFont typeface="Wingdings" charset="2"/>
+              <a:buChar char=""/>
             </a:pPr>
             <a:r>
               <a:rPr b="0" lang="en-US" sz="2000" spc="-1" strike="noStrike">
-                <a:solidFill>
-                  <a:srgbClr val="000000"/>
-                </a:solidFill>
-                <a:latin typeface="Calibri"/>
-              </a:rPr>
-              <a:t>Fifth level</a:t>
+                <a:latin typeface="Arial"/>
+              </a:rPr>
+              <a:t>Fifth Outline Level</a:t>
             </a:r>
             <a:endParaRPr b="0" lang="en-US" sz="2000" spc="-1" strike="noStrike">
-              <a:solidFill>
+              <a:latin typeface="Arial"/>
+            </a:endParaRPr>
+          </a:p>
+          <a:p>
+            <a:pPr lvl="5" marL="2592000" indent="-216000">
+              <a:spcBef>
+                <a:spcPts val="283"/>
+              </a:spcBef>
+              <a:buClr>
                 <a:srgbClr val="000000"/>
-              </a:solidFill>
-              <a:latin typeface="Calibri"/>
-            </a:endParaRPr>
-          </a:p>
-        </p:txBody>
-      </p:sp>
-      <p:sp>
-        <p:nvSpPr>
-          <p:cNvPr id="43" name="PlaceHolder 3"/>
-          <p:cNvSpPr>
-            <a:spLocks noGrp="1"/>
-          </p:cNvSpPr>
-          <p:nvPr>
-            <p:ph type="dt"/>
-          </p:nvPr>
-        </p:nvSpPr>
-        <p:spPr>
-          <a:xfrm>
-            <a:off x="457200" y="6356520"/>
-            <a:ext cx="2133360" cy="364680"/>
-          </a:xfrm>
-          <a:prstGeom prst="rect">
-            <a:avLst/>
-          </a:prstGeom>
-        </p:spPr>
-        <p:txBody>
-          <a:bodyPr anchor="ctr">
-            <a:noAutofit/>
-          </a:bodyPr>
-          <a:p>
-            <a:endParaRPr b="0" lang="en-US" sz="2400" spc="-1" strike="noStrike">
-              <a:latin typeface="Times New Roman"/>
-            </a:endParaRPr>
-          </a:p>
-        </p:txBody>
-      </p:sp>
-      <p:sp>
-        <p:nvSpPr>
-          <p:cNvPr id="44" name="PlaceHolder 4"/>
-          <p:cNvSpPr>
-            <a:spLocks noGrp="1"/>
-          </p:cNvSpPr>
-          <p:nvPr>
-            <p:ph type="ftr"/>
-          </p:nvPr>
-        </p:nvSpPr>
-        <p:spPr>
-          <a:xfrm>
-            <a:off x="3124080" y="6356520"/>
-            <a:ext cx="2895120" cy="364680"/>
-          </a:xfrm>
-          <a:prstGeom prst="rect">
-            <a:avLst/>
-          </a:prstGeom>
-        </p:spPr>
-        <p:txBody>
-          <a:bodyPr anchor="ctr">
-            <a:noAutofit/>
-          </a:bodyPr>
-          <a:p>
-            <a:endParaRPr b="0" lang="en-US" sz="2400" spc="-1" strike="noStrike">
-              <a:latin typeface="Times New Roman"/>
-            </a:endParaRPr>
-          </a:p>
-        </p:txBody>
-      </p:sp>
-      <p:sp>
-        <p:nvSpPr>
-          <p:cNvPr id="45" name="PlaceHolder 5"/>
-          <p:cNvSpPr>
-            <a:spLocks noGrp="1"/>
-          </p:cNvSpPr>
-          <p:nvPr>
-            <p:ph type="sldNum"/>
-          </p:nvPr>
-        </p:nvSpPr>
-        <p:spPr>
-          <a:xfrm>
-            <a:off x="6553080" y="6356520"/>
-            <a:ext cx="2133360" cy="364680"/>
-          </a:xfrm>
-          <a:prstGeom prst="rect">
-            <a:avLst/>
-          </a:prstGeom>
-        </p:spPr>
-        <p:txBody>
-          <a:bodyPr anchor="ctr">
-            <a:noAutofit/>
-          </a:bodyPr>
-          <a:p>
-            <a:endParaRPr b="0" lang="en-US" sz="2400" spc="-1" strike="noStrike">
-              <a:latin typeface="Times New Roman"/>
+              </a:buClr>
+              <a:buSzPct val="45000"/>
+              <a:buFont typeface="Wingdings" charset="2"/>
+              <a:buChar char=""/>
+            </a:pPr>
+            <a:r>
+              <a:rPr b="0" lang="en-US" sz="2000" spc="-1" strike="noStrike">
+                <a:latin typeface="Arial"/>
+              </a:rPr>
+              <a:t>Sixth Outline Level</a:t>
+            </a:r>
+            <a:endParaRPr b="0" lang="en-US" sz="2000" spc="-1" strike="noStrike">
+              <a:latin typeface="Arial"/>
+            </a:endParaRPr>
+          </a:p>
+          <a:p>
+            <a:pPr lvl="6" marL="3024000" indent="-216000">
+              <a:spcBef>
+                <a:spcPts val="283"/>
+              </a:spcBef>
+              <a:buClr>
+                <a:srgbClr val="000000"/>
+              </a:buClr>
+              <a:buSzPct val="45000"/>
+              <a:buFont typeface="Wingdings" charset="2"/>
+              <a:buChar char=""/>
+            </a:pPr>
+            <a:r>
+              <a:rPr b="0" lang="en-US" sz="2000" spc="-1" strike="noStrike">
+                <a:latin typeface="Arial"/>
+              </a:rPr>
+              <a:t>Seventh Outline Level</a:t>
+            </a:r>
+            <a:endParaRPr b="0" lang="en-US" sz="2000" spc="-1" strike="noStrike">
+              <a:latin typeface="Arial"/>
             </a:endParaRPr>
           </a:p>
         </p:txBody>
@@ -5157,7 +4667,7 @@
       </p:grpSpPr>
       <p:sp>
         <p:nvSpPr>
-          <p:cNvPr id="82" name="PlaceHolder 1"/>
+          <p:cNvPr id="76" name="PlaceHolder 1"/>
           <p:cNvSpPr>
             <a:spLocks noGrp="1"/>
           </p:cNvSpPr>
@@ -5167,134 +4677,39 @@
         </p:nvSpPr>
         <p:spPr>
           <a:xfrm>
-            <a:off x="457200" y="274680"/>
-            <a:ext cx="8229240" cy="1142640"/>
-          </a:xfrm>
-          <a:prstGeom prst="rect">
-            <a:avLst/>
-          </a:prstGeom>
-        </p:spPr>
-        <p:txBody>
-          <a:bodyPr anchor="ctr">
+            <a:off x="457200" y="273600"/>
+            <a:ext cx="8228880" cy="1144440"/>
+          </a:xfrm>
+          <a:prstGeom prst="rect">
+            <a:avLst/>
+          </a:prstGeom>
+        </p:spPr>
+        <p:txBody>
+          <a:bodyPr lIns="0" rIns="0" tIns="0" bIns="0" anchor="ctr">
             <a:noAutofit/>
           </a:bodyPr>
           <a:p>
-            <a:pPr algn="ctr">
-              <a:lnSpc>
-                <a:spcPct val="100000"/>
-              </a:lnSpc>
-            </a:pPr>
-            <a:r>
-              <a:rPr b="0" lang="en-US" sz="4400" spc="-1" strike="noStrike">
-                <a:solidFill>
-                  <a:srgbClr val="000000"/>
-                </a:solidFill>
-                <a:latin typeface="Calibri"/>
-              </a:rPr>
-              <a:t>Click to edit Master title style</a:t>
-            </a:r>
-            <a:endParaRPr b="0" lang="en-US" sz="4400" spc="-1" strike="noStrike">
-              <a:solidFill>
-                <a:srgbClr val="000000"/>
-              </a:solidFill>
-              <a:latin typeface="Calibri"/>
-            </a:endParaRPr>
-          </a:p>
-        </p:txBody>
-      </p:sp>
-      <p:sp>
-        <p:nvSpPr>
-          <p:cNvPr id="83" name="PlaceHolder 2"/>
-          <p:cNvSpPr>
-            <a:spLocks noGrp="1"/>
-          </p:cNvSpPr>
-          <p:nvPr>
-            <p:ph type="dt"/>
-          </p:nvPr>
-        </p:nvSpPr>
-        <p:spPr>
-          <a:xfrm>
-            <a:off x="457200" y="6356520"/>
-            <a:ext cx="2133360" cy="364680"/>
-          </a:xfrm>
-          <a:prstGeom prst="rect">
-            <a:avLst/>
-          </a:prstGeom>
-        </p:spPr>
-        <p:txBody>
-          <a:bodyPr anchor="ctr">
-            <a:noAutofit/>
-          </a:bodyPr>
-          <a:p>
-            <a:endParaRPr b="0" lang="en-US" sz="2400" spc="-1" strike="noStrike">
-              <a:latin typeface="Times New Roman"/>
-            </a:endParaRPr>
-          </a:p>
-        </p:txBody>
-      </p:sp>
-      <p:sp>
-        <p:nvSpPr>
-          <p:cNvPr id="84" name="PlaceHolder 3"/>
-          <p:cNvSpPr>
-            <a:spLocks noGrp="1"/>
-          </p:cNvSpPr>
-          <p:nvPr>
-            <p:ph type="ftr"/>
-          </p:nvPr>
-        </p:nvSpPr>
-        <p:spPr>
-          <a:xfrm>
-            <a:off x="3124080" y="6356520"/>
-            <a:ext cx="2895120" cy="364680"/>
-          </a:xfrm>
-          <a:prstGeom prst="rect">
-            <a:avLst/>
-          </a:prstGeom>
-        </p:spPr>
-        <p:txBody>
-          <a:bodyPr anchor="ctr">
-            <a:noAutofit/>
-          </a:bodyPr>
-          <a:p>
-            <a:endParaRPr b="0" lang="en-US" sz="2400" spc="-1" strike="noStrike">
-              <a:latin typeface="Times New Roman"/>
-            </a:endParaRPr>
-          </a:p>
-        </p:txBody>
-      </p:sp>
-      <p:sp>
-        <p:nvSpPr>
-          <p:cNvPr id="85" name="PlaceHolder 4"/>
-          <p:cNvSpPr>
-            <a:spLocks noGrp="1"/>
-          </p:cNvSpPr>
-          <p:nvPr>
-            <p:ph type="sldNum"/>
-          </p:nvPr>
-        </p:nvSpPr>
-        <p:spPr>
-          <a:xfrm>
-            <a:off x="6553080" y="6356520"/>
-            <a:ext cx="2133360" cy="364680"/>
-          </a:xfrm>
-          <a:prstGeom prst="rect">
-            <a:avLst/>
-          </a:prstGeom>
-        </p:spPr>
-        <p:txBody>
-          <a:bodyPr anchor="ctr">
-            <a:noAutofit/>
-          </a:bodyPr>
-          <a:p>
-            <a:endParaRPr b="0" lang="en-US" sz="2400" spc="-1" strike="noStrike">
-              <a:latin typeface="Times New Roman"/>
-            </a:endParaRPr>
-          </a:p>
-        </p:txBody>
-      </p:sp>
-      <p:sp>
-        <p:nvSpPr>
-          <p:cNvPr id="86" name="PlaceHolder 5"/>
+            <a:r>
+              <a:rPr b="0" lang="en-US" sz="1800" spc="-1" strike="noStrike">
+                <a:latin typeface="Arial"/>
+              </a:rPr>
+              <a:t>Click to edit the title text </a:t>
+            </a:r>
+            <a:r>
+              <a:rPr b="0" lang="en-US" sz="1800" spc="-1" strike="noStrike">
+                <a:latin typeface="Arial"/>
+              </a:rPr>
+              <a:t>format</a:t>
+            </a:r>
+            <a:endParaRPr b="0" lang="en-US" sz="1800" spc="-1" strike="noStrike">
+              <a:latin typeface="Arial"/>
+            </a:endParaRPr>
+          </a:p>
+        </p:txBody>
+      </p:sp>
+      <p:sp>
+        <p:nvSpPr>
+          <p:cNvPr id="77" name="PlaceHolder 2"/>
           <p:cNvSpPr>
             <a:spLocks noGrp="1"/>
           </p:cNvSpPr>
@@ -5329,18 +4744,12 @@
             </a:pPr>
             <a:r>
               <a:rPr b="0" lang="en-US" sz="3200" spc="-1" strike="noStrike">
-                <a:solidFill>
-                  <a:srgbClr val="000000"/>
-                </a:solidFill>
-                <a:latin typeface="Calibri"/>
+                <a:latin typeface="Arial"/>
               </a:rPr>
               <a:t>Click to edit the outline text format</a:t>
             </a:r>
             <a:endParaRPr b="0" lang="en-US" sz="3200" spc="-1" strike="noStrike">
-              <a:solidFill>
-                <a:srgbClr val="000000"/>
-              </a:solidFill>
-              <a:latin typeface="Calibri"/>
+              <a:latin typeface="Arial"/>
             </a:endParaRPr>
           </a:p>
           <a:p>
@@ -5356,19 +4765,13 @@
               <a:buChar char=""/>
             </a:pPr>
             <a:r>
-              <a:rPr b="0" lang="en-US" sz="2400" spc="-1" strike="noStrike">
-                <a:solidFill>
-                  <a:srgbClr val="000000"/>
-                </a:solidFill>
-                <a:latin typeface="Calibri"/>
+              <a:rPr b="0" lang="en-US" sz="2800" spc="-1" strike="noStrike">
+                <a:latin typeface="Arial"/>
               </a:rPr>
               <a:t>Second Outline Level</a:t>
             </a:r>
-            <a:endParaRPr b="0" lang="en-US" sz="2400" spc="-1" strike="noStrike">
-              <a:solidFill>
-                <a:srgbClr val="000000"/>
-              </a:solidFill>
-              <a:latin typeface="Calibri"/>
+            <a:endParaRPr b="0" lang="en-US" sz="2800" spc="-1" strike="noStrike">
+              <a:latin typeface="Arial"/>
             </a:endParaRPr>
           </a:p>
           <a:p>
@@ -5384,19 +4787,13 @@
               <a:buChar char=""/>
             </a:pPr>
             <a:r>
-              <a:rPr b="0" lang="en-US" sz="2000" spc="-1" strike="noStrike">
-                <a:solidFill>
-                  <a:srgbClr val="000000"/>
-                </a:solidFill>
-                <a:latin typeface="Calibri"/>
+              <a:rPr b="0" lang="en-US" sz="2400" spc="-1" strike="noStrike">
+                <a:latin typeface="Arial"/>
               </a:rPr>
               <a:t>Third Outline Level</a:t>
             </a:r>
-            <a:endParaRPr b="0" lang="en-US" sz="2000" spc="-1" strike="noStrike">
-              <a:solidFill>
-                <a:srgbClr val="000000"/>
-              </a:solidFill>
-              <a:latin typeface="Calibri"/>
+            <a:endParaRPr b="0" lang="en-US" sz="2400" spc="-1" strike="noStrike">
+              <a:latin typeface="Arial"/>
             </a:endParaRPr>
           </a:p>
           <a:p>
@@ -5413,18 +4810,12 @@
             </a:pPr>
             <a:r>
               <a:rPr b="0" lang="en-US" sz="2000" spc="-1" strike="noStrike">
-                <a:solidFill>
-                  <a:srgbClr val="000000"/>
-                </a:solidFill>
-                <a:latin typeface="Calibri"/>
+                <a:latin typeface="Arial"/>
               </a:rPr>
               <a:t>Fourth Outline Level</a:t>
             </a:r>
             <a:endParaRPr b="0" lang="en-US" sz="2000" spc="-1" strike="noStrike">
-              <a:solidFill>
-                <a:srgbClr val="000000"/>
-              </a:solidFill>
-              <a:latin typeface="Calibri"/>
+              <a:latin typeface="Arial"/>
             </a:endParaRPr>
           </a:p>
           <a:p>
@@ -5441,18 +4832,12 @@
             </a:pPr>
             <a:r>
               <a:rPr b="0" lang="en-US" sz="2000" spc="-1" strike="noStrike">
-                <a:solidFill>
-                  <a:srgbClr val="000000"/>
-                </a:solidFill>
-                <a:latin typeface="Calibri"/>
+                <a:latin typeface="Arial"/>
               </a:rPr>
               <a:t>Fifth Outline Level</a:t>
             </a:r>
             <a:endParaRPr b="0" lang="en-US" sz="2000" spc="-1" strike="noStrike">
-              <a:solidFill>
-                <a:srgbClr val="000000"/>
-              </a:solidFill>
-              <a:latin typeface="Calibri"/>
+              <a:latin typeface="Arial"/>
             </a:endParaRPr>
           </a:p>
           <a:p>
@@ -5469,18 +4854,12 @@
             </a:pPr>
             <a:r>
               <a:rPr b="0" lang="en-US" sz="2000" spc="-1" strike="noStrike">
-                <a:solidFill>
-                  <a:srgbClr val="000000"/>
-                </a:solidFill>
-                <a:latin typeface="Calibri"/>
+                <a:latin typeface="Arial"/>
               </a:rPr>
               <a:t>Sixth Outline Level</a:t>
             </a:r>
             <a:endParaRPr b="0" lang="en-US" sz="2000" spc="-1" strike="noStrike">
-              <a:solidFill>
-                <a:srgbClr val="000000"/>
-              </a:solidFill>
-              <a:latin typeface="Calibri"/>
+              <a:latin typeface="Arial"/>
             </a:endParaRPr>
           </a:p>
           <a:p>
@@ -5497,18 +4876,12 @@
             </a:pPr>
             <a:r>
               <a:rPr b="0" lang="en-US" sz="2000" spc="-1" strike="noStrike">
-                <a:solidFill>
-                  <a:srgbClr val="000000"/>
-                </a:solidFill>
-                <a:latin typeface="Calibri"/>
+                <a:latin typeface="Arial"/>
               </a:rPr>
               <a:t>Seventh Outline Level</a:t>
             </a:r>
             <a:endParaRPr b="0" lang="en-US" sz="2000" spc="-1" strike="noStrike">
-              <a:solidFill>
-                <a:srgbClr val="000000"/>
-              </a:solidFill>
-              <a:latin typeface="Calibri"/>
+              <a:latin typeface="Arial"/>
             </a:endParaRPr>
           </a:p>
         </p:txBody>
@@ -5552,14 +4925,14 @@
       </p:grpSpPr>
       <p:sp>
         <p:nvSpPr>
-          <p:cNvPr id="123" name="TextShape 1"/>
-          <p:cNvSpPr txBox="1"/>
+          <p:cNvPr id="114" name="CustomShape 1"/>
+          <p:cNvSpPr/>
           <p:nvPr/>
         </p:nvSpPr>
         <p:spPr>
           <a:xfrm>
             <a:off x="685800" y="2130480"/>
-            <a:ext cx="7772040" cy="1469520"/>
+            <a:ext cx="7771320" cy="1468800"/>
           </a:xfrm>
           <a:prstGeom prst="rect">
             <a:avLst/>
@@ -5569,8 +4942,14 @@
             <a:noFill/>
           </a:ln>
         </p:spPr>
-        <p:txBody>
-          <a:bodyPr anchor="ctr">
+        <p:style>
+          <a:lnRef idx="0"/>
+          <a:fillRef idx="0"/>
+          <a:effectRef idx="0"/>
+          <a:fontRef idx="minor"/>
+        </p:style>
+        <p:txBody>
+          <a:bodyPr lIns="90000" rIns="90000" tIns="45000" bIns="45000" anchor="ctr">
             <a:noAutofit/>
           </a:bodyPr>
           <a:p>
@@ -5585,55 +4964,26 @@
                   <a:srgbClr val="000000"/>
                 </a:solidFill>
                 <a:latin typeface="Times New Roman"/>
-              </a:rPr>
-              <a:t>Urdu </a:t>
-            </a:r>
-            <a:r>
-              <a:rPr b="0" lang="en-US" sz="4400" spc="-1" strike="noStrike">
-                <a:solidFill>
-                  <a:srgbClr val="000000"/>
-                </a:solidFill>
-                <a:latin typeface="Times New Roman"/>
-              </a:rPr>
-              <a:t>Caption </a:t>
-            </a:r>
-            <a:r>
-              <a:rPr b="0" lang="en-US" sz="4400" spc="-1" strike="noStrike">
-                <a:solidFill>
-                  <a:srgbClr val="000000"/>
-                </a:solidFill>
-                <a:latin typeface="Times New Roman"/>
-              </a:rPr>
-              <a:t>For Blind </a:t>
-            </a:r>
-            <a:r>
-              <a:rPr b="0" lang="en-US" sz="4400" spc="-1" strike="noStrike">
-                <a:solidFill>
-                  <a:srgbClr val="000000"/>
-                </a:solidFill>
-                <a:latin typeface="Times New Roman"/>
-              </a:rPr>
-              <a:t>Peoples</a:t>
+                <a:ea typeface="DejaVu Sans"/>
+              </a:rPr>
+              <a:t>Urdu Caption For Blind Peoples</a:t>
             </a:r>
             <a:endParaRPr b="0" lang="en-US" sz="4400" spc="-1" strike="noStrike">
-              <a:solidFill>
-                <a:srgbClr val="000000"/>
-              </a:solidFill>
-              <a:latin typeface="Calibri"/>
-            </a:endParaRPr>
-          </a:p>
-        </p:txBody>
-      </p:sp>
-      <p:sp>
-        <p:nvSpPr>
-          <p:cNvPr id="124" name="TextShape 2"/>
-          <p:cNvSpPr txBox="1"/>
+              <a:latin typeface="Arial"/>
+            </a:endParaRPr>
+          </a:p>
+        </p:txBody>
+      </p:sp>
+      <p:sp>
+        <p:nvSpPr>
+          <p:cNvPr id="115" name="CustomShape 2"/>
+          <p:cNvSpPr/>
           <p:nvPr/>
         </p:nvSpPr>
         <p:spPr>
           <a:xfrm>
             <a:off x="1371600" y="3886200"/>
-            <a:ext cx="6400440" cy="1142640"/>
+            <a:ext cx="6399720" cy="1141920"/>
           </a:xfrm>
           <a:prstGeom prst="rect">
             <a:avLst/>
@@ -5643,8 +4993,14 @@
             <a:noFill/>
           </a:ln>
         </p:spPr>
-        <p:txBody>
-          <a:bodyPr>
+        <p:style>
+          <a:lnRef idx="0"/>
+          <a:fillRef idx="0"/>
+          <a:effectRef idx="0"/>
+          <a:fontRef idx="minor"/>
+        </p:style>
+        <p:txBody>
+          <a:bodyPr lIns="90000" rIns="90000" tIns="45000" bIns="45000">
             <a:normAutofit fontScale="56000"/>
           </a:bodyPr>
           <a:p>
@@ -5665,26 +5021,9 @@
                   <a:srgbClr val="000000"/>
                 </a:solidFill>
                 <a:latin typeface="Times New Roman"/>
-              </a:rPr>
-              <a:t>Sardar Badar </a:t>
-            </a:r>
-            <a:r>
-              <a:rPr b="0" lang="en-US" sz="3200" spc="-1" strike="noStrike">
-                <a:solidFill>
-                  <a:srgbClr val="000000"/>
-                </a:solidFill>
-                <a:latin typeface="Times New Roman"/>
-              </a:rPr>
-              <a:t>Sahir,  SP19-</a:t>
-            </a:r>
-            <a:r>
-              <a:rPr b="0" lang="en-US" sz="3200" spc="-1" strike="noStrike">
-                <a:solidFill>
-                  <a:srgbClr val="000000"/>
-                </a:solidFill>
-                <a:latin typeface="Times New Roman"/>
-              </a:rPr>
-              <a:t>BCS-022</a:t>
+                <a:ea typeface="DejaVu Sans"/>
+              </a:rPr>
+              <a:t>Sardar Badar Sahir,  SP19-BCS-022</a:t>
             </a:r>
             <a:endParaRPr b="0" lang="en-US" sz="3200" spc="-1" strike="noStrike">
               <a:latin typeface="Arial"/>
@@ -5708,17 +5047,9 @@
                   <a:srgbClr val="000000"/>
                 </a:solidFill>
                 <a:latin typeface="Times New Roman"/>
-              </a:rPr>
-              <a:t>Irttisam Ali,  </a:t>
-            </a:r>
-            <a:r>
-              <a:rPr b="0" lang="en-US" sz="3200" spc="-1" strike="noStrike">
-                <a:solidFill>
-                  <a:srgbClr val="000000"/>
-                </a:solidFill>
-                <a:latin typeface="Times New Roman"/>
-              </a:rPr>
-              <a:t>SP19-BCS-058</a:t>
+                <a:ea typeface="DejaVu Sans"/>
+              </a:rPr>
+              <a:t>Irttisam Ali,  SP19-BCS-058</a:t>
             </a:r>
             <a:endParaRPr b="0" lang="en-US" sz="3200" spc="-1" strike="noStrike">
               <a:latin typeface="Arial"/>
@@ -5742,26 +5073,9 @@
                   <a:srgbClr val="000000"/>
                 </a:solidFill>
                 <a:latin typeface="Times New Roman"/>
-              </a:rPr>
-              <a:t>Shaid </a:t>
-            </a:r>
-            <a:r>
-              <a:rPr b="0" lang="en-US" sz="3200" spc="-1" strike="noStrike">
-                <a:solidFill>
-                  <a:srgbClr val="000000"/>
-                </a:solidFill>
-                <a:latin typeface="Times New Roman"/>
-              </a:rPr>
-              <a:t>Ali ,SP19-</a:t>
-            </a:r>
-            <a:r>
-              <a:rPr b="0" lang="en-US" sz="3200" spc="-1" strike="noStrike">
-                <a:solidFill>
-                  <a:srgbClr val="000000"/>
-                </a:solidFill>
-                <a:latin typeface="Times New Roman"/>
-              </a:rPr>
-              <a:t>BCS-060</a:t>
+                <a:ea typeface="DejaVu Sans"/>
+              </a:rPr>
+              <a:t>Shaid Ali ,SP19-BCS-060</a:t>
             </a:r>
             <a:endParaRPr b="0" lang="en-US" sz="3200" spc="-1" strike="noStrike">
               <a:latin typeface="Arial"/>
@@ -5787,14 +5101,14 @@
       </p:sp>
       <p:sp>
         <p:nvSpPr>
-          <p:cNvPr id="125" name="TextShape 3"/>
-          <p:cNvSpPr txBox="1"/>
+          <p:cNvPr id="116" name="CustomShape 3"/>
+          <p:cNvSpPr/>
           <p:nvPr/>
         </p:nvSpPr>
         <p:spPr>
           <a:xfrm>
             <a:off x="6553080" y="6356520"/>
-            <a:ext cx="2133360" cy="364680"/>
+            <a:ext cx="2132640" cy="363960"/>
           </a:xfrm>
           <a:prstGeom prst="rect">
             <a:avLst/>
@@ -5804,20 +5118,16 @@
             <a:noFill/>
           </a:ln>
         </p:spPr>
-        <p:txBody>
-          <a:bodyPr anchor="ctr">
-            <a:noAutofit/>
-          </a:bodyPr>
-          <a:p>
-            <a:endParaRPr b="0" lang="en-US" sz="2400" spc="-1" strike="noStrike">
-              <a:latin typeface="Times New Roman"/>
-            </a:endParaRPr>
-          </a:p>
-        </p:txBody>
+        <p:style>
+          <a:lnRef idx="0"/>
+          <a:fillRef idx="0"/>
+          <a:effectRef idx="0"/>
+          <a:fontRef idx="minor"/>
+        </p:style>
       </p:sp>
       <p:pic>
         <p:nvPicPr>
-          <p:cNvPr id="126" name="Picture 2" descr=""/>
+          <p:cNvPr id="117" name="Picture 2" descr=""/>
           <p:cNvPicPr/>
           <p:nvPr/>
         </p:nvPicPr>
@@ -5828,7 +5138,7 @@
         <p:spPr>
           <a:xfrm>
             <a:off x="393840" y="5791320"/>
-            <a:ext cx="996120" cy="996120"/>
+            <a:ext cx="995400" cy="995400"/>
           </a:xfrm>
           <a:prstGeom prst="rect">
             <a:avLst/>
@@ -5840,14 +5150,14 @@
       </p:pic>
       <p:sp>
         <p:nvSpPr>
-          <p:cNvPr id="127" name="CustomShape 4"/>
+          <p:cNvPr id="118" name="CustomShape 4"/>
           <p:cNvSpPr/>
           <p:nvPr/>
         </p:nvSpPr>
         <p:spPr>
           <a:xfrm>
             <a:off x="1371600" y="5791320"/>
-            <a:ext cx="6400440" cy="990360"/>
+            <a:ext cx="6399720" cy="989640"/>
           </a:xfrm>
           <a:prstGeom prst="rect">
             <a:avLst/>
@@ -5864,7 +5174,7 @@
           <a:fontRef idx="minor"/>
         </p:style>
         <p:txBody>
-          <a:bodyPr>
+          <a:bodyPr lIns="90000" rIns="90000" tIns="45000" bIns="45000">
             <a:normAutofit/>
           </a:bodyPr>
           <a:p>
@@ -5885,6 +5195,7 @@
                   <a:srgbClr val="8b8b8b"/>
                 </a:solidFill>
                 <a:latin typeface="Times New Roman"/>
+                <a:ea typeface="DejaVu Sans"/>
               </a:rPr>
               <a:t>Department of Computer Science</a:t>
             </a:r>
@@ -5910,6 +5221,7 @@
                   <a:srgbClr val="8b8b8b"/>
                 </a:solidFill>
                 <a:latin typeface="Times New Roman"/>
+                <a:ea typeface="DejaVu Sans"/>
               </a:rPr>
               <a:t>COMSATS University Islamabad, Abbottabad Campus</a:t>
             </a:r>
@@ -5921,14 +5233,14 @@
       </p:sp>
       <p:sp>
         <p:nvSpPr>
-          <p:cNvPr id="128" name="CustomShape 5"/>
+          <p:cNvPr id="119" name="CustomShape 5"/>
           <p:cNvSpPr/>
           <p:nvPr/>
         </p:nvSpPr>
         <p:spPr>
           <a:xfrm>
             <a:off x="533520" y="491040"/>
-            <a:ext cx="8610120" cy="516960"/>
+            <a:ext cx="8609400" cy="516240"/>
           </a:xfrm>
           <a:prstGeom prst="rect">
             <a:avLst/>
@@ -5960,6 +5272,7 @@
                   <a:srgbClr val="000000"/>
                 </a:solidFill>
                 <a:latin typeface="Times New Roman"/>
+                <a:ea typeface="DejaVu Sans"/>
               </a:rPr>
               <a:t>Proposal and Feasibility Presentation </a:t>
             </a:r>
@@ -6001,14 +5314,14 @@
       </p:grpSpPr>
       <p:sp>
         <p:nvSpPr>
-          <p:cNvPr id="153" name="TextShape 1"/>
-          <p:cNvSpPr txBox="1"/>
+          <p:cNvPr id="144" name="CustomShape 1"/>
+          <p:cNvSpPr/>
           <p:nvPr/>
         </p:nvSpPr>
         <p:spPr>
           <a:xfrm>
             <a:off x="457200" y="274680"/>
-            <a:ext cx="8229240" cy="1142640"/>
+            <a:ext cx="8228520" cy="1141920"/>
           </a:xfrm>
           <a:prstGeom prst="rect">
             <a:avLst/>
@@ -6018,8 +5331,14 @@
             <a:noFill/>
           </a:ln>
         </p:spPr>
-        <p:txBody>
-          <a:bodyPr anchor="ctr">
+        <p:style>
+          <a:lnRef idx="0"/>
+          <a:fillRef idx="0"/>
+          <a:effectRef idx="0"/>
+          <a:fontRef idx="minor"/>
+        </p:style>
+        <p:txBody>
+          <a:bodyPr lIns="90000" rIns="90000" tIns="45000" bIns="45000" anchor="ctr">
             <a:noAutofit/>
           </a:bodyPr>
           <a:p>
@@ -6034,28 +5353,26 @@
                   <a:srgbClr val="000000"/>
                 </a:solidFill>
                 <a:latin typeface="Times New Roman"/>
+                <a:ea typeface="DejaVu Sans"/>
               </a:rPr>
               <a:t>Feasibility </a:t>
             </a:r>
             <a:endParaRPr b="0" lang="en-US" sz="4400" spc="-1" strike="noStrike">
-              <a:solidFill>
-                <a:srgbClr val="000000"/>
-              </a:solidFill>
-              <a:latin typeface="Calibri"/>
-            </a:endParaRPr>
-          </a:p>
-        </p:txBody>
-      </p:sp>
-      <p:sp>
-        <p:nvSpPr>
-          <p:cNvPr id="154" name="TextShape 2"/>
-          <p:cNvSpPr txBox="1"/>
+              <a:latin typeface="Arial"/>
+            </a:endParaRPr>
+          </a:p>
+        </p:txBody>
+      </p:sp>
+      <p:sp>
+        <p:nvSpPr>
+          <p:cNvPr id="145" name="CustomShape 2"/>
+          <p:cNvSpPr/>
           <p:nvPr/>
         </p:nvSpPr>
         <p:spPr>
           <a:xfrm>
             <a:off x="457200" y="1600200"/>
-            <a:ext cx="8229240" cy="4525560"/>
+            <a:ext cx="8228520" cy="4524840"/>
           </a:xfrm>
           <a:prstGeom prst="rect">
             <a:avLst/>
@@ -6065,12 +5382,18 @@
             <a:noFill/>
           </a:ln>
         </p:spPr>
-        <p:txBody>
-          <a:bodyPr>
+        <p:style>
+          <a:lnRef idx="0"/>
+          <a:fillRef idx="0"/>
+          <a:effectRef idx="0"/>
+          <a:fontRef idx="minor"/>
+        </p:style>
+        <p:txBody>
+          <a:bodyPr lIns="90000" rIns="90000" tIns="45000" bIns="45000">
             <a:noAutofit/>
           </a:bodyPr>
           <a:p>
-            <a:pPr marL="343080" indent="-342720">
+            <a:pPr marL="343080" indent="-342000">
               <a:lnSpc>
                 <a:spcPct val="100000"/>
               </a:lnSpc>
@@ -6089,23 +5412,12 @@
                   <a:srgbClr val="000000"/>
                 </a:solidFill>
                 <a:latin typeface="Times New Roman"/>
-              </a:rPr>
-              <a:t>Financial feasibility</a:t>
-            </a:r>
-            <a:r>
-              <a:rPr b="0" lang="en-US" sz="3200" spc="-1" strike="noStrike">
-                <a:solidFill>
-                  <a:srgbClr val="000000"/>
-                </a:solidFill>
-                <a:latin typeface="Times New Roman"/>
-              </a:rPr>
-              <a:t>	</a:t>
-            </a:r>
-            <a:endParaRPr b="0" lang="en-US" sz="3200" spc="-1" strike="noStrike">
-              <a:solidFill>
-                <a:srgbClr val="000000"/>
-              </a:solidFill>
-              <a:latin typeface="Calibri"/>
+                <a:ea typeface="DejaVu Sans"/>
+              </a:rPr>
+              <a:t>Technical feasibility</a:t>
+            </a:r>
+            <a:endParaRPr b="0" lang="en-US" sz="3200" spc="-1" strike="noStrike">
+              <a:latin typeface="Arial"/>
             </a:endParaRPr>
           </a:p>
           <a:p>
@@ -6126,8 +5438,9 @@
                   <a:srgbClr val="000000"/>
                 </a:solidFill>
                 <a:latin typeface="Times New Roman"/>
-              </a:rPr>
-              <a:t>	</a:t>
+                <a:ea typeface="DejaVu Sans"/>
+              </a:rPr>
+              <a:t> </a:t>
             </a:r>
             <a:r>
               <a:rPr b="0" lang="en-US" sz="3200" spc="-1" strike="noStrike">
@@ -6135,140 +5448,26 @@
                   <a:srgbClr val="000000"/>
                 </a:solidFill>
                 <a:latin typeface="Times New Roman"/>
-              </a:rPr>
-              <a:t>	</a:t>
-            </a:r>
-            <a:endParaRPr b="0" lang="en-US" sz="3200" spc="-1" strike="noStrike">
-              <a:solidFill>
-                <a:srgbClr val="000000"/>
-              </a:solidFill>
-              <a:latin typeface="Calibri"/>
-            </a:endParaRPr>
-          </a:p>
-          <a:p>
-            <a:pPr>
-              <a:lnSpc>
-                <a:spcPct val="100000"/>
-              </a:lnSpc>
-              <a:spcBef>
-                <a:spcPts val="641"/>
-              </a:spcBef>
-              <a:tabLst>
-                <a:tab algn="l" pos="0"/>
-              </a:tabLst>
-            </a:pPr>
-            <a:r>
-              <a:rPr b="0" lang="en-US" sz="3200" spc="-1" strike="noStrike">
-                <a:solidFill>
-                  <a:srgbClr val="000000"/>
-                </a:solidFill>
-                <a:latin typeface="Times New Roman"/>
-              </a:rPr>
-              <a:t>    </a:t>
-            </a:r>
-            <a:r>
-              <a:rPr b="0" lang="en-US" sz="3200" spc="-1" strike="noStrike">
-                <a:solidFill>
-                  <a:srgbClr val="000000"/>
-                </a:solidFill>
-                <a:latin typeface="Times New Roman"/>
-              </a:rPr>
-              <a:t>Most of the tools and technologies we are using  a freely available to us.</a:t>
-            </a:r>
-            <a:endParaRPr b="0" lang="en-US" sz="3200" spc="-1" strike="noStrike">
-              <a:solidFill>
-                <a:srgbClr val="000000"/>
-              </a:solidFill>
-              <a:latin typeface="Calibri"/>
-            </a:endParaRPr>
-          </a:p>
-          <a:p>
-            <a:pPr>
-              <a:lnSpc>
-                <a:spcPct val="100000"/>
-              </a:lnSpc>
-              <a:spcBef>
-                <a:spcPts val="641"/>
-              </a:spcBef>
-              <a:tabLst>
-                <a:tab algn="l" pos="0"/>
-              </a:tabLst>
-            </a:pPr>
-            <a:endParaRPr b="0" lang="en-US" sz="3200" spc="-1" strike="noStrike">
-              <a:solidFill>
-                <a:srgbClr val="000000"/>
-              </a:solidFill>
-              <a:latin typeface="Calibri"/>
-            </a:endParaRPr>
-          </a:p>
-          <a:p>
-            <a:pPr>
-              <a:lnSpc>
-                <a:spcPct val="100000"/>
-              </a:lnSpc>
-              <a:spcBef>
-                <a:spcPts val="641"/>
-              </a:spcBef>
-              <a:tabLst>
-                <a:tab algn="l" pos="0"/>
-              </a:tabLst>
-            </a:pPr>
-            <a:r>
-              <a:rPr b="0" lang="en-US" sz="3200" spc="-1" strike="noStrike">
-                <a:solidFill>
-                  <a:srgbClr val="000000"/>
-                </a:solidFill>
-                <a:latin typeface="Times New Roman"/>
-              </a:rPr>
-              <a:t>   </a:t>
-            </a:r>
-            <a:r>
-              <a:rPr b="0" lang="en-US" sz="3200" spc="-1" strike="noStrike">
-                <a:solidFill>
-                  <a:srgbClr val="000000"/>
-                </a:solidFill>
-                <a:latin typeface="Times New Roman"/>
-              </a:rPr>
-              <a:t>There is an app publishing fee of $25 dollars on Google play store and $99 for Apple store incase we publish it.</a:t>
-            </a:r>
-            <a:endParaRPr b="0" lang="en-US" sz="3200" spc="-1" strike="noStrike">
-              <a:solidFill>
-                <a:srgbClr val="000000"/>
-              </a:solidFill>
-              <a:latin typeface="Calibri"/>
-            </a:endParaRPr>
-          </a:p>
-          <a:p>
-            <a:pPr>
-              <a:lnSpc>
-                <a:spcPct val="100000"/>
-              </a:lnSpc>
-              <a:spcBef>
-                <a:spcPts val="641"/>
-              </a:spcBef>
-              <a:tabLst>
-                <a:tab algn="l" pos="0"/>
-              </a:tabLst>
-            </a:pPr>
-            <a:endParaRPr b="0" lang="en-US" sz="3200" spc="-1" strike="noStrike">
-              <a:solidFill>
-                <a:srgbClr val="000000"/>
-              </a:solidFill>
-              <a:latin typeface="Calibri"/>
-            </a:endParaRPr>
-          </a:p>
-        </p:txBody>
-      </p:sp>
-      <p:sp>
-        <p:nvSpPr>
-          <p:cNvPr id="155" name="TextShape 3"/>
-          <p:cNvSpPr txBox="1"/>
+                <a:ea typeface="DejaVu Sans"/>
+              </a:rPr>
+              <a:t>All the mentioned Tools and Technologies are     freely available. </a:t>
+            </a:r>
+            <a:endParaRPr b="0" lang="en-US" sz="3200" spc="-1" strike="noStrike">
+              <a:latin typeface="Arial"/>
+            </a:endParaRPr>
+          </a:p>
+        </p:txBody>
+      </p:sp>
+      <p:sp>
+        <p:nvSpPr>
+          <p:cNvPr id="146" name="CustomShape 3"/>
+          <p:cNvSpPr/>
           <p:nvPr/>
         </p:nvSpPr>
         <p:spPr>
           <a:xfrm>
             <a:off x="6553080" y="6356520"/>
-            <a:ext cx="2133360" cy="364680"/>
+            <a:ext cx="2132640" cy="363960"/>
           </a:xfrm>
           <a:prstGeom prst="rect">
             <a:avLst/>
@@ -6278,16 +5477,12 @@
             <a:noFill/>
           </a:ln>
         </p:spPr>
-        <p:txBody>
-          <a:bodyPr anchor="ctr">
-            <a:noAutofit/>
-          </a:bodyPr>
-          <a:p>
-            <a:endParaRPr b="0" lang="en-US" sz="2400" spc="-1" strike="noStrike">
-              <a:latin typeface="Times New Roman"/>
-            </a:endParaRPr>
-          </a:p>
-        </p:txBody>
+        <p:style>
+          <a:lnRef idx="0"/>
+          <a:fillRef idx="0"/>
+          <a:effectRef idx="0"/>
+          <a:fontRef idx="minor"/>
+        </p:style>
       </p:sp>
     </p:spTree>
   </p:cSld>
@@ -6321,14 +5516,14 @@
       </p:grpSpPr>
       <p:sp>
         <p:nvSpPr>
-          <p:cNvPr id="156" name="TextShape 1"/>
-          <p:cNvSpPr txBox="1"/>
+          <p:cNvPr id="147" name="CustomShape 1"/>
+          <p:cNvSpPr/>
           <p:nvPr/>
         </p:nvSpPr>
         <p:spPr>
           <a:xfrm>
             <a:off x="457200" y="274680"/>
-            <a:ext cx="8229240" cy="1142640"/>
+            <a:ext cx="8228520" cy="1141920"/>
           </a:xfrm>
           <a:prstGeom prst="rect">
             <a:avLst/>
@@ -6338,8 +5533,14 @@
             <a:noFill/>
           </a:ln>
         </p:spPr>
-        <p:txBody>
-          <a:bodyPr anchor="ctr">
+        <p:style>
+          <a:lnRef idx="0"/>
+          <a:fillRef idx="0"/>
+          <a:effectRef idx="0"/>
+          <a:fontRef idx="minor"/>
+        </p:style>
+        <p:txBody>
+          <a:bodyPr lIns="90000" rIns="90000" tIns="45000" bIns="45000" anchor="ctr">
             <a:noAutofit/>
           </a:bodyPr>
           <a:p>
@@ -6354,28 +5555,26 @@
                   <a:srgbClr val="000000"/>
                 </a:solidFill>
                 <a:latin typeface="Times New Roman"/>
+                <a:ea typeface="DejaVu Sans"/>
               </a:rPr>
               <a:t>Feasibility </a:t>
             </a:r>
             <a:endParaRPr b="0" lang="en-US" sz="4400" spc="-1" strike="noStrike">
-              <a:solidFill>
-                <a:srgbClr val="000000"/>
-              </a:solidFill>
-              <a:latin typeface="Calibri"/>
-            </a:endParaRPr>
-          </a:p>
-        </p:txBody>
-      </p:sp>
-      <p:sp>
-        <p:nvSpPr>
-          <p:cNvPr id="157" name="TextShape 2"/>
-          <p:cNvSpPr txBox="1"/>
+              <a:latin typeface="Arial"/>
+            </a:endParaRPr>
+          </a:p>
+        </p:txBody>
+      </p:sp>
+      <p:sp>
+        <p:nvSpPr>
+          <p:cNvPr id="148" name="CustomShape 2"/>
+          <p:cNvSpPr/>
           <p:nvPr/>
         </p:nvSpPr>
         <p:spPr>
           <a:xfrm>
             <a:off x="457200" y="1600200"/>
-            <a:ext cx="8229240" cy="4525560"/>
+            <a:ext cx="8228520" cy="4524840"/>
           </a:xfrm>
           <a:prstGeom prst="rect">
             <a:avLst/>
@@ -6385,12 +5584,18 @@
             <a:noFill/>
           </a:ln>
         </p:spPr>
-        <p:txBody>
-          <a:bodyPr>
+        <p:style>
+          <a:lnRef idx="0"/>
+          <a:fillRef idx="0"/>
+          <a:effectRef idx="0"/>
+          <a:fontRef idx="minor"/>
+        </p:style>
+        <p:txBody>
+          <a:bodyPr lIns="90000" rIns="90000" tIns="45000" bIns="45000">
             <a:noAutofit/>
           </a:bodyPr>
           <a:p>
-            <a:pPr marL="343080" indent="-342720">
+            <a:pPr marL="343080" indent="-342000">
               <a:lnSpc>
                 <a:spcPct val="100000"/>
               </a:lnSpc>
@@ -6409,14 +5614,22 @@
                   <a:srgbClr val="000000"/>
                 </a:solidFill>
                 <a:latin typeface="Times New Roman"/>
-              </a:rPr>
-              <a:t>Resource feasibility</a:t>
-            </a:r>
-            <a:endParaRPr b="0" lang="en-US" sz="3200" spc="-1" strike="noStrike">
-              <a:solidFill>
-                <a:srgbClr val="000000"/>
-              </a:solidFill>
-              <a:latin typeface="Calibri"/>
+                <a:ea typeface="DejaVu Sans"/>
+              </a:rPr>
+              <a:t>Financial feasibility</a:t>
+            </a:r>
+            <a:r>
+              <a:rPr b="0" lang="en-US" sz="3200" spc="-1" strike="noStrike">
+                <a:solidFill>
+                  <a:srgbClr val="000000"/>
+                </a:solidFill>
+                <a:latin typeface="Times New Roman"/>
+                <a:ea typeface="DejaVu Sans"/>
+              </a:rPr>
+              <a:t>	</a:t>
+            </a:r>
+            <a:endParaRPr b="0" lang="en-US" sz="3200" spc="-1" strike="noStrike">
+              <a:latin typeface="Arial"/>
             </a:endParaRPr>
           </a:p>
           <a:p>
@@ -6437,8 +5650,9 @@
                   <a:srgbClr val="000000"/>
                 </a:solidFill>
                 <a:latin typeface="Times New Roman"/>
-              </a:rPr>
-              <a:t>          </a:t>
+                <a:ea typeface="DejaVu Sans"/>
+              </a:rPr>
+              <a:t>	</a:t>
             </a:r>
             <a:r>
               <a:rPr b="0" lang="en-US" sz="3200" spc="-1" strike="noStrike">
@@ -6446,29 +5660,22 @@
                   <a:srgbClr val="000000"/>
                 </a:solidFill>
                 <a:latin typeface="Times New Roman"/>
-              </a:rPr>
-              <a:t>we always have the following resources available to us.</a:t>
-            </a:r>
-            <a:endParaRPr b="0" lang="en-US" sz="3200" spc="-1" strike="noStrike">
-              <a:solidFill>
-                <a:srgbClr val="000000"/>
-              </a:solidFill>
-              <a:latin typeface="Calibri"/>
-            </a:endParaRPr>
-          </a:p>
-          <a:p>
-            <a:pPr marL="343080" indent="-342720">
+                <a:ea typeface="DejaVu Sans"/>
+              </a:rPr>
+              <a:t>	</a:t>
+            </a:r>
+            <a:endParaRPr b="0" lang="en-US" sz="3200" spc="-1" strike="noStrike">
+              <a:latin typeface="Arial"/>
+            </a:endParaRPr>
+          </a:p>
+          <a:p>
+            <a:pPr>
               <a:lnSpc>
                 <a:spcPct val="100000"/>
               </a:lnSpc>
               <a:spcBef>
                 <a:spcPts val="641"/>
               </a:spcBef>
-              <a:buClr>
-                <a:srgbClr val="000000"/>
-              </a:buClr>
-              <a:buFont typeface="Wingdings" charset="2"/>
-              <a:buChar char=""/>
               <a:tabLst>
                 <a:tab algn="l" pos="0"/>
               </a:tabLst>
@@ -6479,62 +5686,48 @@
                   <a:srgbClr val="000000"/>
                 </a:solidFill>
                 <a:latin typeface="Times New Roman"/>
-              </a:rPr>
-              <a:t>PCs/Laptops</a:t>
-            </a:r>
-            <a:endParaRPr b="0" lang="en-US" sz="3200" spc="-1" strike="noStrike">
-              <a:solidFill>
-                <a:srgbClr val="000000"/>
-              </a:solidFill>
-              <a:latin typeface="Calibri"/>
-            </a:endParaRPr>
-          </a:p>
-          <a:p>
-            <a:pPr marL="343080" indent="-342720">
+                <a:ea typeface="DejaVu Sans"/>
+              </a:rPr>
+              <a:t>    </a:t>
+            </a:r>
+            <a:r>
+              <a:rPr b="0" lang="en-US" sz="3200" spc="-1" strike="noStrike">
+                <a:solidFill>
+                  <a:srgbClr val="000000"/>
+                </a:solidFill>
+                <a:latin typeface="Times New Roman"/>
+                <a:ea typeface="DejaVu Sans"/>
+              </a:rPr>
+              <a:t>Most of the tools and technologies we are using  a freely available to us.</a:t>
+            </a:r>
+            <a:endParaRPr b="0" lang="en-US" sz="3200" spc="-1" strike="noStrike">
+              <a:latin typeface="Arial"/>
+            </a:endParaRPr>
+          </a:p>
+          <a:p>
+            <a:pPr>
               <a:lnSpc>
                 <a:spcPct val="100000"/>
               </a:lnSpc>
               <a:spcBef>
                 <a:spcPts val="641"/>
               </a:spcBef>
-              <a:buClr>
-                <a:srgbClr val="000000"/>
-              </a:buClr>
-              <a:buFont typeface="Wingdings" charset="2"/>
-              <a:buChar char=""/>
               <a:tabLst>
                 <a:tab algn="l" pos="0"/>
               </a:tabLst>
             </a:pPr>
-            <a:r>
-              <a:rPr b="0" lang="en-US" sz="3200" spc="-1" strike="noStrike">
-                <a:solidFill>
-                  <a:srgbClr val="000000"/>
-                </a:solidFill>
-                <a:latin typeface="Times New Roman"/>
-              </a:rPr>
-              <a:t>Smart Phones</a:t>
-            </a:r>
-            <a:endParaRPr b="0" lang="en-US" sz="3200" spc="-1" strike="noStrike">
-              <a:solidFill>
-                <a:srgbClr val="000000"/>
-              </a:solidFill>
-              <a:latin typeface="Calibri"/>
-            </a:endParaRPr>
-          </a:p>
-          <a:p>
-            <a:pPr marL="343080" indent="-342720">
+            <a:endParaRPr b="0" lang="en-US" sz="3200" spc="-1" strike="noStrike">
+              <a:latin typeface="Arial"/>
+            </a:endParaRPr>
+          </a:p>
+          <a:p>
+            <a:pPr>
               <a:lnSpc>
                 <a:spcPct val="100000"/>
               </a:lnSpc>
               <a:spcBef>
                 <a:spcPts val="641"/>
               </a:spcBef>
-              <a:buClr>
-                <a:srgbClr val="000000"/>
-              </a:buClr>
-              <a:buFont typeface="Wingdings" charset="2"/>
-              <a:buChar char=""/>
               <a:tabLst>
                 <a:tab algn="l" pos="0"/>
               </a:tabLst>
@@ -6545,28 +5738,52 @@
                   <a:srgbClr val="000000"/>
                 </a:solidFill>
                 <a:latin typeface="Times New Roman"/>
-              </a:rPr>
-              <a:t>Working Internet Connection</a:t>
-            </a:r>
-            <a:endParaRPr b="0" lang="en-US" sz="3200" spc="-1" strike="noStrike">
-              <a:solidFill>
-                <a:srgbClr val="000000"/>
-              </a:solidFill>
-              <a:latin typeface="Calibri"/>
-            </a:endParaRPr>
-          </a:p>
-        </p:txBody>
-      </p:sp>
-      <p:sp>
-        <p:nvSpPr>
-          <p:cNvPr id="158" name="TextShape 3"/>
-          <p:cNvSpPr txBox="1"/>
+                <a:ea typeface="DejaVu Sans"/>
+              </a:rPr>
+              <a:t>   </a:t>
+            </a:r>
+            <a:r>
+              <a:rPr b="0" lang="en-US" sz="3200" spc="-1" strike="noStrike">
+                <a:solidFill>
+                  <a:srgbClr val="000000"/>
+                </a:solidFill>
+                <a:latin typeface="Times New Roman"/>
+                <a:ea typeface="DejaVu Sans"/>
+              </a:rPr>
+              <a:t>There is an app publishing fee of $25 dollars on Google play store and $99 for Apple store incase we publish it.</a:t>
+            </a:r>
+            <a:endParaRPr b="0" lang="en-US" sz="3200" spc="-1" strike="noStrike">
+              <a:latin typeface="Arial"/>
+            </a:endParaRPr>
+          </a:p>
+          <a:p>
+            <a:pPr>
+              <a:lnSpc>
+                <a:spcPct val="100000"/>
+              </a:lnSpc>
+              <a:spcBef>
+                <a:spcPts val="641"/>
+              </a:spcBef>
+              <a:tabLst>
+                <a:tab algn="l" pos="0"/>
+              </a:tabLst>
+            </a:pPr>
+            <a:endParaRPr b="0" lang="en-US" sz="3200" spc="-1" strike="noStrike">
+              <a:latin typeface="Arial"/>
+            </a:endParaRPr>
+          </a:p>
+        </p:txBody>
+      </p:sp>
+      <p:sp>
+        <p:nvSpPr>
+          <p:cNvPr id="149" name="CustomShape 3"/>
+          <p:cNvSpPr/>
           <p:nvPr/>
         </p:nvSpPr>
         <p:spPr>
           <a:xfrm>
             <a:off x="6553080" y="6356520"/>
-            <a:ext cx="2133360" cy="364680"/>
+            <a:ext cx="2132640" cy="363960"/>
           </a:xfrm>
           <a:prstGeom prst="rect">
             <a:avLst/>
@@ -6576,16 +5793,12 @@
             <a:noFill/>
           </a:ln>
         </p:spPr>
-        <p:txBody>
-          <a:bodyPr anchor="ctr">
-            <a:noAutofit/>
-          </a:bodyPr>
-          <a:p>
-            <a:endParaRPr b="0" lang="en-US" sz="2400" spc="-1" strike="noStrike">
-              <a:latin typeface="Times New Roman"/>
-            </a:endParaRPr>
-          </a:p>
-        </p:txBody>
+        <p:style>
+          <a:lnRef idx="0"/>
+          <a:fillRef idx="0"/>
+          <a:effectRef idx="0"/>
+          <a:fontRef idx="minor"/>
+        </p:style>
       </p:sp>
     </p:spTree>
   </p:cSld>
@@ -6619,14 +5832,14 @@
       </p:grpSpPr>
       <p:sp>
         <p:nvSpPr>
-          <p:cNvPr id="159" name="TextShape 1"/>
-          <p:cNvSpPr txBox="1"/>
+          <p:cNvPr id="150" name="CustomShape 1"/>
+          <p:cNvSpPr/>
           <p:nvPr/>
         </p:nvSpPr>
         <p:spPr>
           <a:xfrm>
             <a:off x="457200" y="274680"/>
-            <a:ext cx="8229240" cy="1142640"/>
+            <a:ext cx="8228520" cy="1141920"/>
           </a:xfrm>
           <a:prstGeom prst="rect">
             <a:avLst/>
@@ -6636,8 +5849,14 @@
             <a:noFill/>
           </a:ln>
         </p:spPr>
-        <p:txBody>
-          <a:bodyPr anchor="ctr">
+        <p:style>
+          <a:lnRef idx="0"/>
+          <a:fillRef idx="0"/>
+          <a:effectRef idx="0"/>
+          <a:fontRef idx="minor"/>
+        </p:style>
+        <p:txBody>
+          <a:bodyPr lIns="90000" rIns="90000" tIns="45000" bIns="45000" anchor="ctr">
             <a:noAutofit/>
           </a:bodyPr>
           <a:p>
@@ -6652,28 +5871,26 @@
                   <a:srgbClr val="000000"/>
                 </a:solidFill>
                 <a:latin typeface="Times New Roman"/>
+                <a:ea typeface="DejaVu Sans"/>
               </a:rPr>
               <a:t>Feasibility </a:t>
             </a:r>
             <a:endParaRPr b="0" lang="en-US" sz="4400" spc="-1" strike="noStrike">
-              <a:solidFill>
-                <a:srgbClr val="000000"/>
-              </a:solidFill>
-              <a:latin typeface="Calibri"/>
-            </a:endParaRPr>
-          </a:p>
-        </p:txBody>
-      </p:sp>
-      <p:sp>
-        <p:nvSpPr>
-          <p:cNvPr id="160" name="TextShape 2"/>
-          <p:cNvSpPr txBox="1"/>
+              <a:latin typeface="Arial"/>
+            </a:endParaRPr>
+          </a:p>
+        </p:txBody>
+      </p:sp>
+      <p:sp>
+        <p:nvSpPr>
+          <p:cNvPr id="151" name="CustomShape 2"/>
+          <p:cNvSpPr/>
           <p:nvPr/>
         </p:nvSpPr>
         <p:spPr>
           <a:xfrm>
             <a:off x="457200" y="1600200"/>
-            <a:ext cx="8229240" cy="4525560"/>
+            <a:ext cx="8228520" cy="4524840"/>
           </a:xfrm>
           <a:prstGeom prst="rect">
             <a:avLst/>
@@ -6683,12 +5900,18 @@
             <a:noFill/>
           </a:ln>
         </p:spPr>
-        <p:txBody>
-          <a:bodyPr>
+        <p:style>
+          <a:lnRef idx="0"/>
+          <a:fillRef idx="0"/>
+          <a:effectRef idx="0"/>
+          <a:fontRef idx="minor"/>
+        </p:style>
+        <p:txBody>
+          <a:bodyPr lIns="90000" rIns="90000" tIns="45000" bIns="45000">
             <a:noAutofit/>
           </a:bodyPr>
           <a:p>
-            <a:pPr marL="343080" indent="-342720">
+            <a:pPr marL="343080" indent="-342000">
               <a:lnSpc>
                 <a:spcPct val="100000"/>
               </a:lnSpc>
@@ -6707,14 +5930,12 @@
                   <a:srgbClr val="000000"/>
                 </a:solidFill>
                 <a:latin typeface="Times New Roman"/>
-              </a:rPr>
-              <a:t>Operational feasibility</a:t>
-            </a:r>
-            <a:endParaRPr b="0" lang="en-US" sz="3200" spc="-1" strike="noStrike">
-              <a:solidFill>
-                <a:srgbClr val="000000"/>
-              </a:solidFill>
-              <a:latin typeface="Calibri"/>
+                <a:ea typeface="DejaVu Sans"/>
+              </a:rPr>
+              <a:t>Resource feasibility</a:t>
+            </a:r>
+            <a:endParaRPr b="0" lang="en-US" sz="3200" spc="-1" strike="noStrike">
+              <a:latin typeface="Arial"/>
             </a:endParaRPr>
           </a:p>
           <a:p>
@@ -6729,21 +5950,43 @@
                 <a:tab algn="l" pos="0"/>
               </a:tabLst>
             </a:pPr>
-            <a:endParaRPr b="0" lang="en-US" sz="3200" spc="-1" strike="noStrike">
-              <a:solidFill>
-                <a:srgbClr val="000000"/>
-              </a:solidFill>
-              <a:latin typeface="Calibri"/>
-            </a:endParaRPr>
-          </a:p>
-          <a:p>
-            <a:pPr>
+            <a:r>
+              <a:rPr b="0" lang="en-US" sz="3200" spc="-1" strike="noStrike">
+                <a:solidFill>
+                  <a:srgbClr val="000000"/>
+                </a:solidFill>
+                <a:latin typeface="Times New Roman"/>
+                <a:ea typeface="DejaVu Sans"/>
+              </a:rPr>
+              <a:t>          </a:t>
+            </a:r>
+            <a:r>
+              <a:rPr b="0" lang="en-US" sz="3200" spc="-1" strike="noStrike">
+                <a:solidFill>
+                  <a:srgbClr val="000000"/>
+                </a:solidFill>
+                <a:latin typeface="Times New Roman"/>
+                <a:ea typeface="DejaVu Sans"/>
+              </a:rPr>
+              <a:t>we always have the following resources available to us.</a:t>
+            </a:r>
+            <a:endParaRPr b="0" lang="en-US" sz="3200" spc="-1" strike="noStrike">
+              <a:latin typeface="Arial"/>
+            </a:endParaRPr>
+          </a:p>
+          <a:p>
+            <a:pPr marL="343080" indent="-342000">
               <a:lnSpc>
                 <a:spcPct val="100000"/>
               </a:lnSpc>
               <a:spcBef>
                 <a:spcPts val="641"/>
               </a:spcBef>
+              <a:buClr>
+                <a:srgbClr val="000000"/>
+              </a:buClr>
+              <a:buFont typeface="Wingdings" charset="2"/>
+              <a:buChar char=""/>
               <a:tabLst>
                 <a:tab algn="l" pos="0"/>
               </a:tabLst>
@@ -6754,33 +5997,27 @@
                   <a:srgbClr val="000000"/>
                 </a:solidFill>
                 <a:latin typeface="Times New Roman"/>
-              </a:rPr>
-              <a:t>    </a:t>
-            </a:r>
-            <a:r>
-              <a:rPr b="0" lang="en-US" sz="3200" spc="-1" strike="noStrike">
-                <a:solidFill>
-                  <a:srgbClr val="000000"/>
-                </a:solidFill>
-                <a:latin typeface="Times New Roman"/>
-              </a:rPr>
-              <a:t>Our app will require the users to have an android smart Phone connected to the internet</a:t>
-            </a:r>
-            <a:endParaRPr b="0" lang="en-US" sz="3200" spc="-1" strike="noStrike">
-              <a:solidFill>
-                <a:srgbClr val="000000"/>
-              </a:solidFill>
-              <a:latin typeface="Calibri"/>
-            </a:endParaRPr>
-          </a:p>
-          <a:p>
-            <a:pPr>
+                <a:ea typeface="DejaVu Sans"/>
+              </a:rPr>
+              <a:t>PCs/Laptops</a:t>
+            </a:r>
+            <a:endParaRPr b="0" lang="en-US" sz="3200" spc="-1" strike="noStrike">
+              <a:latin typeface="Arial"/>
+            </a:endParaRPr>
+          </a:p>
+          <a:p>
+            <a:pPr marL="343080" indent="-342000">
               <a:lnSpc>
                 <a:spcPct val="100000"/>
               </a:lnSpc>
               <a:spcBef>
                 <a:spcPts val="641"/>
               </a:spcBef>
+              <a:buClr>
+                <a:srgbClr val="000000"/>
+              </a:buClr>
+              <a:buFont typeface="Wingdings" charset="2"/>
+              <a:buChar char=""/>
               <a:tabLst>
                 <a:tab algn="l" pos="0"/>
               </a:tabLst>
@@ -6791,43 +6028,27 @@
                   <a:srgbClr val="000000"/>
                 </a:solidFill>
                 <a:latin typeface="Times New Roman"/>
-              </a:rPr>
-              <a:t>Which is normal now a days.</a:t>
-            </a:r>
-            <a:endParaRPr b="0" lang="en-US" sz="3200" spc="-1" strike="noStrike">
-              <a:solidFill>
-                <a:srgbClr val="000000"/>
-              </a:solidFill>
-              <a:latin typeface="Calibri"/>
-            </a:endParaRPr>
-          </a:p>
-          <a:p>
-            <a:pPr>
+                <a:ea typeface="DejaVu Sans"/>
+              </a:rPr>
+              <a:t>Smart Phones</a:t>
+            </a:r>
+            <a:endParaRPr b="0" lang="en-US" sz="3200" spc="-1" strike="noStrike">
+              <a:latin typeface="Arial"/>
+            </a:endParaRPr>
+          </a:p>
+          <a:p>
+            <a:pPr marL="343080" indent="-342000">
               <a:lnSpc>
                 <a:spcPct val="100000"/>
               </a:lnSpc>
               <a:spcBef>
                 <a:spcPts val="641"/>
               </a:spcBef>
-              <a:tabLst>
-                <a:tab algn="l" pos="0"/>
-              </a:tabLst>
-            </a:pPr>
-            <a:endParaRPr b="0" lang="en-US" sz="3200" spc="-1" strike="noStrike">
-              <a:solidFill>
+              <a:buClr>
                 <a:srgbClr val="000000"/>
-              </a:solidFill>
-              <a:latin typeface="Calibri"/>
-            </a:endParaRPr>
-          </a:p>
-          <a:p>
-            <a:pPr>
-              <a:lnSpc>
-                <a:spcPct val="100000"/>
-              </a:lnSpc>
-              <a:spcBef>
-                <a:spcPts val="641"/>
-              </a:spcBef>
+              </a:buClr>
+              <a:buFont typeface="Wingdings" charset="2"/>
+              <a:buChar char=""/>
               <a:tabLst>
                 <a:tab algn="l" pos="0"/>
               </a:tabLst>
@@ -6838,37 +6059,26 @@
                   <a:srgbClr val="000000"/>
                 </a:solidFill>
                 <a:latin typeface="Times New Roman"/>
-              </a:rPr>
-              <a:t>     </a:t>
-            </a:r>
-            <a:r>
-              <a:rPr b="0" lang="en-US" sz="3200" spc="-1" strike="noStrike">
-                <a:solidFill>
-                  <a:srgbClr val="000000"/>
-                </a:solidFill>
-                <a:latin typeface="Times New Roman"/>
-              </a:rPr>
-              <a:t>They need to be literate enough to use the Application.</a:t>
-            </a:r>
-            <a:endParaRPr b="0" lang="en-US" sz="3200" spc="-1" strike="noStrike">
-              <a:solidFill>
-                <a:srgbClr val="000000"/>
-              </a:solidFill>
-              <a:latin typeface="Calibri"/>
-            </a:endParaRPr>
-          </a:p>
-        </p:txBody>
-      </p:sp>
-      <p:sp>
-        <p:nvSpPr>
-          <p:cNvPr id="161" name="TextShape 3"/>
-          <p:cNvSpPr txBox="1"/>
+                <a:ea typeface="DejaVu Sans"/>
+              </a:rPr>
+              <a:t>Working Internet Connection</a:t>
+            </a:r>
+            <a:endParaRPr b="0" lang="en-US" sz="3200" spc="-1" strike="noStrike">
+              <a:latin typeface="Arial"/>
+            </a:endParaRPr>
+          </a:p>
+        </p:txBody>
+      </p:sp>
+      <p:sp>
+        <p:nvSpPr>
+          <p:cNvPr id="152" name="CustomShape 3"/>
+          <p:cNvSpPr/>
           <p:nvPr/>
         </p:nvSpPr>
         <p:spPr>
           <a:xfrm>
             <a:off x="6553080" y="6356520"/>
-            <a:ext cx="2133360" cy="364680"/>
+            <a:ext cx="2132640" cy="363960"/>
           </a:xfrm>
           <a:prstGeom prst="rect">
             <a:avLst/>
@@ -6878,16 +6088,12 @@
             <a:noFill/>
           </a:ln>
         </p:spPr>
-        <p:txBody>
-          <a:bodyPr anchor="ctr">
-            <a:noAutofit/>
-          </a:bodyPr>
-          <a:p>
-            <a:endParaRPr b="0" lang="en-US" sz="2400" spc="-1" strike="noStrike">
-              <a:latin typeface="Times New Roman"/>
-            </a:endParaRPr>
-          </a:p>
-        </p:txBody>
+        <p:style>
+          <a:lnRef idx="0"/>
+          <a:fillRef idx="0"/>
+          <a:effectRef idx="0"/>
+          <a:fontRef idx="minor"/>
+        </p:style>
       </p:sp>
     </p:spTree>
   </p:cSld>
@@ -6921,14 +6127,14 @@
       </p:grpSpPr>
       <p:sp>
         <p:nvSpPr>
-          <p:cNvPr id="162" name="TextShape 1"/>
-          <p:cNvSpPr txBox="1"/>
+          <p:cNvPr id="153" name="CustomShape 1"/>
+          <p:cNvSpPr/>
           <p:nvPr/>
         </p:nvSpPr>
         <p:spPr>
           <a:xfrm>
             <a:off x="457200" y="274680"/>
-            <a:ext cx="8229240" cy="1142640"/>
+            <a:ext cx="8228520" cy="1141920"/>
           </a:xfrm>
           <a:prstGeom prst="rect">
             <a:avLst/>
@@ -6938,8 +6144,14 @@
             <a:noFill/>
           </a:ln>
         </p:spPr>
-        <p:txBody>
-          <a:bodyPr anchor="ctr">
+        <p:style>
+          <a:lnRef idx="0"/>
+          <a:fillRef idx="0"/>
+          <a:effectRef idx="0"/>
+          <a:fontRef idx="minor"/>
+        </p:style>
+        <p:txBody>
+          <a:bodyPr lIns="90000" rIns="90000" tIns="45000" bIns="45000" anchor="ctr">
             <a:noAutofit/>
           </a:bodyPr>
           <a:p>
@@ -6954,28 +6166,26 @@
                   <a:srgbClr val="000000"/>
                 </a:solidFill>
                 <a:latin typeface="Times New Roman"/>
-              </a:rPr>
-              <a:t>Schedule </a:t>
+                <a:ea typeface="DejaVu Sans"/>
+              </a:rPr>
+              <a:t>Feasibility </a:t>
             </a:r>
             <a:endParaRPr b="0" lang="en-US" sz="4400" spc="-1" strike="noStrike">
-              <a:solidFill>
-                <a:srgbClr val="000000"/>
-              </a:solidFill>
-              <a:latin typeface="Calibri"/>
-            </a:endParaRPr>
-          </a:p>
-        </p:txBody>
-      </p:sp>
-      <p:sp>
-        <p:nvSpPr>
-          <p:cNvPr id="163" name="TextShape 2"/>
-          <p:cNvSpPr txBox="1"/>
+              <a:latin typeface="Arial"/>
+            </a:endParaRPr>
+          </a:p>
+        </p:txBody>
+      </p:sp>
+      <p:sp>
+        <p:nvSpPr>
+          <p:cNvPr id="154" name="CustomShape 2"/>
+          <p:cNvSpPr/>
           <p:nvPr/>
         </p:nvSpPr>
         <p:spPr>
           <a:xfrm>
-            <a:off x="6553080" y="6356520"/>
-            <a:ext cx="2133360" cy="364680"/>
+            <a:off x="457200" y="1600200"/>
+            <a:ext cx="8228520" cy="4524840"/>
           </a:xfrm>
           <a:prstGeom prst="rect">
             <a:avLst/>
@@ -6985,41 +6195,202 @@
             <a:noFill/>
           </a:ln>
         </p:spPr>
-        <p:txBody>
-          <a:bodyPr anchor="ctr">
+        <p:style>
+          <a:lnRef idx="0"/>
+          <a:fillRef idx="0"/>
+          <a:effectRef idx="0"/>
+          <a:fontRef idx="minor"/>
+        </p:style>
+        <p:txBody>
+          <a:bodyPr lIns="90000" rIns="90000" tIns="45000" bIns="45000">
             <a:noAutofit/>
           </a:bodyPr>
           <a:p>
-            <a:endParaRPr b="0" lang="en-US" sz="2400" spc="-1" strike="noStrike">
-              <a:latin typeface="Times New Roman"/>
-            </a:endParaRPr>
-          </a:p>
-        </p:txBody>
-      </p:sp>
-      <p:pic>
-        <p:nvPicPr>
-          <p:cNvPr id="164" name="Content Placeholder 6" descr="Graphical user interface, table&#10;&#10;Description automatically generated"/>
-          <p:cNvPicPr/>
+            <a:pPr marL="343080" indent="-342000">
+              <a:lnSpc>
+                <a:spcPct val="100000"/>
+              </a:lnSpc>
+              <a:spcBef>
+                <a:spcPts val="641"/>
+              </a:spcBef>
+              <a:buClr>
+                <a:srgbClr val="000000"/>
+              </a:buClr>
+              <a:buFont typeface="Arial"/>
+              <a:buChar char="•"/>
+            </a:pPr>
+            <a:r>
+              <a:rPr b="0" lang="en-US" sz="3200" spc="-1" strike="noStrike">
+                <a:solidFill>
+                  <a:srgbClr val="000000"/>
+                </a:solidFill>
+                <a:latin typeface="Times New Roman"/>
+                <a:ea typeface="DejaVu Sans"/>
+              </a:rPr>
+              <a:t>Operational feasibility</a:t>
+            </a:r>
+            <a:endParaRPr b="0" lang="en-US" sz="3200" spc="-1" strike="noStrike">
+              <a:latin typeface="Arial"/>
+            </a:endParaRPr>
+          </a:p>
+          <a:p>
+            <a:pPr>
+              <a:lnSpc>
+                <a:spcPct val="100000"/>
+              </a:lnSpc>
+              <a:spcBef>
+                <a:spcPts val="641"/>
+              </a:spcBef>
+              <a:tabLst>
+                <a:tab algn="l" pos="0"/>
+              </a:tabLst>
+            </a:pPr>
+            <a:endParaRPr b="0" lang="en-US" sz="3200" spc="-1" strike="noStrike">
+              <a:latin typeface="Arial"/>
+            </a:endParaRPr>
+          </a:p>
+          <a:p>
+            <a:pPr>
+              <a:lnSpc>
+                <a:spcPct val="100000"/>
+              </a:lnSpc>
+              <a:spcBef>
+                <a:spcPts val="641"/>
+              </a:spcBef>
+              <a:tabLst>
+                <a:tab algn="l" pos="0"/>
+              </a:tabLst>
+            </a:pPr>
+            <a:r>
+              <a:rPr b="0" lang="en-US" sz="3200" spc="-1" strike="noStrike">
+                <a:solidFill>
+                  <a:srgbClr val="000000"/>
+                </a:solidFill>
+                <a:latin typeface="Times New Roman"/>
+                <a:ea typeface="DejaVu Sans"/>
+              </a:rPr>
+              <a:t>    </a:t>
+            </a:r>
+            <a:r>
+              <a:rPr b="0" lang="en-US" sz="3200" spc="-1" strike="noStrike">
+                <a:solidFill>
+                  <a:srgbClr val="000000"/>
+                </a:solidFill>
+                <a:latin typeface="Times New Roman"/>
+                <a:ea typeface="DejaVu Sans"/>
+              </a:rPr>
+              <a:t>Our app will require the users to have an android smart Phone connected to the internet</a:t>
+            </a:r>
+            <a:endParaRPr b="0" lang="en-US" sz="3200" spc="-1" strike="noStrike">
+              <a:latin typeface="Arial"/>
+            </a:endParaRPr>
+          </a:p>
+          <a:p>
+            <a:pPr>
+              <a:lnSpc>
+                <a:spcPct val="100000"/>
+              </a:lnSpc>
+              <a:spcBef>
+                <a:spcPts val="641"/>
+              </a:spcBef>
+              <a:tabLst>
+                <a:tab algn="l" pos="0"/>
+              </a:tabLst>
+            </a:pPr>
+            <a:r>
+              <a:rPr b="0" lang="en-US" sz="3200" spc="-1" strike="noStrike">
+                <a:solidFill>
+                  <a:srgbClr val="000000"/>
+                </a:solidFill>
+                <a:latin typeface="Times New Roman"/>
+                <a:ea typeface="DejaVu Sans"/>
+              </a:rPr>
+              <a:t>Which is normal now a days.</a:t>
+            </a:r>
+            <a:endParaRPr b="0" lang="en-US" sz="3200" spc="-1" strike="noStrike">
+              <a:latin typeface="Arial"/>
+            </a:endParaRPr>
+          </a:p>
+          <a:p>
+            <a:pPr>
+              <a:lnSpc>
+                <a:spcPct val="100000"/>
+              </a:lnSpc>
+              <a:spcBef>
+                <a:spcPts val="641"/>
+              </a:spcBef>
+              <a:tabLst>
+                <a:tab algn="l" pos="0"/>
+              </a:tabLst>
+            </a:pPr>
+            <a:endParaRPr b="0" lang="en-US" sz="3200" spc="-1" strike="noStrike">
+              <a:latin typeface="Arial"/>
+            </a:endParaRPr>
+          </a:p>
+          <a:p>
+            <a:pPr>
+              <a:lnSpc>
+                <a:spcPct val="100000"/>
+              </a:lnSpc>
+              <a:spcBef>
+                <a:spcPts val="641"/>
+              </a:spcBef>
+              <a:tabLst>
+                <a:tab algn="l" pos="0"/>
+              </a:tabLst>
+            </a:pPr>
+            <a:r>
+              <a:rPr b="0" lang="en-US" sz="3200" spc="-1" strike="noStrike">
+                <a:solidFill>
+                  <a:srgbClr val="000000"/>
+                </a:solidFill>
+                <a:latin typeface="Times New Roman"/>
+                <a:ea typeface="DejaVu Sans"/>
+              </a:rPr>
+              <a:t>     </a:t>
+            </a:r>
+            <a:r>
+              <a:rPr b="0" lang="en-US" sz="3200" spc="-1" strike="noStrike">
+                <a:solidFill>
+                  <a:srgbClr val="000000"/>
+                </a:solidFill>
+                <a:latin typeface="Times New Roman"/>
+                <a:ea typeface="DejaVu Sans"/>
+              </a:rPr>
+              <a:t>They need to be literate enough to use the Application.</a:t>
+            </a:r>
+            <a:endParaRPr b="0" lang="en-US" sz="3200" spc="-1" strike="noStrike">
+              <a:latin typeface="Arial"/>
+            </a:endParaRPr>
+          </a:p>
+        </p:txBody>
+      </p:sp>
+      <p:sp>
+        <p:nvSpPr>
+          <p:cNvPr id="155" name="CustomShape 3"/>
+          <p:cNvSpPr/>
           <p:nvPr/>
-        </p:nvPicPr>
-        <p:blipFill>
-          <a:blip r:embed="rId1"/>
-          <a:srcRect l="0" t="8425" r="0" b="0"/>
-          <a:stretch/>
-        </p:blipFill>
-        <p:spPr>
-          <a:xfrm>
-            <a:off x="351720" y="1614960"/>
-            <a:ext cx="8440200" cy="4404600"/>
-          </a:xfrm>
-          <a:prstGeom prst="rect">
-            <a:avLst/>
-          </a:prstGeom>
+        </p:nvSpPr>
+        <p:spPr>
+          <a:xfrm>
+            <a:off x="6553080" y="6356520"/>
+            <a:ext cx="2132640" cy="363960"/>
+          </a:xfrm>
+          <a:prstGeom prst="rect">
+            <a:avLst/>
+          </a:prstGeom>
+          <a:noFill/>
           <a:ln>
             <a:noFill/>
           </a:ln>
         </p:spPr>
-      </p:pic>
+        <p:style>
+          <a:lnRef idx="0"/>
+          <a:fillRef idx="0"/>
+          <a:effectRef idx="0"/>
+          <a:fontRef idx="minor"/>
+        </p:style>
+      </p:sp>
     </p:spTree>
   </p:cSld>
   <mc:AlternateContent>
@@ -7052,14 +6423,14 @@
       </p:grpSpPr>
       <p:sp>
         <p:nvSpPr>
-          <p:cNvPr id="165" name="TextShape 1"/>
-          <p:cNvSpPr txBox="1"/>
+          <p:cNvPr id="156" name="CustomShape 1"/>
+          <p:cNvSpPr/>
           <p:nvPr/>
         </p:nvSpPr>
         <p:spPr>
           <a:xfrm>
             <a:off x="457200" y="274680"/>
-            <a:ext cx="8229240" cy="1142640"/>
+            <a:ext cx="8228520" cy="1141920"/>
           </a:xfrm>
           <a:prstGeom prst="rect">
             <a:avLst/>
@@ -7069,12 +6440,18 @@
             <a:noFill/>
           </a:ln>
         </p:spPr>
-        <p:txBody>
-          <a:bodyPr anchor="ctr">
+        <p:style>
+          <a:lnRef idx="0"/>
+          <a:fillRef idx="0"/>
+          <a:effectRef idx="0"/>
+          <a:fontRef idx="minor"/>
+        </p:style>
+        <p:txBody>
+          <a:bodyPr lIns="90000" rIns="90000" tIns="45000" bIns="45000" anchor="ctr">
             <a:noAutofit/>
           </a:bodyPr>
           <a:p>
-            <a:pPr algn="ctr">
+            <a:pPr>
               <a:lnSpc>
                 <a:spcPct val="100000"/>
               </a:lnSpc>
@@ -7085,41 +6462,57 @@
                   <a:srgbClr val="000000"/>
                 </a:solidFill>
                 <a:latin typeface="Times New Roman"/>
+                <a:ea typeface="DejaVu Sans"/>
               </a:rPr>
               <a:t>Schedule </a:t>
             </a:r>
-            <a:r>
-              <a:rPr b="0" lang="en-US" sz="4400" spc="-1" strike="noStrike">
-                <a:solidFill>
-                  <a:srgbClr val="000000"/>
-                </a:solidFill>
-                <a:latin typeface="Times New Roman"/>
-              </a:rPr>
-              <a:t>(Cont..)</a:t>
-            </a:r>
             <a:endParaRPr b="0" lang="en-US" sz="4400" spc="-1" strike="noStrike">
-              <a:solidFill>
-                <a:srgbClr val="000000"/>
-              </a:solidFill>
-              <a:latin typeface="Calibri"/>
-            </a:endParaRPr>
-          </a:p>
-        </p:txBody>
+              <a:latin typeface="Arial"/>
+            </a:endParaRPr>
+          </a:p>
+        </p:txBody>
+      </p:sp>
+      <p:sp>
+        <p:nvSpPr>
+          <p:cNvPr id="157" name="CustomShape 2"/>
+          <p:cNvSpPr/>
+          <p:nvPr/>
+        </p:nvSpPr>
+        <p:spPr>
+          <a:xfrm>
+            <a:off x="6553080" y="6356520"/>
+            <a:ext cx="2132640" cy="363960"/>
+          </a:xfrm>
+          <a:prstGeom prst="rect">
+            <a:avLst/>
+          </a:prstGeom>
+          <a:noFill/>
+          <a:ln>
+            <a:noFill/>
+          </a:ln>
+        </p:spPr>
+        <p:style>
+          <a:lnRef idx="0"/>
+          <a:fillRef idx="0"/>
+          <a:effectRef idx="0"/>
+          <a:fontRef idx="minor"/>
+        </p:style>
       </p:sp>
       <p:pic>
         <p:nvPicPr>
-          <p:cNvPr id="166" name="Content Placeholder 5" descr="Chart, timeline&#10;&#10;Description automatically generated"/>
+          <p:cNvPr id="158" name="Content Placeholder 6" descr="Graphical user interface, table&#10;&#10;Description automatically generated"/>
           <p:cNvPicPr/>
           <p:nvPr/>
         </p:nvPicPr>
         <p:blipFill>
           <a:blip r:embed="rId1"/>
+          <a:srcRect l="0" t="8425" r="0" b="0"/>
           <a:stretch/>
         </p:blipFill>
         <p:spPr>
           <a:xfrm>
-            <a:off x="457200" y="1828800"/>
-            <a:ext cx="8229240" cy="4266720"/>
+            <a:off x="351720" y="1614960"/>
+            <a:ext cx="8439480" cy="4403880"/>
           </a:xfrm>
           <a:prstGeom prst="rect">
             <a:avLst/>
@@ -7129,36 +6522,6 @@
           </a:ln>
         </p:spPr>
       </p:pic>
-      <p:sp>
-        <p:nvSpPr>
-          <p:cNvPr id="167" name="TextShape 2"/>
-          <p:cNvSpPr txBox="1"/>
-          <p:nvPr/>
-        </p:nvSpPr>
-        <p:spPr>
-          <a:xfrm>
-            <a:off x="6553080" y="6356520"/>
-            <a:ext cx="2133360" cy="364680"/>
-          </a:xfrm>
-          <a:prstGeom prst="rect">
-            <a:avLst/>
-          </a:prstGeom>
-          <a:noFill/>
-          <a:ln>
-            <a:noFill/>
-          </a:ln>
-        </p:spPr>
-        <p:txBody>
-          <a:bodyPr anchor="ctr">
-            <a:noAutofit/>
-          </a:bodyPr>
-          <a:p>
-            <a:endParaRPr b="0" lang="en-US" sz="2400" spc="-1" strike="noStrike">
-              <a:latin typeface="Times New Roman"/>
-            </a:endParaRPr>
-          </a:p>
-        </p:txBody>
-      </p:sp>
     </p:spTree>
   </p:cSld>
   <mc:AlternateContent>
@@ -7191,14 +6554,14 @@
       </p:grpSpPr>
       <p:sp>
         <p:nvSpPr>
-          <p:cNvPr id="168" name="TextShape 1"/>
-          <p:cNvSpPr txBox="1"/>
+          <p:cNvPr id="159" name="CustomShape 1"/>
+          <p:cNvSpPr/>
           <p:nvPr/>
         </p:nvSpPr>
         <p:spPr>
           <a:xfrm>
             <a:off x="457200" y="274680"/>
-            <a:ext cx="8229240" cy="1142640"/>
+            <a:ext cx="8228520" cy="1141920"/>
           </a:xfrm>
           <a:prstGeom prst="rect">
             <a:avLst/>
@@ -7208,9 +6571,15 @@
             <a:noFill/>
           </a:ln>
         </p:spPr>
-        <p:txBody>
-          <a:bodyPr anchor="ctr">
-            <a:normAutofit/>
+        <p:style>
+          <a:lnRef idx="0"/>
+          <a:fillRef idx="0"/>
+          <a:effectRef idx="0"/>
+          <a:fontRef idx="minor"/>
+        </p:style>
+        <p:txBody>
+          <a:bodyPr lIns="90000" rIns="90000" tIns="45000" bIns="45000" anchor="ctr">
+            <a:noAutofit/>
           </a:bodyPr>
           <a:p>
             <a:pPr algn="ctr">
@@ -7224,28 +6593,49 @@
                   <a:srgbClr val="000000"/>
                 </a:solidFill>
                 <a:latin typeface="Times New Roman"/>
-              </a:rPr>
-              <a:t>Tasks for 1st Iteration (or 30%)</a:t>
+                <a:ea typeface="DejaVu Sans"/>
+              </a:rPr>
+              <a:t>Schedule (Cont..)</a:t>
             </a:r>
             <a:endParaRPr b="0" lang="en-US" sz="4400" spc="-1" strike="noStrike">
-              <a:solidFill>
-                <a:srgbClr val="000000"/>
-              </a:solidFill>
-              <a:latin typeface="Calibri"/>
-            </a:endParaRPr>
-          </a:p>
-        </p:txBody>
-      </p:sp>
-      <p:sp>
-        <p:nvSpPr>
-          <p:cNvPr id="169" name="TextShape 2"/>
-          <p:cNvSpPr txBox="1"/>
+              <a:latin typeface="Arial"/>
+            </a:endParaRPr>
+          </a:p>
+        </p:txBody>
+      </p:sp>
+      <p:pic>
+        <p:nvPicPr>
+          <p:cNvPr id="160" name="Content Placeholder 5" descr="Chart, timeline&#10;&#10;Description automatically generated"/>
+          <p:cNvPicPr/>
           <p:nvPr/>
-        </p:nvSpPr>
-        <p:spPr>
-          <a:xfrm>
-            <a:off x="457200" y="1600200"/>
-            <a:ext cx="8229240" cy="4525560"/>
+        </p:nvPicPr>
+        <p:blipFill>
+          <a:blip r:embed="rId1"/>
+          <a:stretch/>
+        </p:blipFill>
+        <p:spPr>
+          <a:xfrm>
+            <a:off x="457200" y="1828800"/>
+            <a:ext cx="8228520" cy="4266000"/>
+          </a:xfrm>
+          <a:prstGeom prst="rect">
+            <a:avLst/>
+          </a:prstGeom>
+          <a:ln>
+            <a:noFill/>
+          </a:ln>
+        </p:spPr>
+      </p:pic>
+      <p:sp>
+        <p:nvSpPr>
+          <p:cNvPr id="161" name="CustomShape 2"/>
+          <p:cNvSpPr/>
+          <p:nvPr/>
+        </p:nvSpPr>
+        <p:spPr>
+          <a:xfrm>
+            <a:off x="6553080" y="6356520"/>
+            <a:ext cx="2132640" cy="363960"/>
           </a:xfrm>
           <a:prstGeom prst="rect">
             <a:avLst/>
@@ -7255,131 +6645,12 @@
             <a:noFill/>
           </a:ln>
         </p:spPr>
-        <p:txBody>
-          <a:bodyPr>
-            <a:noAutofit/>
-          </a:bodyPr>
-          <a:p>
-            <a:pPr marL="343080" indent="-342720">
-              <a:lnSpc>
-                <a:spcPct val="100000"/>
-              </a:lnSpc>
-              <a:spcBef>
-                <a:spcPts val="641"/>
-              </a:spcBef>
-              <a:buClr>
-                <a:srgbClr val="000000"/>
-              </a:buClr>
-              <a:buFont typeface="Arial"/>
-              <a:buChar char="•"/>
-            </a:pPr>
-            <a:r>
-              <a:rPr b="0" lang="en-US" sz="3200" spc="-1" strike="noStrike">
-                <a:solidFill>
-                  <a:srgbClr val="000000"/>
-                </a:solidFill>
-                <a:latin typeface="Calibri"/>
-              </a:rPr>
-              <a:t>Documentation</a:t>
-            </a:r>
-            <a:endParaRPr b="0" lang="en-US" sz="3200" spc="-1" strike="noStrike">
-              <a:solidFill>
-                <a:srgbClr val="000000"/>
-              </a:solidFill>
-              <a:latin typeface="Calibri"/>
-            </a:endParaRPr>
-          </a:p>
-          <a:p>
-            <a:pPr marL="343080" indent="-342720">
-              <a:lnSpc>
-                <a:spcPct val="100000"/>
-              </a:lnSpc>
-              <a:spcBef>
-                <a:spcPts val="641"/>
-              </a:spcBef>
-              <a:buClr>
-                <a:srgbClr val="000000"/>
-              </a:buClr>
-              <a:buFont typeface="Arial"/>
-              <a:buChar char="•"/>
-            </a:pPr>
-            <a:r>
-              <a:rPr b="0" lang="en-US" sz="3200" spc="-1" strike="noStrike">
-                <a:solidFill>
-                  <a:srgbClr val="000000"/>
-                </a:solidFill>
-                <a:latin typeface="Calibri"/>
-              </a:rPr>
-              <a:t>Mockups</a:t>
-            </a:r>
-            <a:endParaRPr b="0" lang="en-US" sz="3200" spc="-1" strike="noStrike">
-              <a:solidFill>
-                <a:srgbClr val="000000"/>
-              </a:solidFill>
-              <a:latin typeface="Calibri"/>
-            </a:endParaRPr>
-          </a:p>
-          <a:p>
-            <a:pPr marL="343080" indent="-342720">
-              <a:lnSpc>
-                <a:spcPct val="100000"/>
-              </a:lnSpc>
-              <a:spcBef>
-                <a:spcPts val="641"/>
-              </a:spcBef>
-              <a:buClr>
-                <a:srgbClr val="000000"/>
-              </a:buClr>
-              <a:buFont typeface="Arial"/>
-              <a:buChar char="•"/>
-            </a:pPr>
-            <a:r>
-              <a:rPr b="0" lang="en-US" sz="3200" spc="-1" strike="noStrike">
-                <a:solidFill>
-                  <a:srgbClr val="000000"/>
-                </a:solidFill>
-                <a:latin typeface="Calibri"/>
-              </a:rPr>
-              <a:t>App Interface</a:t>
-            </a:r>
-            <a:endParaRPr b="0" lang="en-US" sz="3200" spc="-1" strike="noStrike">
-              <a:solidFill>
-                <a:srgbClr val="000000"/>
-              </a:solidFill>
-              <a:latin typeface="Calibri"/>
-            </a:endParaRPr>
-          </a:p>
-        </p:txBody>
-      </p:sp>
-      <p:sp>
-        <p:nvSpPr>
-          <p:cNvPr id="170" name="TextShape 3"/>
-          <p:cNvSpPr txBox="1"/>
-          <p:nvPr/>
-        </p:nvSpPr>
-        <p:spPr>
-          <a:xfrm>
-            <a:off x="6553080" y="6356520"/>
-            <a:ext cx="2133360" cy="364680"/>
-          </a:xfrm>
-          <a:prstGeom prst="rect">
-            <a:avLst/>
-          </a:prstGeom>
-          <a:noFill/>
-          <a:ln>
-            <a:noFill/>
-          </a:ln>
-        </p:spPr>
-        <p:txBody>
-          <a:bodyPr anchor="ctr">
-            <a:noAutofit/>
-          </a:bodyPr>
-          <a:p>
-            <a:endParaRPr b="0" lang="en-US" sz="2400" spc="-1" strike="noStrike">
-              <a:latin typeface="Times New Roman"/>
-            </a:endParaRPr>
-          </a:p>
-        </p:txBody>
+        <p:style>
+          <a:lnRef idx="0"/>
+          <a:fillRef idx="0"/>
+          <a:effectRef idx="0"/>
+          <a:fontRef idx="minor"/>
+        </p:style>
       </p:sp>
     </p:spTree>
   </p:cSld>
@@ -7413,14 +6684,14 @@
       </p:grpSpPr>
       <p:sp>
         <p:nvSpPr>
-          <p:cNvPr id="171" name="TextShape 1"/>
-          <p:cNvSpPr txBox="1"/>
+          <p:cNvPr id="162" name="CustomShape 1"/>
+          <p:cNvSpPr/>
           <p:nvPr/>
         </p:nvSpPr>
         <p:spPr>
           <a:xfrm>
             <a:off x="457200" y="274680"/>
-            <a:ext cx="8229240" cy="1142640"/>
+            <a:ext cx="8228520" cy="1141920"/>
           </a:xfrm>
           <a:prstGeom prst="rect">
             <a:avLst/>
@@ -7430,12 +6701,18 @@
             <a:noFill/>
           </a:ln>
         </p:spPr>
-        <p:txBody>
-          <a:bodyPr anchor="ctr">
-            <a:noAutofit/>
-          </a:bodyPr>
-          <a:p>
-            <a:pPr>
+        <p:style>
+          <a:lnRef idx="0"/>
+          <a:fillRef idx="0"/>
+          <a:effectRef idx="0"/>
+          <a:fontRef idx="minor"/>
+        </p:style>
+        <p:txBody>
+          <a:bodyPr lIns="90000" rIns="90000" tIns="45000" bIns="45000" anchor="ctr">
+            <a:normAutofit/>
+          </a:bodyPr>
+          <a:p>
+            <a:pPr algn="ctr">
               <a:lnSpc>
                 <a:spcPct val="100000"/>
               </a:lnSpc>
@@ -7446,28 +6723,26 @@
                   <a:srgbClr val="000000"/>
                 </a:solidFill>
                 <a:latin typeface="Times New Roman"/>
-              </a:rPr>
-              <a:t>Conclusion</a:t>
+                <a:ea typeface="DejaVu Sans"/>
+              </a:rPr>
+              <a:t>Tasks for 1st Iteration (or 30%)</a:t>
             </a:r>
             <a:endParaRPr b="0" lang="en-US" sz="4400" spc="-1" strike="noStrike">
-              <a:solidFill>
-                <a:srgbClr val="000000"/>
-              </a:solidFill>
-              <a:latin typeface="Calibri"/>
-            </a:endParaRPr>
-          </a:p>
-        </p:txBody>
-      </p:sp>
-      <p:sp>
-        <p:nvSpPr>
-          <p:cNvPr id="172" name="TextShape 2"/>
-          <p:cNvSpPr txBox="1"/>
+              <a:latin typeface="Arial"/>
+            </a:endParaRPr>
+          </a:p>
+        </p:txBody>
+      </p:sp>
+      <p:sp>
+        <p:nvSpPr>
+          <p:cNvPr id="163" name="CustomShape 2"/>
+          <p:cNvSpPr/>
           <p:nvPr/>
         </p:nvSpPr>
         <p:spPr>
           <a:xfrm>
             <a:off x="457200" y="1600200"/>
-            <a:ext cx="8229240" cy="4525560"/>
+            <a:ext cx="8228520" cy="4524840"/>
           </a:xfrm>
           <a:prstGeom prst="rect">
             <a:avLst/>
@@ -7477,12 +6752,18 @@
             <a:noFill/>
           </a:ln>
         </p:spPr>
-        <p:txBody>
-          <a:bodyPr>
+        <p:style>
+          <a:lnRef idx="0"/>
+          <a:fillRef idx="0"/>
+          <a:effectRef idx="0"/>
+          <a:fontRef idx="minor"/>
+        </p:style>
+        <p:txBody>
+          <a:bodyPr lIns="90000" rIns="90000" tIns="45000" bIns="45000">
             <a:noAutofit/>
           </a:bodyPr>
           <a:p>
-            <a:pPr marL="343080" indent="-342720">
+            <a:pPr marL="343080" indent="-342000">
               <a:lnSpc>
                 <a:spcPct val="100000"/>
               </a:lnSpc>
@@ -7500,15 +6781,235 @@
                 <a:solidFill>
                   <a:srgbClr val="000000"/>
                 </a:solidFill>
+                <a:latin typeface="Calibri"/>
+                <a:ea typeface="DejaVu Sans"/>
+              </a:rPr>
+              <a:t>Documentation</a:t>
+            </a:r>
+            <a:endParaRPr b="0" lang="en-US" sz="3200" spc="-1" strike="noStrike">
+              <a:latin typeface="Arial"/>
+            </a:endParaRPr>
+          </a:p>
+          <a:p>
+            <a:pPr marL="343080" indent="-342000">
+              <a:lnSpc>
+                <a:spcPct val="100000"/>
+              </a:lnSpc>
+              <a:spcBef>
+                <a:spcPts val="641"/>
+              </a:spcBef>
+              <a:buClr>
+                <a:srgbClr val="000000"/>
+              </a:buClr>
+              <a:buFont typeface="Arial"/>
+              <a:buChar char="•"/>
+            </a:pPr>
+            <a:r>
+              <a:rPr b="0" lang="en-US" sz="3200" spc="-1" strike="noStrike">
+                <a:solidFill>
+                  <a:srgbClr val="000000"/>
+                </a:solidFill>
+                <a:latin typeface="Calibri"/>
+                <a:ea typeface="DejaVu Sans"/>
+              </a:rPr>
+              <a:t>Mockups</a:t>
+            </a:r>
+            <a:endParaRPr b="0" lang="en-US" sz="3200" spc="-1" strike="noStrike">
+              <a:latin typeface="Arial"/>
+            </a:endParaRPr>
+          </a:p>
+          <a:p>
+            <a:pPr marL="343080" indent="-342000">
+              <a:lnSpc>
+                <a:spcPct val="100000"/>
+              </a:lnSpc>
+              <a:spcBef>
+                <a:spcPts val="641"/>
+              </a:spcBef>
+              <a:buClr>
+                <a:srgbClr val="000000"/>
+              </a:buClr>
+              <a:buFont typeface="Arial"/>
+              <a:buChar char="•"/>
+            </a:pPr>
+            <a:r>
+              <a:rPr b="0" lang="en-US" sz="3200" spc="-1" strike="noStrike">
+                <a:solidFill>
+                  <a:srgbClr val="000000"/>
+                </a:solidFill>
+                <a:latin typeface="Calibri"/>
+                <a:ea typeface="DejaVu Sans"/>
+              </a:rPr>
+              <a:t>App Interface</a:t>
+            </a:r>
+            <a:endParaRPr b="0" lang="en-US" sz="3200" spc="-1" strike="noStrike">
+              <a:latin typeface="Arial"/>
+            </a:endParaRPr>
+          </a:p>
+        </p:txBody>
+      </p:sp>
+      <p:sp>
+        <p:nvSpPr>
+          <p:cNvPr id="164" name="CustomShape 3"/>
+          <p:cNvSpPr/>
+          <p:nvPr/>
+        </p:nvSpPr>
+        <p:spPr>
+          <a:xfrm>
+            <a:off x="6553080" y="6356520"/>
+            <a:ext cx="2132640" cy="363960"/>
+          </a:xfrm>
+          <a:prstGeom prst="rect">
+            <a:avLst/>
+          </a:prstGeom>
+          <a:noFill/>
+          <a:ln>
+            <a:noFill/>
+          </a:ln>
+        </p:spPr>
+        <p:style>
+          <a:lnRef idx="0"/>
+          <a:fillRef idx="0"/>
+          <a:effectRef idx="0"/>
+          <a:fontRef idx="minor"/>
+        </p:style>
+      </p:sp>
+    </p:spTree>
+  </p:cSld>
+  <mc:AlternateContent>
+    <mc:Choice Requires="p14">
+      <p:transition spd="slow" p14:dur="2000"/>
+    </mc:Choice>
+    <mc:Fallback>
+      <p:transition spd="slow"/>
+    </mc:Fallback>
+  </mc:AlternateContent>
+</p:sld>
+</file>
+
+<file path=ppt/slides/slide17.xml><?xml version="1.0" encoding="utf-8"?>
+<p:sld xmlns:a="http://schemas.openxmlformats.org/drawingml/2006/main" xmlns:p="http://schemas.openxmlformats.org/presentationml/2006/main" xmlns:r="http://schemas.openxmlformats.org/officeDocument/2006/relationships" xmlns:p14="http://schemas.microsoft.com/office/powerpoint/2010/main" xmlns:p15="http://schemas.microsoft.com/office/powerpoint/2012/main" xmlns:mc="http://schemas.openxmlformats.org/markup-compatibility/2006">
+  <p:cSld>
+    <p:spTree>
+      <p:nvGrpSpPr>
+        <p:cNvPr id="1" name=""/>
+        <p:cNvGrpSpPr/>
+        <p:nvPr/>
+      </p:nvGrpSpPr>
+      <p:grpSpPr>
+        <a:xfrm>
+          <a:off x="0" y="0"/>
+          <a:ext cx="0" cy="0"/>
+          <a:chOff x="0" y="0"/>
+          <a:chExt cx="0" cy="0"/>
+        </a:xfrm>
+      </p:grpSpPr>
+      <p:sp>
+        <p:nvSpPr>
+          <p:cNvPr id="165" name="CustomShape 1"/>
+          <p:cNvSpPr/>
+          <p:nvPr/>
+        </p:nvSpPr>
+        <p:spPr>
+          <a:xfrm>
+            <a:off x="457200" y="274680"/>
+            <a:ext cx="8228520" cy="1141920"/>
+          </a:xfrm>
+          <a:prstGeom prst="rect">
+            <a:avLst/>
+          </a:prstGeom>
+          <a:noFill/>
+          <a:ln>
+            <a:noFill/>
+          </a:ln>
+        </p:spPr>
+        <p:style>
+          <a:lnRef idx="0"/>
+          <a:fillRef idx="0"/>
+          <a:effectRef idx="0"/>
+          <a:fontRef idx="minor"/>
+        </p:style>
+        <p:txBody>
+          <a:bodyPr lIns="90000" rIns="90000" tIns="45000" bIns="45000" anchor="ctr">
+            <a:noAutofit/>
+          </a:bodyPr>
+          <a:p>
+            <a:pPr>
+              <a:lnSpc>
+                <a:spcPct val="100000"/>
+              </a:lnSpc>
+            </a:pPr>
+            <a:r>
+              <a:rPr b="0" lang="en-US" sz="4400" spc="-1" strike="noStrike">
+                <a:solidFill>
+                  <a:srgbClr val="000000"/>
+                </a:solidFill>
                 <a:latin typeface="Times New Roman"/>
+                <a:ea typeface="DejaVu Sans"/>
+              </a:rPr>
+              <a:t>Conclusion</a:t>
+            </a:r>
+            <a:endParaRPr b="0" lang="en-US" sz="4400" spc="-1" strike="noStrike">
+              <a:latin typeface="Arial"/>
+            </a:endParaRPr>
+          </a:p>
+        </p:txBody>
+      </p:sp>
+      <p:sp>
+        <p:nvSpPr>
+          <p:cNvPr id="166" name="CustomShape 2"/>
+          <p:cNvSpPr/>
+          <p:nvPr/>
+        </p:nvSpPr>
+        <p:spPr>
+          <a:xfrm>
+            <a:off x="457200" y="1600200"/>
+            <a:ext cx="8228520" cy="4524840"/>
+          </a:xfrm>
+          <a:prstGeom prst="rect">
+            <a:avLst/>
+          </a:prstGeom>
+          <a:noFill/>
+          <a:ln>
+            <a:noFill/>
+          </a:ln>
+        </p:spPr>
+        <p:style>
+          <a:lnRef idx="0"/>
+          <a:fillRef idx="0"/>
+          <a:effectRef idx="0"/>
+          <a:fontRef idx="minor"/>
+        </p:style>
+        <p:txBody>
+          <a:bodyPr lIns="90000" rIns="90000" tIns="45000" bIns="45000">
+            <a:noAutofit/>
+          </a:bodyPr>
+          <a:p>
+            <a:pPr marL="343080" indent="-342000">
+              <a:lnSpc>
+                <a:spcPct val="100000"/>
+              </a:lnSpc>
+              <a:spcBef>
+                <a:spcPts val="641"/>
+              </a:spcBef>
+              <a:buClr>
+                <a:srgbClr val="000000"/>
+              </a:buClr>
+              <a:buFont typeface="Arial"/>
+              <a:buChar char="•"/>
+            </a:pPr>
+            <a:r>
+              <a:rPr b="0" lang="en-US" sz="3200" spc="-1" strike="noStrike">
+                <a:solidFill>
+                  <a:srgbClr val="000000"/>
+                </a:solidFill>
+                <a:latin typeface="Times New Roman"/>
+                <a:ea typeface="DejaVu Sans"/>
               </a:rPr>
               <a:t>Develop Cross platform Application to help visually impaired in recognizing in state of object. Testing methodology to a Android and IOS based service.</a:t>
             </a:r>
             <a:endParaRPr b="0" lang="en-US" sz="3200" spc="-1" strike="noStrike">
-              <a:solidFill>
-                <a:srgbClr val="000000"/>
-              </a:solidFill>
-              <a:latin typeface="Calibri"/>
+              <a:latin typeface="Arial"/>
             </a:endParaRPr>
           </a:p>
           <a:p>
@@ -7521,24 +7022,21 @@
               </a:spcBef>
             </a:pPr>
             <a:endParaRPr b="0" lang="en-US" sz="3200" spc="-1" strike="noStrike">
-              <a:solidFill>
-                <a:srgbClr val="000000"/>
-              </a:solidFill>
-              <a:latin typeface="Calibri"/>
-            </a:endParaRPr>
-          </a:p>
-        </p:txBody>
-      </p:sp>
-      <p:sp>
-        <p:nvSpPr>
-          <p:cNvPr id="173" name="TextShape 3"/>
-          <p:cNvSpPr txBox="1"/>
+              <a:latin typeface="Arial"/>
+            </a:endParaRPr>
+          </a:p>
+        </p:txBody>
+      </p:sp>
+      <p:sp>
+        <p:nvSpPr>
+          <p:cNvPr id="167" name="CustomShape 3"/>
+          <p:cNvSpPr/>
           <p:nvPr/>
         </p:nvSpPr>
         <p:spPr>
           <a:xfrm>
             <a:off x="6553080" y="6356520"/>
-            <a:ext cx="2133360" cy="364680"/>
+            <a:ext cx="2132640" cy="363960"/>
           </a:xfrm>
           <a:prstGeom prst="rect">
             <a:avLst/>
@@ -7548,16 +7046,12 @@
             <a:noFill/>
           </a:ln>
         </p:spPr>
-        <p:txBody>
-          <a:bodyPr anchor="ctr">
-            <a:noAutofit/>
-          </a:bodyPr>
-          <a:p>
-            <a:endParaRPr b="0" lang="en-US" sz="2400" spc="-1" strike="noStrike">
-              <a:latin typeface="Times New Roman"/>
-            </a:endParaRPr>
-          </a:p>
-        </p:txBody>
+        <p:style>
+          <a:lnRef idx="0"/>
+          <a:fillRef idx="0"/>
+          <a:effectRef idx="0"/>
+          <a:fontRef idx="minor"/>
+        </p:style>
       </p:sp>
     </p:spTree>
   </p:cSld>
@@ -7591,14 +7085,14 @@
       </p:grpSpPr>
       <p:sp>
         <p:nvSpPr>
-          <p:cNvPr id="129" name="TextShape 1"/>
-          <p:cNvSpPr txBox="1"/>
+          <p:cNvPr id="120" name="CustomShape 1"/>
+          <p:cNvSpPr/>
           <p:nvPr/>
         </p:nvSpPr>
         <p:spPr>
           <a:xfrm>
             <a:off x="457200" y="274680"/>
-            <a:ext cx="8229240" cy="1142640"/>
+            <a:ext cx="8228520" cy="1141920"/>
           </a:xfrm>
           <a:prstGeom prst="rect">
             <a:avLst/>
@@ -7608,8 +7102,14 @@
             <a:noFill/>
           </a:ln>
         </p:spPr>
-        <p:txBody>
-          <a:bodyPr anchor="ctr">
+        <p:style>
+          <a:lnRef idx="0"/>
+          <a:fillRef idx="0"/>
+          <a:effectRef idx="0"/>
+          <a:fontRef idx="minor"/>
+        </p:style>
+        <p:txBody>
+          <a:bodyPr lIns="90000" rIns="90000" tIns="45000" bIns="45000" anchor="ctr">
             <a:noAutofit/>
           </a:bodyPr>
           <a:p>
@@ -7624,55 +7124,26 @@
                   <a:srgbClr val="000000"/>
                 </a:solidFill>
                 <a:latin typeface="Times New Roman"/>
-              </a:rPr>
-              <a:t>Agenda of </a:t>
-            </a:r>
-            <a:r>
-              <a:rPr b="0" lang="en-US" sz="4400" spc="-1" strike="noStrike">
-                <a:solidFill>
-                  <a:srgbClr val="000000"/>
-                </a:solidFill>
-                <a:latin typeface="Times New Roman"/>
-              </a:rPr>
-              <a:t>the </a:t>
-            </a:r>
-            <a:r>
-              <a:rPr b="0" lang="en-US" sz="4400" spc="-1" strike="noStrike">
-                <a:solidFill>
-                  <a:srgbClr val="000000"/>
-                </a:solidFill>
-                <a:latin typeface="Times New Roman"/>
-              </a:rPr>
-              <a:t>Presentatio</a:t>
-            </a:r>
-            <a:r>
-              <a:rPr b="0" lang="en-US" sz="4400" spc="-1" strike="noStrike">
-                <a:solidFill>
-                  <a:srgbClr val="000000"/>
-                </a:solidFill>
-                <a:latin typeface="Times New Roman"/>
-              </a:rPr>
-              <a:t>n</a:t>
+                <a:ea typeface="DejaVu Sans"/>
+              </a:rPr>
+              <a:t>Agenda of the Presentation</a:t>
             </a:r>
             <a:endParaRPr b="0" lang="en-US" sz="4400" spc="-1" strike="noStrike">
-              <a:solidFill>
-                <a:srgbClr val="000000"/>
-              </a:solidFill>
-              <a:latin typeface="Calibri"/>
-            </a:endParaRPr>
-          </a:p>
-        </p:txBody>
-      </p:sp>
-      <p:sp>
-        <p:nvSpPr>
-          <p:cNvPr id="130" name="TextShape 2"/>
-          <p:cNvSpPr txBox="1"/>
+              <a:latin typeface="Arial"/>
+            </a:endParaRPr>
+          </a:p>
+        </p:txBody>
+      </p:sp>
+      <p:sp>
+        <p:nvSpPr>
+          <p:cNvPr id="121" name="CustomShape 2"/>
+          <p:cNvSpPr/>
           <p:nvPr/>
         </p:nvSpPr>
         <p:spPr>
           <a:xfrm>
             <a:off x="457200" y="1600200"/>
-            <a:ext cx="8229240" cy="4525560"/>
+            <a:ext cx="8228520" cy="4524840"/>
           </a:xfrm>
           <a:prstGeom prst="rect">
             <a:avLst/>
@@ -7682,12 +7153,18 @@
             <a:noFill/>
           </a:ln>
         </p:spPr>
-        <p:txBody>
-          <a:bodyPr>
+        <p:style>
+          <a:lnRef idx="0"/>
+          <a:fillRef idx="0"/>
+          <a:effectRef idx="0"/>
+          <a:fontRef idx="minor"/>
+        </p:style>
+        <p:txBody>
+          <a:bodyPr lIns="90000" rIns="90000" tIns="45000" bIns="45000">
             <a:normAutofit fontScale="66000"/>
           </a:bodyPr>
           <a:p>
-            <a:pPr marL="343080" indent="-342720">
+            <a:pPr marL="343080" indent="-342000">
               <a:lnSpc>
                 <a:spcPct val="100000"/>
               </a:lnSpc>
@@ -7706,18 +7183,16 @@
                   <a:srgbClr val="000000"/>
                 </a:solidFill>
                 <a:latin typeface="Times New Roman"/>
+                <a:ea typeface="DejaVu Sans"/>
               </a:rPr>
               <a:t>Motivation</a:t>
             </a:r>
             <a:endParaRPr b="0" lang="en-US" sz="3200" spc="-1" strike="noStrike">
-              <a:solidFill>
-                <a:srgbClr val="000000"/>
-              </a:solidFill>
-              <a:latin typeface="Calibri"/>
-            </a:endParaRPr>
-          </a:p>
-          <a:p>
-            <a:pPr marL="343080" indent="-342720">
+              <a:latin typeface="Arial"/>
+            </a:endParaRPr>
+          </a:p>
+          <a:p>
+            <a:pPr marL="343080" indent="-342000">
               <a:lnSpc>
                 <a:spcPct val="100000"/>
               </a:lnSpc>
@@ -7736,18 +7211,16 @@
                   <a:srgbClr val="000000"/>
                 </a:solidFill>
                 <a:latin typeface="Times New Roman"/>
+                <a:ea typeface="DejaVu Sans"/>
               </a:rPr>
               <a:t>Brief Introduction</a:t>
             </a:r>
             <a:endParaRPr b="0" lang="en-US" sz="3200" spc="-1" strike="noStrike">
-              <a:solidFill>
-                <a:srgbClr val="000000"/>
-              </a:solidFill>
-              <a:latin typeface="Calibri"/>
-            </a:endParaRPr>
-          </a:p>
-          <a:p>
-            <a:pPr marL="343080" indent="-342720">
+              <a:latin typeface="Arial"/>
+            </a:endParaRPr>
+          </a:p>
+          <a:p>
+            <a:pPr marL="343080" indent="-342000">
               <a:lnSpc>
                 <a:spcPct val="100000"/>
               </a:lnSpc>
@@ -7766,18 +7239,16 @@
                   <a:srgbClr val="000000"/>
                 </a:solidFill>
                 <a:latin typeface="Times New Roman"/>
+                <a:ea typeface="DejaVu Sans"/>
               </a:rPr>
               <a:t>Scope </a:t>
             </a:r>
             <a:endParaRPr b="0" lang="en-US" sz="3200" spc="-1" strike="noStrike">
-              <a:solidFill>
-                <a:srgbClr val="000000"/>
-              </a:solidFill>
-              <a:latin typeface="Calibri"/>
-            </a:endParaRPr>
-          </a:p>
-          <a:p>
-            <a:pPr marL="343080" indent="-342720">
+              <a:latin typeface="Arial"/>
+            </a:endParaRPr>
+          </a:p>
+          <a:p>
+            <a:pPr marL="343080" indent="-342000">
               <a:lnSpc>
                 <a:spcPct val="100000"/>
               </a:lnSpc>
@@ -7796,18 +7267,16 @@
                   <a:srgbClr val="000000"/>
                 </a:solidFill>
                 <a:latin typeface="Times New Roman"/>
+                <a:ea typeface="DejaVu Sans"/>
               </a:rPr>
               <a:t>Functionalities</a:t>
             </a:r>
             <a:endParaRPr b="0" lang="en-US" sz="3200" spc="-1" strike="noStrike">
-              <a:solidFill>
-                <a:srgbClr val="000000"/>
-              </a:solidFill>
-              <a:latin typeface="Calibri"/>
-            </a:endParaRPr>
-          </a:p>
-          <a:p>
-            <a:pPr marL="343080" indent="-342720">
+              <a:latin typeface="Arial"/>
+            </a:endParaRPr>
+          </a:p>
+          <a:p>
+            <a:pPr marL="343080" indent="-342000">
               <a:lnSpc>
                 <a:spcPct val="100000"/>
               </a:lnSpc>
@@ -7826,18 +7295,16 @@
                   <a:srgbClr val="000000"/>
                 </a:solidFill>
                 <a:latin typeface="Times New Roman"/>
+                <a:ea typeface="DejaVu Sans"/>
               </a:rPr>
               <a:t>Tools and Technologies</a:t>
             </a:r>
             <a:endParaRPr b="0" lang="en-US" sz="3200" spc="-1" strike="noStrike">
-              <a:solidFill>
-                <a:srgbClr val="000000"/>
-              </a:solidFill>
-              <a:latin typeface="Calibri"/>
-            </a:endParaRPr>
-          </a:p>
-          <a:p>
-            <a:pPr marL="343080" indent="-342720">
+              <a:latin typeface="Arial"/>
+            </a:endParaRPr>
+          </a:p>
+          <a:p>
+            <a:pPr marL="343080" indent="-342000">
               <a:lnSpc>
                 <a:spcPct val="100000"/>
               </a:lnSpc>
@@ -7856,14 +7323,12 @@
                   <a:srgbClr val="000000"/>
                 </a:solidFill>
                 <a:latin typeface="Times New Roman"/>
+                <a:ea typeface="DejaVu Sans"/>
               </a:rPr>
               <a:t>Feasibility</a:t>
             </a:r>
             <a:endParaRPr b="0" lang="en-US" sz="3200" spc="-1" strike="noStrike">
-              <a:solidFill>
-                <a:srgbClr val="000000"/>
-              </a:solidFill>
-              <a:latin typeface="Calibri"/>
+              <a:latin typeface="Arial"/>
             </a:endParaRPr>
           </a:p>
           <a:p>
@@ -7884,6 +7349,7 @@
                   <a:srgbClr val="000000"/>
                 </a:solidFill>
                 <a:latin typeface="Times New Roman"/>
+                <a:ea typeface="DejaVu Sans"/>
               </a:rPr>
               <a:t>        </a:t>
             </a:r>
@@ -7893,14 +7359,12 @@
                   <a:srgbClr val="000000"/>
                 </a:solidFill>
                 <a:latin typeface="Times New Roman"/>
+                <a:ea typeface="DejaVu Sans"/>
               </a:rPr>
               <a:t>1.   Technical</a:t>
             </a:r>
             <a:endParaRPr b="0" lang="en-US" sz="3200" spc="-1" strike="noStrike">
-              <a:solidFill>
-                <a:srgbClr val="000000"/>
-              </a:solidFill>
-              <a:latin typeface="Calibri"/>
+              <a:latin typeface="Arial"/>
             </a:endParaRPr>
           </a:p>
           <a:p>
@@ -7921,6 +7385,7 @@
                   <a:srgbClr val="000000"/>
                 </a:solidFill>
                 <a:latin typeface="Times New Roman"/>
+                <a:ea typeface="DejaVu Sans"/>
               </a:rPr>
               <a:t>        </a:t>
             </a:r>
@@ -7930,14 +7395,12 @@
                   <a:srgbClr val="000000"/>
                 </a:solidFill>
                 <a:latin typeface="Times New Roman"/>
+                <a:ea typeface="DejaVu Sans"/>
               </a:rPr>
               <a:t>2.  Resource</a:t>
             </a:r>
             <a:endParaRPr b="0" lang="en-US" sz="3200" spc="-1" strike="noStrike">
-              <a:solidFill>
-                <a:srgbClr val="000000"/>
-              </a:solidFill>
-              <a:latin typeface="Calibri"/>
+              <a:latin typeface="Arial"/>
             </a:endParaRPr>
           </a:p>
           <a:p>
@@ -7958,6 +7421,7 @@
                   <a:srgbClr val="000000"/>
                 </a:solidFill>
                 <a:latin typeface="Times New Roman"/>
+                <a:ea typeface="DejaVu Sans"/>
               </a:rPr>
               <a:t>        </a:t>
             </a:r>
@@ -7967,14 +7431,12 @@
                   <a:srgbClr val="000000"/>
                 </a:solidFill>
                 <a:latin typeface="Times New Roman"/>
+                <a:ea typeface="DejaVu Sans"/>
               </a:rPr>
               <a:t>3.  Financial</a:t>
             </a:r>
             <a:endParaRPr b="0" lang="en-US" sz="3200" spc="-1" strike="noStrike">
-              <a:solidFill>
-                <a:srgbClr val="000000"/>
-              </a:solidFill>
-              <a:latin typeface="Calibri"/>
+              <a:latin typeface="Arial"/>
             </a:endParaRPr>
           </a:p>
           <a:p>
@@ -7995,6 +7457,7 @@
                   <a:srgbClr val="000000"/>
                 </a:solidFill>
                 <a:latin typeface="Times New Roman"/>
+                <a:ea typeface="DejaVu Sans"/>
               </a:rPr>
               <a:t>        </a:t>
             </a:r>
@@ -8004,18 +7467,16 @@
                   <a:srgbClr val="000000"/>
                 </a:solidFill>
                 <a:latin typeface="Times New Roman"/>
+                <a:ea typeface="DejaVu Sans"/>
               </a:rPr>
               <a:t>4.  Operational</a:t>
             </a:r>
             <a:endParaRPr b="0" lang="en-US" sz="3200" spc="-1" strike="noStrike">
-              <a:solidFill>
-                <a:srgbClr val="000000"/>
-              </a:solidFill>
-              <a:latin typeface="Calibri"/>
-            </a:endParaRPr>
-          </a:p>
-          <a:p>
-            <a:pPr marL="343080" indent="-342720">
+              <a:latin typeface="Arial"/>
+            </a:endParaRPr>
+          </a:p>
+          <a:p>
+            <a:pPr marL="343080" indent="-342000">
               <a:lnSpc>
                 <a:spcPct val="100000"/>
               </a:lnSpc>
@@ -8037,14 +7498,12 @@
                   <a:srgbClr val="000000"/>
                 </a:solidFill>
                 <a:latin typeface="Times New Roman"/>
+                <a:ea typeface="DejaVu Sans"/>
               </a:rPr>
               <a:t>Conclusion</a:t>
             </a:r>
             <a:endParaRPr b="0" lang="en-US" sz="3200" spc="-1" strike="noStrike">
-              <a:solidFill>
-                <a:srgbClr val="000000"/>
-              </a:solidFill>
-              <a:latin typeface="Calibri"/>
+              <a:latin typeface="Arial"/>
             </a:endParaRPr>
           </a:p>
           <a:p>
@@ -8060,24 +7519,21 @@
               </a:tabLst>
             </a:pPr>
             <a:endParaRPr b="0" lang="en-US" sz="3200" spc="-1" strike="noStrike">
-              <a:solidFill>
-                <a:srgbClr val="000000"/>
-              </a:solidFill>
-              <a:latin typeface="Calibri"/>
-            </a:endParaRPr>
-          </a:p>
-        </p:txBody>
-      </p:sp>
-      <p:sp>
-        <p:nvSpPr>
-          <p:cNvPr id="131" name="TextShape 3"/>
-          <p:cNvSpPr txBox="1"/>
+              <a:latin typeface="Arial"/>
+            </a:endParaRPr>
+          </a:p>
+        </p:txBody>
+      </p:sp>
+      <p:sp>
+        <p:nvSpPr>
+          <p:cNvPr id="122" name="CustomShape 3"/>
+          <p:cNvSpPr/>
           <p:nvPr/>
         </p:nvSpPr>
         <p:spPr>
           <a:xfrm>
             <a:off x="6553080" y="6356520"/>
-            <a:ext cx="2133360" cy="364680"/>
+            <a:ext cx="2132640" cy="363960"/>
           </a:xfrm>
           <a:prstGeom prst="rect">
             <a:avLst/>
@@ -8087,16 +7543,12 @@
             <a:noFill/>
           </a:ln>
         </p:spPr>
-        <p:txBody>
-          <a:bodyPr anchor="ctr">
-            <a:noAutofit/>
-          </a:bodyPr>
-          <a:p>
-            <a:endParaRPr b="0" lang="en-US" sz="2400" spc="-1" strike="noStrike">
-              <a:latin typeface="Times New Roman"/>
-            </a:endParaRPr>
-          </a:p>
-        </p:txBody>
+        <p:style>
+          <a:lnRef idx="0"/>
+          <a:fillRef idx="0"/>
+          <a:effectRef idx="0"/>
+          <a:fontRef idx="minor"/>
+        </p:style>
       </p:sp>
     </p:spTree>
   </p:cSld>
@@ -8130,14 +7582,14 @@
       </p:grpSpPr>
       <p:sp>
         <p:nvSpPr>
-          <p:cNvPr id="132" name="TextShape 1"/>
-          <p:cNvSpPr txBox="1"/>
+          <p:cNvPr id="123" name="CustomShape 1"/>
+          <p:cNvSpPr/>
           <p:nvPr/>
         </p:nvSpPr>
         <p:spPr>
           <a:xfrm>
             <a:off x="457200" y="274680"/>
-            <a:ext cx="8229240" cy="1142640"/>
+            <a:ext cx="8228520" cy="1141920"/>
           </a:xfrm>
           <a:prstGeom prst="rect">
             <a:avLst/>
@@ -8147,8 +7599,14 @@
             <a:noFill/>
           </a:ln>
         </p:spPr>
-        <p:txBody>
-          <a:bodyPr anchor="ctr">
+        <p:style>
+          <a:lnRef idx="0"/>
+          <a:fillRef idx="0"/>
+          <a:effectRef idx="0"/>
+          <a:fontRef idx="minor"/>
+        </p:style>
+        <p:txBody>
+          <a:bodyPr lIns="90000" rIns="90000" tIns="45000" bIns="45000" anchor="ctr">
             <a:noAutofit/>
           </a:bodyPr>
           <a:p>
@@ -8163,28 +7621,26 @@
                   <a:srgbClr val="000000"/>
                 </a:solidFill>
                 <a:latin typeface="Times New Roman"/>
+                <a:ea typeface="DejaVu Sans"/>
               </a:rPr>
               <a:t>Motivation</a:t>
             </a:r>
             <a:endParaRPr b="0" lang="en-US" sz="4400" spc="-1" strike="noStrike">
-              <a:solidFill>
-                <a:srgbClr val="000000"/>
-              </a:solidFill>
-              <a:latin typeface="Calibri"/>
-            </a:endParaRPr>
-          </a:p>
-        </p:txBody>
-      </p:sp>
-      <p:sp>
-        <p:nvSpPr>
-          <p:cNvPr id="133" name="TextShape 2"/>
-          <p:cNvSpPr txBox="1"/>
+              <a:latin typeface="Arial"/>
+            </a:endParaRPr>
+          </a:p>
+        </p:txBody>
+      </p:sp>
+      <p:sp>
+        <p:nvSpPr>
+          <p:cNvPr id="124" name="CustomShape 2"/>
+          <p:cNvSpPr/>
           <p:nvPr/>
         </p:nvSpPr>
         <p:spPr>
           <a:xfrm>
             <a:off x="457200" y="1600200"/>
-            <a:ext cx="8463600" cy="4525920"/>
+            <a:ext cx="8462880" cy="4525200"/>
           </a:xfrm>
           <a:prstGeom prst="rect">
             <a:avLst/>
@@ -8194,12 +7650,18 @@
             <a:noFill/>
           </a:ln>
         </p:spPr>
-        <p:txBody>
-          <a:bodyPr>
+        <p:style>
+          <a:lnRef idx="0"/>
+          <a:fillRef idx="0"/>
+          <a:effectRef idx="0"/>
+          <a:fontRef idx="minor"/>
+        </p:style>
+        <p:txBody>
+          <a:bodyPr lIns="90000" rIns="90000" tIns="45000" bIns="45000">
             <a:normAutofit fontScale="77000"/>
           </a:bodyPr>
           <a:p>
-            <a:pPr marL="343080" indent="-342720">
+            <a:pPr marL="343080" indent="-342000">
               <a:lnSpc>
                 <a:spcPct val="100000"/>
               </a:lnSpc>
@@ -8218,18 +7680,16 @@
                   <a:srgbClr val="000000"/>
                 </a:solidFill>
                 <a:latin typeface="Times New Roman"/>
+                <a:ea typeface="DejaVu Sans"/>
               </a:rPr>
               <a:t>In 2017 estimated more than 2.21 million [1] people in Pakistan are blind or has Sever Visual Impairment</a:t>
             </a:r>
             <a:endParaRPr b="0" lang="en-US" sz="3200" spc="-1" strike="noStrike">
-              <a:solidFill>
-                <a:srgbClr val="000000"/>
-              </a:solidFill>
-              <a:latin typeface="Calibri"/>
-            </a:endParaRPr>
-          </a:p>
-          <a:p>
-            <a:pPr marL="343080" indent="-342720">
+              <a:latin typeface="Arial"/>
+            </a:endParaRPr>
+          </a:p>
+          <a:p>
+            <a:pPr marL="343080" indent="-342000">
               <a:lnSpc>
                 <a:spcPct val="100000"/>
               </a:lnSpc>
@@ -8248,18 +7708,16 @@
                   <a:srgbClr val="000000"/>
                 </a:solidFill>
                 <a:latin typeface="Times New Roman"/>
-              </a:rPr>
-              <a:t>They rely on people to help them navigate in the their surrondings.</a:t>
-            </a:r>
-            <a:endParaRPr b="0" lang="en-US" sz="3200" spc="-1" strike="noStrike">
-              <a:solidFill>
-                <a:srgbClr val="000000"/>
-              </a:solidFill>
-              <a:latin typeface="Calibri"/>
-            </a:endParaRPr>
-          </a:p>
-          <a:p>
-            <a:pPr marL="343080" indent="-342720">
+                <a:ea typeface="DejaVu Sans"/>
+              </a:rPr>
+              <a:t>They rely on people to help them navigate in the their surroundings</a:t>
+            </a:r>
+            <a:endParaRPr b="0" lang="en-US" sz="3200" spc="-1" strike="noStrike">
+              <a:latin typeface="Arial"/>
+            </a:endParaRPr>
+          </a:p>
+          <a:p>
+            <a:pPr marL="343080" indent="-342000">
               <a:lnSpc>
                 <a:spcPct val="100000"/>
               </a:lnSpc>
@@ -8278,18 +7736,16 @@
                   <a:srgbClr val="000000"/>
                 </a:solidFill>
                 <a:latin typeface="Times New Roman"/>
-              </a:rPr>
-              <a:t>The traditional tools and techniques are not very useful since it takes a person to be avalible form them.</a:t>
-            </a:r>
-            <a:endParaRPr b="0" lang="en-US" sz="3200" spc="-1" strike="noStrike">
-              <a:solidFill>
-                <a:srgbClr val="000000"/>
-              </a:solidFill>
-              <a:latin typeface="Calibri"/>
-            </a:endParaRPr>
-          </a:p>
-          <a:p>
-            <a:pPr marL="343080" indent="-342720">
+                <a:ea typeface="DejaVu Sans"/>
+              </a:rPr>
+              <a:t>The traditional tools and techniques are not very useful since it takes a person to be available form them.</a:t>
+            </a:r>
+            <a:endParaRPr b="0" lang="en-US" sz="3200" spc="-1" strike="noStrike">
+              <a:latin typeface="Arial"/>
+            </a:endParaRPr>
+          </a:p>
+          <a:p>
+            <a:pPr marL="343080" indent="-342000">
               <a:lnSpc>
                 <a:spcPct val="100000"/>
               </a:lnSpc>
@@ -8308,28 +7764,26 @@
                   <a:srgbClr val="000000"/>
                 </a:solidFill>
                 <a:latin typeface="Times New Roman"/>
-              </a:rPr>
-              <a:t>However, with the help of Urdu Voice Captioning Application the can do their daily tasks. </a:t>
-            </a:r>
-            <a:endParaRPr b="0" lang="en-US" sz="3200" spc="-1" strike="noStrike">
-              <a:solidFill>
-                <a:srgbClr val="000000"/>
-              </a:solidFill>
-              <a:latin typeface="Calibri"/>
-            </a:endParaRPr>
-          </a:p>
-        </p:txBody>
-      </p:sp>
-      <p:sp>
-        <p:nvSpPr>
-          <p:cNvPr id="134" name="TextShape 3"/>
-          <p:cNvSpPr txBox="1"/>
+                <a:ea typeface="DejaVu Sans"/>
+              </a:rPr>
+              <a:t>However, with the help of Urdu Voice Captioning Application they can do their daily tasks. </a:t>
+            </a:r>
+            <a:endParaRPr b="0" lang="en-US" sz="3200" spc="-1" strike="noStrike">
+              <a:latin typeface="Arial"/>
+            </a:endParaRPr>
+          </a:p>
+        </p:txBody>
+      </p:sp>
+      <p:sp>
+        <p:nvSpPr>
+          <p:cNvPr id="125" name="CustomShape 3"/>
+          <p:cNvSpPr/>
           <p:nvPr/>
         </p:nvSpPr>
         <p:spPr>
           <a:xfrm>
             <a:off x="6553080" y="6356520"/>
-            <a:ext cx="2133360" cy="364680"/>
+            <a:ext cx="2132640" cy="363960"/>
           </a:xfrm>
           <a:prstGeom prst="rect">
             <a:avLst/>
@@ -8339,16 +7793,12 @@
             <a:noFill/>
           </a:ln>
         </p:spPr>
-        <p:txBody>
-          <a:bodyPr anchor="ctr">
-            <a:noAutofit/>
-          </a:bodyPr>
-          <a:p>
-            <a:endParaRPr b="0" lang="en-US" sz="2400" spc="-1" strike="noStrike">
-              <a:latin typeface="Times New Roman"/>
-            </a:endParaRPr>
-          </a:p>
-        </p:txBody>
+        <p:style>
+          <a:lnRef idx="0"/>
+          <a:fillRef idx="0"/>
+          <a:effectRef idx="0"/>
+          <a:fontRef idx="minor"/>
+        </p:style>
       </p:sp>
     </p:spTree>
   </p:cSld>
@@ -8382,14 +7832,14 @@
       </p:grpSpPr>
       <p:sp>
         <p:nvSpPr>
-          <p:cNvPr id="135" name="TextShape 1"/>
-          <p:cNvSpPr txBox="1"/>
+          <p:cNvPr id="126" name="CustomShape 1"/>
+          <p:cNvSpPr/>
           <p:nvPr/>
         </p:nvSpPr>
         <p:spPr>
           <a:xfrm>
             <a:off x="457200" y="274680"/>
-            <a:ext cx="8229240" cy="1142640"/>
+            <a:ext cx="8228520" cy="1141920"/>
           </a:xfrm>
           <a:prstGeom prst="rect">
             <a:avLst/>
@@ -8399,8 +7849,14 @@
             <a:noFill/>
           </a:ln>
         </p:spPr>
-        <p:txBody>
-          <a:bodyPr anchor="ctr">
+        <p:style>
+          <a:lnRef idx="0"/>
+          <a:fillRef idx="0"/>
+          <a:effectRef idx="0"/>
+          <a:fontRef idx="minor"/>
+        </p:style>
+        <p:txBody>
+          <a:bodyPr lIns="90000" rIns="90000" tIns="45000" bIns="45000" anchor="ctr">
             <a:noAutofit/>
           </a:bodyPr>
           <a:p>
@@ -8415,28 +7871,26 @@
                   <a:srgbClr val="000000"/>
                 </a:solidFill>
                 <a:latin typeface="Times New Roman"/>
+                <a:ea typeface="DejaVu Sans"/>
               </a:rPr>
               <a:t>Brief Introduction</a:t>
             </a:r>
             <a:endParaRPr b="0" lang="en-US" sz="4400" spc="-1" strike="noStrike">
-              <a:solidFill>
-                <a:srgbClr val="000000"/>
-              </a:solidFill>
-              <a:latin typeface="Calibri"/>
-            </a:endParaRPr>
-          </a:p>
-        </p:txBody>
-      </p:sp>
-      <p:sp>
-        <p:nvSpPr>
-          <p:cNvPr id="136" name="TextShape 2"/>
-          <p:cNvSpPr txBox="1"/>
+              <a:latin typeface="Arial"/>
+            </a:endParaRPr>
+          </a:p>
+        </p:txBody>
+      </p:sp>
+      <p:sp>
+        <p:nvSpPr>
+          <p:cNvPr id="127" name="CustomShape 2"/>
+          <p:cNvSpPr/>
           <p:nvPr/>
         </p:nvSpPr>
         <p:spPr>
           <a:xfrm>
             <a:off x="457200" y="1752480"/>
-            <a:ext cx="8229240" cy="4525560"/>
+            <a:ext cx="8228520" cy="4524840"/>
           </a:xfrm>
           <a:prstGeom prst="rect">
             <a:avLst/>
@@ -8446,12 +7900,18 @@
             <a:noFill/>
           </a:ln>
         </p:spPr>
-        <p:txBody>
-          <a:bodyPr>
+        <p:style>
+          <a:lnRef idx="0"/>
+          <a:fillRef idx="0"/>
+          <a:effectRef idx="0"/>
+          <a:fontRef idx="minor"/>
+        </p:style>
+        <p:txBody>
+          <a:bodyPr lIns="90000" rIns="90000" tIns="45000" bIns="45000">
             <a:normAutofit/>
           </a:bodyPr>
           <a:p>
-            <a:pPr marL="343080" indent="-342720">
+            <a:pPr marL="343080" indent="-342000">
               <a:lnSpc>
                 <a:spcPct val="100000"/>
               </a:lnSpc>
@@ -8470,28 +7930,26 @@
                   <a:srgbClr val="000000"/>
                 </a:solidFill>
                 <a:latin typeface="Times New Roman"/>
-              </a:rPr>
-              <a:t>In Pakistan, people with visual impairment face many hurdles in performing day to day to task. They must have to estimate the state of the object. The project aims to manually develop Cross Platform application that can help blind people perfome daily task.</a:t>
-            </a:r>
-            <a:endParaRPr b="0" lang="en-US" sz="3200" spc="-1" strike="noStrike">
-              <a:solidFill>
-                <a:srgbClr val="000000"/>
-              </a:solidFill>
-              <a:latin typeface="Calibri"/>
-            </a:endParaRPr>
-          </a:p>
-        </p:txBody>
-      </p:sp>
-      <p:sp>
-        <p:nvSpPr>
-          <p:cNvPr id="137" name="TextShape 3"/>
-          <p:cNvSpPr txBox="1"/>
+                <a:ea typeface="DejaVu Sans"/>
+              </a:rPr>
+              <a:t>In Pakistan, people with visual impairment face many hurdles in performing day to day to task. They must have to estimate the state of the object. The project aims to manually develop Cross Platform application that can help blind people perform daily task.</a:t>
+            </a:r>
+            <a:endParaRPr b="0" lang="en-US" sz="3200" spc="-1" strike="noStrike">
+              <a:latin typeface="Arial"/>
+            </a:endParaRPr>
+          </a:p>
+        </p:txBody>
+      </p:sp>
+      <p:sp>
+        <p:nvSpPr>
+          <p:cNvPr id="128" name="CustomShape 3"/>
+          <p:cNvSpPr/>
           <p:nvPr/>
         </p:nvSpPr>
         <p:spPr>
           <a:xfrm>
             <a:off x="6553080" y="6356520"/>
-            <a:ext cx="2133360" cy="364680"/>
+            <a:ext cx="2132640" cy="363960"/>
           </a:xfrm>
           <a:prstGeom prst="rect">
             <a:avLst/>
@@ -8501,16 +7959,12 @@
             <a:noFill/>
           </a:ln>
         </p:spPr>
-        <p:txBody>
-          <a:bodyPr anchor="ctr">
-            <a:noAutofit/>
-          </a:bodyPr>
-          <a:p>
-            <a:endParaRPr b="0" lang="en-US" sz="2400" spc="-1" strike="noStrike">
-              <a:latin typeface="Times New Roman"/>
-            </a:endParaRPr>
-          </a:p>
-        </p:txBody>
+        <p:style>
+          <a:lnRef idx="0"/>
+          <a:fillRef idx="0"/>
+          <a:effectRef idx="0"/>
+          <a:fontRef idx="minor"/>
+        </p:style>
       </p:sp>
     </p:spTree>
   </p:cSld>
@@ -8544,118 +7998,14 @@
       </p:grpSpPr>
       <p:sp>
         <p:nvSpPr>
-          <p:cNvPr id="138" name="TextShape 1"/>
-          <p:cNvSpPr txBox="1"/>
-          <p:nvPr/>
-        </p:nvSpPr>
-        <p:spPr>
-          <a:xfrm>
-            <a:off x="457200" y="274680"/>
-            <a:ext cx="8229240" cy="1142640"/>
-          </a:xfrm>
-          <a:prstGeom prst="rect">
-            <a:avLst/>
-          </a:prstGeom>
-          <a:noFill/>
-          <a:ln>
-            <a:noFill/>
-          </a:ln>
-        </p:spPr>
-        <p:txBody>
-          <a:bodyPr anchor="ctr">
-            <a:normAutofit/>
-          </a:bodyPr>
-          <a:p>
-            <a:pPr>
-              <a:lnSpc>
-                <a:spcPct val="100000"/>
-              </a:lnSpc>
-            </a:pPr>
-            <a:r>
-              <a:rPr b="0" lang="en-US" sz="4400" spc="-1" strike="noStrike">
-                <a:solidFill>
-                  <a:srgbClr val="000000"/>
-                </a:solidFill>
-                <a:latin typeface="Calibri"/>
-              </a:rPr>
-              <a:t>Brief </a:t>
-            </a:r>
-            <a:r>
-              <a:rPr b="0" lang="en-US" sz="4400" spc="-1" strike="noStrike">
-                <a:solidFill>
-                  <a:srgbClr val="000000"/>
-                </a:solidFill>
-                <a:latin typeface="Calibri"/>
-              </a:rPr>
-              <a:t>Introduct</a:t>
-            </a:r>
-            <a:r>
-              <a:rPr b="0" lang="en-US" sz="4400" spc="-1" strike="noStrike">
-                <a:solidFill>
-                  <a:srgbClr val="000000"/>
-                </a:solidFill>
-                <a:latin typeface="Calibri"/>
-              </a:rPr>
-              <a:t>ion </a:t>
-            </a:r>
-            <a:r>
-              <a:rPr b="0" lang="en-US" sz="4400" spc="-1" strike="noStrike">
-                <a:solidFill>
-                  <a:srgbClr val="000000"/>
-                </a:solidFill>
-                <a:latin typeface="Calibri"/>
-              </a:rPr>
-              <a:t>(cont.)</a:t>
-            </a:r>
-            <a:endParaRPr b="0" lang="en-US" sz="4400" spc="-1" strike="noStrike">
-              <a:solidFill>
-                <a:srgbClr val="000000"/>
-              </a:solidFill>
-              <a:latin typeface="Calibri"/>
-            </a:endParaRPr>
-          </a:p>
-        </p:txBody>
-      </p:sp>
-      <p:sp>
-        <p:nvSpPr>
-          <p:cNvPr id="139" name="TextShape 2"/>
-          <p:cNvSpPr txBox="1"/>
-          <p:nvPr/>
-        </p:nvSpPr>
-        <p:spPr>
-          <a:xfrm>
-            <a:off x="6553080" y="6356520"/>
-            <a:ext cx="2133360" cy="364680"/>
-          </a:xfrm>
-          <a:prstGeom prst="rect">
-            <a:avLst/>
-          </a:prstGeom>
-          <a:noFill/>
-          <a:ln>
-            <a:noFill/>
-          </a:ln>
-        </p:spPr>
-        <p:txBody>
-          <a:bodyPr anchor="ctr">
-            <a:noAutofit/>
-          </a:bodyPr>
-          <a:p>
-            <a:endParaRPr b="0" lang="en-US" sz="2400" spc="-1" strike="noStrike">
-              <a:latin typeface="Times New Roman"/>
-            </a:endParaRPr>
-          </a:p>
-        </p:txBody>
-      </p:sp>
-      <p:sp>
-        <p:nvSpPr>
-          <p:cNvPr id="140" name="CustomShape 3"/>
+          <p:cNvPr id="129" name="CustomShape 1"/>
           <p:cNvSpPr/>
           <p:nvPr/>
         </p:nvSpPr>
         <p:spPr>
           <a:xfrm>
-            <a:off x="228600" y="1600200"/>
-            <a:ext cx="7924320" cy="3989880"/>
+            <a:off x="457200" y="274680"/>
+            <a:ext cx="8228520" cy="1141920"/>
           </a:xfrm>
           <a:prstGeom prst="rect">
             <a:avLst/>
@@ -8672,19 +8022,91 @@
           <a:fontRef idx="minor"/>
         </p:style>
         <p:txBody>
-          <a:bodyPr lIns="90000" rIns="90000" tIns="45000" bIns="45000">
-            <a:spAutoFit/>
-          </a:bodyPr>
-          <a:p>
-            <a:pPr marL="457200" indent="-456840">
+          <a:bodyPr lIns="90000" rIns="90000" tIns="45000" bIns="45000" anchor="ctr">
+            <a:normAutofit/>
+          </a:bodyPr>
+          <a:p>
+            <a:pPr>
               <a:lnSpc>
                 <a:spcPct val="100000"/>
               </a:lnSpc>
-              <a:buClr>
-                <a:srgbClr val="000000"/>
-              </a:buClr>
-              <a:buFont typeface="Arial"/>
-              <a:buChar char="•"/>
+            </a:pPr>
+            <a:r>
+              <a:rPr b="0" lang="en-US" sz="4400" spc="-1" strike="noStrike">
+                <a:solidFill>
+                  <a:srgbClr val="000000"/>
+                </a:solidFill>
+                <a:latin typeface="Calibri"/>
+                <a:ea typeface="DejaVu Sans"/>
+              </a:rPr>
+              <a:t>Brief Introduction (cont.)</a:t>
+            </a:r>
+            <a:endParaRPr b="0" lang="en-US" sz="4400" spc="-1" strike="noStrike">
+              <a:latin typeface="Arial"/>
+            </a:endParaRPr>
+          </a:p>
+        </p:txBody>
+      </p:sp>
+      <p:sp>
+        <p:nvSpPr>
+          <p:cNvPr id="130" name="CustomShape 2"/>
+          <p:cNvSpPr/>
+          <p:nvPr/>
+        </p:nvSpPr>
+        <p:spPr>
+          <a:xfrm>
+            <a:off x="6553080" y="6356520"/>
+            <a:ext cx="2132640" cy="363960"/>
+          </a:xfrm>
+          <a:prstGeom prst="rect">
+            <a:avLst/>
+          </a:prstGeom>
+          <a:noFill/>
+          <a:ln>
+            <a:noFill/>
+          </a:ln>
+        </p:spPr>
+        <p:style>
+          <a:lnRef idx="0"/>
+          <a:fillRef idx="0"/>
+          <a:effectRef idx="0"/>
+          <a:fontRef idx="minor"/>
+        </p:style>
+      </p:sp>
+      <p:sp>
+        <p:nvSpPr>
+          <p:cNvPr id="131" name="CustomShape 3"/>
+          <p:cNvSpPr/>
+          <p:nvPr/>
+        </p:nvSpPr>
+        <p:spPr>
+          <a:xfrm>
+            <a:off x="336600" y="1564200"/>
+            <a:ext cx="7923600" cy="3989880"/>
+          </a:xfrm>
+          <a:prstGeom prst="rect">
+            <a:avLst/>
+          </a:prstGeom>
+          <a:noFill/>
+          <a:ln>
+            <a:noFill/>
+          </a:ln>
+        </p:spPr>
+        <p:style>
+          <a:lnRef idx="0"/>
+          <a:fillRef idx="0"/>
+          <a:effectRef idx="0"/>
+          <a:fontRef idx="minor"/>
+        </p:style>
+        <p:txBody>
+          <a:bodyPr lIns="90000" rIns="90000" tIns="45000" bIns="45000">
+            <a:spAutoFit/>
+          </a:bodyPr>
+          <a:p>
+            <a:pPr>
+              <a:lnSpc>
+                <a:spcPct val="100000"/>
+              </a:lnSpc>
             </a:pPr>
             <a:r>
               <a:rPr b="0" lang="en-US" sz="3200" spc="-1" strike="noStrike">
@@ -8692,8 +8114,9 @@
                   <a:srgbClr val="000000"/>
                 </a:solidFill>
                 <a:latin typeface="Times New Roman"/>
-              </a:rPr>
-              <a:t>Our system is implemented in python and android app. Detection system is implemented in python using libraries such as Keras and TensorFlow.  The Detection and classifier we are using to detect the state of the object from the picture is VGG-16. Android app will provide interface to user to interact with the System .</a:t>
+                <a:ea typeface="DejaVu Sans"/>
+              </a:rPr>
+              <a:t>Our system is implemented in python and Cross-platform app. Detection system is implemented in python using libraries such as Keras and TensorFlow.  The Detection and classifier we are using to detect the state of the object from the picture is VGG-16. Cross-platform will provide interface to user to interact with the System .</a:t>
             </a:r>
             <a:endParaRPr b="0" lang="en-US" sz="3200" spc="-1" strike="noStrike">
               <a:latin typeface="Arial"/>
@@ -8733,14 +8156,14 @@
       </p:grpSpPr>
       <p:sp>
         <p:nvSpPr>
-          <p:cNvPr id="141" name="TextShape 1"/>
-          <p:cNvSpPr txBox="1"/>
+          <p:cNvPr id="132" name="CustomShape 1"/>
+          <p:cNvSpPr/>
           <p:nvPr/>
         </p:nvSpPr>
         <p:spPr>
           <a:xfrm>
             <a:off x="457200" y="274680"/>
-            <a:ext cx="8229240" cy="1142640"/>
+            <a:ext cx="8228520" cy="1141920"/>
           </a:xfrm>
           <a:prstGeom prst="rect">
             <a:avLst/>
@@ -8750,9 +8173,15 @@
             <a:noFill/>
           </a:ln>
         </p:spPr>
-        <p:txBody>
-          <a:bodyPr anchor="ctr">
-            <a:noAutofit/>
+        <p:style>
+          <a:lnRef idx="0"/>
+          <a:fillRef idx="0"/>
+          <a:effectRef idx="0"/>
+          <a:fontRef idx="minor"/>
+        </p:style>
+        <p:txBody>
+          <a:bodyPr lIns="90000" rIns="90000" tIns="45000" bIns="45000" anchor="ctr">
+            <a:normAutofit/>
           </a:bodyPr>
           <a:p>
             <a:pPr>
@@ -8765,29 +8194,37 @@
                 <a:solidFill>
                   <a:srgbClr val="000000"/>
                 </a:solidFill>
-                <a:latin typeface="Times New Roman"/>
-              </a:rPr>
-              <a:t>Scope</a:t>
+                <a:latin typeface="Calibri"/>
+                <a:ea typeface="DejaVu Sans"/>
+              </a:rPr>
+              <a:t>Connecti</a:t>
+            </a:r>
+            <a:r>
+              <a:rPr b="0" lang="en-US" sz="4400" spc="-1" strike="noStrike">
+                <a:solidFill>
+                  <a:srgbClr val="000000"/>
+                </a:solidFill>
+                <a:latin typeface="Calibri"/>
+                <a:ea typeface="DejaVu Sans"/>
+              </a:rPr>
+              <a:t>vity</a:t>
             </a:r>
             <a:endParaRPr b="0" lang="en-US" sz="4400" spc="-1" strike="noStrike">
-              <a:solidFill>
-                <a:srgbClr val="000000"/>
-              </a:solidFill>
-              <a:latin typeface="Calibri"/>
-            </a:endParaRPr>
-          </a:p>
-        </p:txBody>
-      </p:sp>
-      <p:sp>
-        <p:nvSpPr>
-          <p:cNvPr id="142" name="TextShape 2"/>
-          <p:cNvSpPr txBox="1"/>
+              <a:latin typeface="Arial"/>
+            </a:endParaRPr>
+          </a:p>
+        </p:txBody>
+      </p:sp>
+      <p:sp>
+        <p:nvSpPr>
+          <p:cNvPr id="133" name="CustomShape 2"/>
+          <p:cNvSpPr/>
           <p:nvPr/>
         </p:nvSpPr>
         <p:spPr>
           <a:xfrm>
-            <a:off x="457200" y="1600200"/>
-            <a:ext cx="8229240" cy="4525560"/>
+            <a:off x="6553080" y="6356520"/>
+            <a:ext cx="2132640" cy="363960"/>
           </a:xfrm>
           <a:prstGeom prst="rect">
             <a:avLst/>
@@ -8797,23 +8234,47 @@
             <a:noFill/>
           </a:ln>
         </p:spPr>
-        <p:txBody>
-          <a:bodyPr>
-            <a:normAutofit/>
-          </a:bodyPr>
-          <a:p>
-            <a:pPr marL="343080" indent="-342720">
+        <p:style>
+          <a:lnRef idx="0"/>
+          <a:fillRef idx="0"/>
+          <a:effectRef idx="0"/>
+          <a:fontRef idx="minor"/>
+        </p:style>
+      </p:sp>
+      <p:sp>
+        <p:nvSpPr>
+          <p:cNvPr id="134" name="CustomShape 3"/>
+          <p:cNvSpPr/>
+          <p:nvPr/>
+        </p:nvSpPr>
+        <p:spPr>
+          <a:xfrm>
+            <a:off x="336600" y="1564200"/>
+            <a:ext cx="7923600" cy="1551960"/>
+          </a:xfrm>
+          <a:prstGeom prst="rect">
+            <a:avLst/>
+          </a:prstGeom>
+          <a:noFill/>
+          <a:ln>
+            <a:noFill/>
+          </a:ln>
+        </p:spPr>
+        <p:style>
+          <a:lnRef idx="0"/>
+          <a:fillRef idx="0"/>
+          <a:effectRef idx="0"/>
+          <a:fontRef idx="minor"/>
+        </p:style>
+        <p:txBody>
+          <a:bodyPr lIns="90000" rIns="90000" tIns="45000" bIns="45000">
+            <a:spAutoFit/>
+          </a:bodyPr>
+          <a:p>
+            <a:pPr>
               <a:lnSpc>
                 <a:spcPct val="100000"/>
               </a:lnSpc>
-              <a:spcBef>
-                <a:spcPts val="641"/>
-              </a:spcBef>
-              <a:buClr>
-                <a:srgbClr val="000000"/>
-              </a:buClr>
-              <a:buFont typeface="Arial"/>
-              <a:buChar char="•"/>
             </a:pPr>
             <a:r>
               <a:rPr b="0" lang="en-US" sz="3200" spc="-1" strike="noStrike">
@@ -8821,93 +8282,92 @@
                   <a:srgbClr val="000000"/>
                 </a:solidFill>
                 <a:latin typeface="Times New Roman"/>
-              </a:rPr>
-              <a:t>Android  Based Application</a:t>
-            </a:r>
-            <a:endParaRPr b="0" lang="en-US" sz="3200" spc="-1" strike="noStrike">
-              <a:solidFill>
-                <a:srgbClr val="000000"/>
-              </a:solidFill>
-              <a:latin typeface="Calibri"/>
-            </a:endParaRPr>
-          </a:p>
-          <a:p>
-            <a:pPr marL="343080" indent="-342720">
-              <a:lnSpc>
-                <a:spcPct val="100000"/>
-              </a:lnSpc>
-              <a:spcBef>
-                <a:spcPts val="641"/>
-              </a:spcBef>
-              <a:buClr>
-                <a:srgbClr val="000000"/>
-              </a:buClr>
-              <a:buFont typeface="Arial"/>
-              <a:buChar char="•"/>
-            </a:pPr>
+                <a:ea typeface="DejaVu Sans"/>
+              </a:rPr>
+              <a:t>Our Cross </a:t>
+            </a:r>
             <a:r>
               <a:rPr b="0" lang="en-US" sz="3200" spc="-1" strike="noStrike">
                 <a:solidFill>
                   <a:srgbClr val="000000"/>
                 </a:solidFill>
                 <a:latin typeface="Times New Roman"/>
-              </a:rPr>
-              <a:t>This detection system scope is limited . Any source like cameras takes random pictures of objects and send to the model for checking result after processing the model it gives result.</a:t>
-            </a:r>
-            <a:endParaRPr b="0" lang="en-US" sz="3200" spc="-1" strike="noStrike">
-              <a:solidFill>
-                <a:srgbClr val="000000"/>
-              </a:solidFill>
-              <a:latin typeface="Calibri"/>
-            </a:endParaRPr>
-          </a:p>
-          <a:p>
-            <a:pPr>
-              <a:lnSpc>
-                <a:spcPct val="100000"/>
-              </a:lnSpc>
-              <a:spcBef>
-                <a:spcPts val="641"/>
-              </a:spcBef>
-              <a:tabLst>
-                <a:tab algn="l" pos="0"/>
-              </a:tabLst>
-            </a:pPr>
-            <a:endParaRPr b="0" lang="en-US" sz="3200" spc="-1" strike="noStrike">
-              <a:solidFill>
-                <a:srgbClr val="000000"/>
-              </a:solidFill>
-              <a:latin typeface="Calibri"/>
-            </a:endParaRPr>
-          </a:p>
-        </p:txBody>
-      </p:sp>
-      <p:sp>
-        <p:nvSpPr>
-          <p:cNvPr id="143" name="TextShape 3"/>
-          <p:cNvSpPr txBox="1"/>
-          <p:nvPr/>
-        </p:nvSpPr>
-        <p:spPr>
-          <a:xfrm>
-            <a:off x="6553080" y="6356520"/>
-            <a:ext cx="2133360" cy="364680"/>
-          </a:xfrm>
-          <a:prstGeom prst="rect">
-            <a:avLst/>
-          </a:prstGeom>
-          <a:noFill/>
-          <a:ln>
-            <a:noFill/>
-          </a:ln>
-        </p:spPr>
-        <p:txBody>
-          <a:bodyPr anchor="ctr">
-            <a:noAutofit/>
-          </a:bodyPr>
-          <a:p>
-            <a:endParaRPr b="0" lang="en-US" sz="2400" spc="-1" strike="noStrike">
-              <a:latin typeface="Times New Roman"/>
+                <a:ea typeface="DejaVu Sans"/>
+              </a:rPr>
+              <a:t>platform </a:t>
+            </a:r>
+            <a:r>
+              <a:rPr b="0" lang="en-US" sz="3200" spc="-1" strike="noStrike">
+                <a:solidFill>
+                  <a:srgbClr val="000000"/>
+                </a:solidFill>
+                <a:latin typeface="Times New Roman"/>
+                <a:ea typeface="DejaVu Sans"/>
+              </a:rPr>
+              <a:t>application </a:t>
+            </a:r>
+            <a:r>
+              <a:rPr b="0" lang="en-US" sz="3200" spc="-1" strike="noStrike">
+                <a:solidFill>
+                  <a:srgbClr val="000000"/>
+                </a:solidFill>
+                <a:latin typeface="Times New Roman"/>
+                <a:ea typeface="DejaVu Sans"/>
+              </a:rPr>
+              <a:t>will use tflite </a:t>
+            </a:r>
+            <a:r>
+              <a:rPr b="0" lang="en-US" sz="3200" spc="-1" strike="noStrike">
+                <a:solidFill>
+                  <a:srgbClr val="000000"/>
+                </a:solidFill>
+                <a:latin typeface="Times New Roman"/>
+                <a:ea typeface="DejaVu Sans"/>
+              </a:rPr>
+              <a:t>library to </a:t>
+            </a:r>
+            <a:r>
+              <a:rPr b="0" lang="en-US" sz="3200" spc="-1" strike="noStrike">
+                <a:solidFill>
+                  <a:srgbClr val="000000"/>
+                </a:solidFill>
+                <a:latin typeface="Times New Roman"/>
+                <a:ea typeface="DejaVu Sans"/>
+              </a:rPr>
+              <a:t>established the </a:t>
+            </a:r>
+            <a:r>
+              <a:rPr b="0" lang="en-US" sz="3200" spc="-1" strike="noStrike">
+                <a:solidFill>
+                  <a:srgbClr val="000000"/>
+                </a:solidFill>
+                <a:latin typeface="Times New Roman"/>
+                <a:ea typeface="DejaVu Sans"/>
+              </a:rPr>
+              <a:t>connectivity </a:t>
+            </a:r>
+            <a:r>
+              <a:rPr b="0" lang="en-US" sz="3200" spc="-1" strike="noStrike">
+                <a:solidFill>
+                  <a:srgbClr val="000000"/>
+                </a:solidFill>
+                <a:latin typeface="Times New Roman"/>
+                <a:ea typeface="DejaVu Sans"/>
+              </a:rPr>
+              <a:t>between the </a:t>
+            </a:r>
+            <a:r>
+              <a:rPr b="0" lang="en-US" sz="3200" spc="-1" strike="noStrike">
+                <a:solidFill>
+                  <a:srgbClr val="000000"/>
+                </a:solidFill>
+                <a:latin typeface="Times New Roman"/>
+                <a:ea typeface="DejaVu Sans"/>
+              </a:rPr>
+              <a:t>model and app.</a:t>
+            </a:r>
+            <a:endParaRPr b="0" lang="en-US" sz="3200" spc="-1" strike="noStrike">
+              <a:latin typeface="Arial"/>
             </a:endParaRPr>
           </a:p>
         </p:txBody>
@@ -8944,14 +8404,14 @@
       </p:grpSpPr>
       <p:sp>
         <p:nvSpPr>
-          <p:cNvPr id="144" name="TextShape 1"/>
-          <p:cNvSpPr txBox="1"/>
+          <p:cNvPr id="135" name="CustomShape 1"/>
+          <p:cNvSpPr/>
           <p:nvPr/>
         </p:nvSpPr>
         <p:spPr>
           <a:xfrm>
             <a:off x="457200" y="274680"/>
-            <a:ext cx="8229240" cy="1142640"/>
+            <a:ext cx="8228520" cy="1141920"/>
           </a:xfrm>
           <a:prstGeom prst="rect">
             <a:avLst/>
@@ -8961,8 +8421,14 @@
             <a:noFill/>
           </a:ln>
         </p:spPr>
-        <p:txBody>
-          <a:bodyPr anchor="ctr">
+        <p:style>
+          <a:lnRef idx="0"/>
+          <a:fillRef idx="0"/>
+          <a:effectRef idx="0"/>
+          <a:fontRef idx="minor"/>
+        </p:style>
+        <p:txBody>
+          <a:bodyPr lIns="90000" rIns="90000" tIns="45000" bIns="45000" anchor="ctr">
             <a:noAutofit/>
           </a:bodyPr>
           <a:p>
@@ -8977,37 +8443,26 @@
                   <a:srgbClr val="000000"/>
                 </a:solidFill>
                 <a:latin typeface="Times New Roman"/>
-              </a:rPr>
-              <a:t>Functional</a:t>
-            </a:r>
-            <a:r>
-              <a:rPr b="0" lang="en-US" sz="4400" spc="-1" strike="noStrike">
-                <a:solidFill>
-                  <a:srgbClr val="000000"/>
-                </a:solidFill>
-                <a:latin typeface="Times New Roman"/>
-              </a:rPr>
-              <a:t>ities </a:t>
+                <a:ea typeface="DejaVu Sans"/>
+              </a:rPr>
+              <a:t>Scope</a:t>
             </a:r>
             <a:endParaRPr b="0" lang="en-US" sz="4400" spc="-1" strike="noStrike">
-              <a:solidFill>
-                <a:srgbClr val="000000"/>
-              </a:solidFill>
-              <a:latin typeface="Calibri"/>
-            </a:endParaRPr>
-          </a:p>
-        </p:txBody>
-      </p:sp>
-      <p:sp>
-        <p:nvSpPr>
-          <p:cNvPr id="145" name="TextShape 2"/>
-          <p:cNvSpPr txBox="1"/>
+              <a:latin typeface="Arial"/>
+            </a:endParaRPr>
+          </a:p>
+        </p:txBody>
+      </p:sp>
+      <p:sp>
+        <p:nvSpPr>
+          <p:cNvPr id="136" name="CustomShape 2"/>
+          <p:cNvSpPr/>
           <p:nvPr/>
         </p:nvSpPr>
         <p:spPr>
           <a:xfrm>
             <a:off x="457200" y="1600200"/>
-            <a:ext cx="8229240" cy="4525560"/>
+            <a:ext cx="8228520" cy="4524840"/>
           </a:xfrm>
           <a:prstGeom prst="rect">
             <a:avLst/>
@@ -9017,12 +8472,18 @@
             <a:noFill/>
           </a:ln>
         </p:spPr>
-        <p:txBody>
-          <a:bodyPr>
+        <p:style>
+          <a:lnRef idx="0"/>
+          <a:fillRef idx="0"/>
+          <a:effectRef idx="0"/>
+          <a:fontRef idx="minor"/>
+        </p:style>
+        <p:txBody>
+          <a:bodyPr lIns="90000" rIns="90000" tIns="45000" bIns="45000">
             <a:normAutofit/>
           </a:bodyPr>
           <a:p>
-            <a:pPr marL="343080" indent="-342720">
+            <a:pPr marL="343080" indent="-342000">
               <a:lnSpc>
                 <a:spcPct val="100000"/>
               </a:lnSpc>
@@ -9041,18 +8502,16 @@
                   <a:srgbClr val="000000"/>
                 </a:solidFill>
                 <a:latin typeface="Times New Roman"/>
-              </a:rPr>
-              <a:t>Signup</a:t>
-            </a:r>
-            <a:endParaRPr b="0" lang="en-US" sz="3200" spc="-1" strike="noStrike">
-              <a:solidFill>
-                <a:srgbClr val="000000"/>
-              </a:solidFill>
-              <a:latin typeface="Calibri"/>
-            </a:endParaRPr>
-          </a:p>
-          <a:p>
-            <a:pPr marL="343080" indent="-342720">
+                <a:ea typeface="DejaVu Sans"/>
+              </a:rPr>
+              <a:t>Cross-platform Based Application</a:t>
+            </a:r>
+            <a:endParaRPr b="0" lang="en-US" sz="3200" spc="-1" strike="noStrike">
+              <a:latin typeface="Arial"/>
+            </a:endParaRPr>
+          </a:p>
+          <a:p>
+            <a:pPr marL="343080" indent="-342000">
               <a:lnSpc>
                 <a:spcPct val="100000"/>
               </a:lnSpc>
@@ -9071,125 +8530,12 @@
                   <a:srgbClr val="000000"/>
                 </a:solidFill>
                 <a:latin typeface="Times New Roman"/>
-              </a:rPr>
-              <a:t>Login</a:t>
-            </a:r>
-            <a:endParaRPr b="0" lang="en-US" sz="3200" spc="-1" strike="noStrike">
-              <a:solidFill>
-                <a:srgbClr val="000000"/>
-              </a:solidFill>
-              <a:latin typeface="Calibri"/>
-            </a:endParaRPr>
-          </a:p>
-          <a:p>
-            <a:pPr marL="343080" indent="-342720">
-              <a:lnSpc>
-                <a:spcPct val="100000"/>
-              </a:lnSpc>
-              <a:spcBef>
-                <a:spcPts val="641"/>
-              </a:spcBef>
-              <a:buClr>
-                <a:srgbClr val="000000"/>
-              </a:buClr>
-              <a:buFont typeface="Arial"/>
-              <a:buChar char="•"/>
-            </a:pPr>
-            <a:r>
-              <a:rPr b="0" lang="en-US" sz="3200" spc="-1" strike="noStrike">
-                <a:solidFill>
-                  <a:srgbClr val="000000"/>
-                </a:solidFill>
-                <a:latin typeface="Times New Roman"/>
-              </a:rPr>
-              <a:t>Capture Image</a:t>
-            </a:r>
-            <a:endParaRPr b="0" lang="en-US" sz="3200" spc="-1" strike="noStrike">
-              <a:solidFill>
-                <a:srgbClr val="000000"/>
-              </a:solidFill>
-              <a:latin typeface="Calibri"/>
-            </a:endParaRPr>
-          </a:p>
-          <a:p>
-            <a:pPr marL="343080" indent="-342720">
-              <a:lnSpc>
-                <a:spcPct val="100000"/>
-              </a:lnSpc>
-              <a:spcBef>
-                <a:spcPts val="641"/>
-              </a:spcBef>
-              <a:buClr>
-                <a:srgbClr val="000000"/>
-              </a:buClr>
-              <a:buFont typeface="Arial"/>
-              <a:buChar char="•"/>
-            </a:pPr>
-            <a:r>
-              <a:rPr b="0" lang="en-US" sz="3200" spc="-1" strike="noStrike">
-                <a:solidFill>
-                  <a:srgbClr val="000000"/>
-                </a:solidFill>
-                <a:latin typeface="Times New Roman"/>
-              </a:rPr>
-              <a:t>Generate Urdu Captions </a:t>
-            </a:r>
-            <a:endParaRPr b="0" lang="en-US" sz="3200" spc="-1" strike="noStrike">
-              <a:solidFill>
-                <a:srgbClr val="000000"/>
-              </a:solidFill>
-              <a:latin typeface="Calibri"/>
-            </a:endParaRPr>
-          </a:p>
-          <a:p>
-            <a:pPr marL="343080" indent="-342720">
-              <a:lnSpc>
-                <a:spcPct val="100000"/>
-              </a:lnSpc>
-              <a:spcBef>
-                <a:spcPts val="641"/>
-              </a:spcBef>
-              <a:buClr>
-                <a:srgbClr val="000000"/>
-              </a:buClr>
-              <a:buFont typeface="Arial"/>
-              <a:buChar char="•"/>
-            </a:pPr>
-            <a:r>
-              <a:rPr b="0" lang="en-US" sz="3200" spc="-1" strike="noStrike">
-                <a:solidFill>
-                  <a:srgbClr val="000000"/>
-                </a:solidFill>
-                <a:latin typeface="Times New Roman"/>
-              </a:rPr>
-              <a:t>Caption to speech</a:t>
-            </a:r>
-            <a:endParaRPr b="0" lang="en-US" sz="3200" spc="-1" strike="noStrike">
-              <a:solidFill>
-                <a:srgbClr val="000000"/>
-              </a:solidFill>
-              <a:latin typeface="Calibri"/>
-            </a:endParaRPr>
-          </a:p>
-          <a:p>
-            <a:pPr marL="343080" indent="-342720">
-              <a:lnSpc>
-                <a:spcPct val="100000"/>
-              </a:lnSpc>
-              <a:spcBef>
-                <a:spcPts val="641"/>
-              </a:spcBef>
-              <a:buClr>
-                <a:srgbClr val="000000"/>
-              </a:buClr>
-              <a:buFont typeface="Arial"/>
-              <a:buChar char="•"/>
-            </a:pPr>
-            <a:endParaRPr b="0" lang="en-US" sz="3200" spc="-1" strike="noStrike">
-              <a:solidFill>
-                <a:srgbClr val="000000"/>
-              </a:solidFill>
-              <a:latin typeface="Calibri"/>
+                <a:ea typeface="DejaVu Sans"/>
+              </a:rPr>
+              <a:t>This detection system scope is limited . Any source like cameras takes random pictures of objects and send to the model for checking result after processing the model it gives result.</a:t>
+            </a:r>
+            <a:endParaRPr b="0" lang="en-US" sz="3200" spc="-1" strike="noStrike">
+              <a:latin typeface="Arial"/>
             </a:endParaRPr>
           </a:p>
           <a:p>
@@ -9205,24 +8551,21 @@
               </a:tabLst>
             </a:pPr>
             <a:endParaRPr b="0" lang="en-US" sz="3200" spc="-1" strike="noStrike">
-              <a:solidFill>
-                <a:srgbClr val="000000"/>
-              </a:solidFill>
-              <a:latin typeface="Calibri"/>
-            </a:endParaRPr>
-          </a:p>
-        </p:txBody>
-      </p:sp>
-      <p:sp>
-        <p:nvSpPr>
-          <p:cNvPr id="146" name="TextShape 3"/>
-          <p:cNvSpPr txBox="1"/>
+              <a:latin typeface="Arial"/>
+            </a:endParaRPr>
+          </a:p>
+        </p:txBody>
+      </p:sp>
+      <p:sp>
+        <p:nvSpPr>
+          <p:cNvPr id="137" name="CustomShape 3"/>
+          <p:cNvSpPr/>
           <p:nvPr/>
         </p:nvSpPr>
         <p:spPr>
           <a:xfrm>
             <a:off x="6553080" y="6356520"/>
-            <a:ext cx="2133360" cy="364680"/>
+            <a:ext cx="2132640" cy="363960"/>
           </a:xfrm>
           <a:prstGeom prst="rect">
             <a:avLst/>
@@ -9232,16 +8575,12 @@
             <a:noFill/>
           </a:ln>
         </p:spPr>
-        <p:txBody>
-          <a:bodyPr anchor="ctr">
-            <a:noAutofit/>
-          </a:bodyPr>
-          <a:p>
-            <a:endParaRPr b="0" lang="en-US" sz="2400" spc="-1" strike="noStrike">
-              <a:latin typeface="Times New Roman"/>
-            </a:endParaRPr>
-          </a:p>
-        </p:txBody>
+        <p:style>
+          <a:lnRef idx="0"/>
+          <a:fillRef idx="0"/>
+          <a:effectRef idx="0"/>
+          <a:fontRef idx="minor"/>
+        </p:style>
       </p:sp>
     </p:spTree>
   </p:cSld>
@@ -9275,14 +8614,14 @@
       </p:grpSpPr>
       <p:sp>
         <p:nvSpPr>
-          <p:cNvPr id="147" name="TextShape 1"/>
-          <p:cNvSpPr txBox="1"/>
+          <p:cNvPr id="138" name="CustomShape 1"/>
+          <p:cNvSpPr/>
           <p:nvPr/>
         </p:nvSpPr>
         <p:spPr>
           <a:xfrm>
             <a:off x="457200" y="274680"/>
-            <a:ext cx="8229240" cy="1142640"/>
+            <a:ext cx="8228520" cy="1141920"/>
           </a:xfrm>
           <a:prstGeom prst="rect">
             <a:avLst/>
@@ -9292,8 +8631,14 @@
             <a:noFill/>
           </a:ln>
         </p:spPr>
-        <p:txBody>
-          <a:bodyPr anchor="ctr">
+        <p:style>
+          <a:lnRef idx="0"/>
+          <a:fillRef idx="0"/>
+          <a:effectRef idx="0"/>
+          <a:fontRef idx="minor"/>
+        </p:style>
+        <p:txBody>
+          <a:bodyPr lIns="90000" rIns="90000" tIns="45000" bIns="45000" anchor="ctr">
             <a:noAutofit/>
           </a:bodyPr>
           <a:p>
@@ -9308,45 +8653,332 @@
                   <a:srgbClr val="000000"/>
                 </a:solidFill>
                 <a:latin typeface="Times New Roman"/>
-              </a:rPr>
-              <a:t>Proposed </a:t>
-            </a:r>
+                <a:ea typeface="DejaVu Sans"/>
+              </a:rPr>
+              <a:t>Functionalities </a:t>
+            </a:r>
+            <a:endParaRPr b="0" lang="en-US" sz="4400" spc="-1" strike="noStrike">
+              <a:latin typeface="Arial"/>
+            </a:endParaRPr>
+          </a:p>
+        </p:txBody>
+      </p:sp>
+      <p:sp>
+        <p:nvSpPr>
+          <p:cNvPr id="139" name="CustomShape 2"/>
+          <p:cNvSpPr/>
+          <p:nvPr/>
+        </p:nvSpPr>
+        <p:spPr>
+          <a:xfrm>
+            <a:off x="457200" y="1600200"/>
+            <a:ext cx="8228520" cy="4524840"/>
+          </a:xfrm>
+          <a:prstGeom prst="rect">
+            <a:avLst/>
+          </a:prstGeom>
+          <a:noFill/>
+          <a:ln>
+            <a:noFill/>
+          </a:ln>
+        </p:spPr>
+        <p:style>
+          <a:lnRef idx="0"/>
+          <a:fillRef idx="0"/>
+          <a:effectRef idx="0"/>
+          <a:fontRef idx="minor"/>
+        </p:style>
+        <p:txBody>
+          <a:bodyPr lIns="90000" rIns="90000" tIns="45000" bIns="45000">
+            <a:normAutofit/>
+          </a:bodyPr>
+          <a:p>
+            <a:pPr marL="343080" indent="-342000">
+              <a:lnSpc>
+                <a:spcPct val="100000"/>
+              </a:lnSpc>
+              <a:spcBef>
+                <a:spcPts val="641"/>
+              </a:spcBef>
+              <a:buClr>
+                <a:srgbClr val="000000"/>
+              </a:buClr>
+              <a:buFont typeface="Arial"/>
+              <a:buChar char="•"/>
+            </a:pPr>
+            <a:r>
+              <a:rPr b="0" lang="en-US" sz="3200" spc="-1" strike="noStrike">
+                <a:solidFill>
+                  <a:srgbClr val="000000"/>
+                </a:solidFill>
+                <a:latin typeface="Times New Roman"/>
+                <a:ea typeface="DejaVu Sans"/>
+              </a:rPr>
+              <a:t>Signup</a:t>
+            </a:r>
+            <a:endParaRPr b="0" lang="en-US" sz="3200" spc="-1" strike="noStrike">
+              <a:latin typeface="Arial"/>
+            </a:endParaRPr>
+          </a:p>
+          <a:p>
+            <a:pPr marL="343080" indent="-342000">
+              <a:lnSpc>
+                <a:spcPct val="100000"/>
+              </a:lnSpc>
+              <a:spcBef>
+                <a:spcPts val="641"/>
+              </a:spcBef>
+              <a:buClr>
+                <a:srgbClr val="000000"/>
+              </a:buClr>
+              <a:buFont typeface="Arial"/>
+              <a:buChar char="•"/>
+            </a:pPr>
+            <a:r>
+              <a:rPr b="0" lang="en-US" sz="3200" spc="-1" strike="noStrike">
+                <a:solidFill>
+                  <a:srgbClr val="000000"/>
+                </a:solidFill>
+                <a:latin typeface="Times New Roman"/>
+                <a:ea typeface="DejaVu Sans"/>
+              </a:rPr>
+              <a:t>Login</a:t>
+            </a:r>
+            <a:endParaRPr b="0" lang="en-US" sz="3200" spc="-1" strike="noStrike">
+              <a:latin typeface="Arial"/>
+            </a:endParaRPr>
+          </a:p>
+          <a:p>
+            <a:pPr marL="343080" indent="-342000">
+              <a:lnSpc>
+                <a:spcPct val="100000"/>
+              </a:lnSpc>
+              <a:spcBef>
+                <a:spcPts val="641"/>
+              </a:spcBef>
+              <a:buClr>
+                <a:srgbClr val="000000"/>
+              </a:buClr>
+              <a:buFont typeface="Arial"/>
+              <a:buChar char="•"/>
+            </a:pPr>
+            <a:r>
+              <a:rPr b="0" lang="en-US" sz="3200" spc="-1" strike="noStrike">
+                <a:solidFill>
+                  <a:srgbClr val="000000"/>
+                </a:solidFill>
+                <a:latin typeface="Times New Roman"/>
+                <a:ea typeface="DejaVu Sans"/>
+              </a:rPr>
+              <a:t>Capture Image</a:t>
+            </a:r>
+            <a:endParaRPr b="0" lang="en-US" sz="3200" spc="-1" strike="noStrike">
+              <a:latin typeface="Arial"/>
+            </a:endParaRPr>
+          </a:p>
+          <a:p>
+            <a:pPr marL="343080" indent="-342000">
+              <a:lnSpc>
+                <a:spcPct val="100000"/>
+              </a:lnSpc>
+              <a:spcBef>
+                <a:spcPts val="641"/>
+              </a:spcBef>
+              <a:buClr>
+                <a:srgbClr val="000000"/>
+              </a:buClr>
+              <a:buFont typeface="Arial"/>
+              <a:buChar char="•"/>
+            </a:pPr>
+            <a:r>
+              <a:rPr b="0" lang="en-US" sz="3200" spc="-1" strike="noStrike">
+                <a:solidFill>
+                  <a:srgbClr val="000000"/>
+                </a:solidFill>
+                <a:latin typeface="Times New Roman"/>
+                <a:ea typeface="DejaVu Sans"/>
+              </a:rPr>
+              <a:t>Generate Urdu Captions </a:t>
+            </a:r>
+            <a:endParaRPr b="0" lang="en-US" sz="3200" spc="-1" strike="noStrike">
+              <a:latin typeface="Arial"/>
+            </a:endParaRPr>
+          </a:p>
+          <a:p>
+            <a:pPr marL="343080" indent="-342000">
+              <a:lnSpc>
+                <a:spcPct val="100000"/>
+              </a:lnSpc>
+              <a:spcBef>
+                <a:spcPts val="641"/>
+              </a:spcBef>
+              <a:buClr>
+                <a:srgbClr val="000000"/>
+              </a:buClr>
+              <a:buFont typeface="Arial"/>
+              <a:buChar char="•"/>
+            </a:pPr>
+            <a:r>
+              <a:rPr b="0" lang="en-US" sz="3200" spc="-1" strike="noStrike">
+                <a:solidFill>
+                  <a:srgbClr val="000000"/>
+                </a:solidFill>
+                <a:latin typeface="Times New Roman"/>
+                <a:ea typeface="DejaVu Sans"/>
+              </a:rPr>
+              <a:t>Caption to speech</a:t>
+            </a:r>
+            <a:endParaRPr b="0" lang="en-US" sz="3200" spc="-1" strike="noStrike">
+              <a:latin typeface="Arial"/>
+            </a:endParaRPr>
+          </a:p>
+          <a:p>
+            <a:pPr>
+              <a:lnSpc>
+                <a:spcPct val="100000"/>
+              </a:lnSpc>
+              <a:spcBef>
+                <a:spcPts val="641"/>
+              </a:spcBef>
+            </a:pPr>
+            <a:endParaRPr b="0" lang="en-US" sz="3200" spc="-1" strike="noStrike">
+              <a:latin typeface="Arial"/>
+            </a:endParaRPr>
+          </a:p>
+          <a:p>
+            <a:pPr>
+              <a:lnSpc>
+                <a:spcPct val="100000"/>
+              </a:lnSpc>
+              <a:spcBef>
+                <a:spcPts val="641"/>
+              </a:spcBef>
+              <a:tabLst>
+                <a:tab algn="l" pos="0"/>
+              </a:tabLst>
+            </a:pPr>
+            <a:endParaRPr b="0" lang="en-US" sz="3200" spc="-1" strike="noStrike">
+              <a:latin typeface="Arial"/>
+            </a:endParaRPr>
+          </a:p>
+        </p:txBody>
+      </p:sp>
+      <p:sp>
+        <p:nvSpPr>
+          <p:cNvPr id="140" name="CustomShape 3"/>
+          <p:cNvSpPr/>
+          <p:nvPr/>
+        </p:nvSpPr>
+        <p:spPr>
+          <a:xfrm>
+            <a:off x="6553080" y="6356520"/>
+            <a:ext cx="2132640" cy="363960"/>
+          </a:xfrm>
+          <a:prstGeom prst="rect">
+            <a:avLst/>
+          </a:prstGeom>
+          <a:noFill/>
+          <a:ln>
+            <a:noFill/>
+          </a:ln>
+        </p:spPr>
+        <p:style>
+          <a:lnRef idx="0"/>
+          <a:fillRef idx="0"/>
+          <a:effectRef idx="0"/>
+          <a:fontRef idx="minor"/>
+        </p:style>
+      </p:sp>
+    </p:spTree>
+  </p:cSld>
+  <mc:AlternateContent>
+    <mc:Choice Requires="p14">
+      <p:transition spd="slow" p14:dur="2000"/>
+    </mc:Choice>
+    <mc:Fallback>
+      <p:transition spd="slow"/>
+    </mc:Fallback>
+  </mc:AlternateContent>
+</p:sld>
+</file>
+
+<file path=ppt/slides/slide9.xml><?xml version="1.0" encoding="utf-8"?>
+<p:sld xmlns:a="http://schemas.openxmlformats.org/drawingml/2006/main" xmlns:p="http://schemas.openxmlformats.org/presentationml/2006/main" xmlns:r="http://schemas.openxmlformats.org/officeDocument/2006/relationships" xmlns:p14="http://schemas.microsoft.com/office/powerpoint/2010/main" xmlns:p15="http://schemas.microsoft.com/office/powerpoint/2012/main" xmlns:mc="http://schemas.openxmlformats.org/markup-compatibility/2006">
+  <p:cSld>
+    <p:spTree>
+      <p:nvGrpSpPr>
+        <p:cNvPr id="1" name=""/>
+        <p:cNvGrpSpPr/>
+        <p:nvPr/>
+      </p:nvGrpSpPr>
+      <p:grpSpPr>
+        <a:xfrm>
+          <a:off x="0" y="0"/>
+          <a:ext cx="0" cy="0"/>
+          <a:chOff x="0" y="0"/>
+          <a:chExt cx="0" cy="0"/>
+        </a:xfrm>
+      </p:grpSpPr>
+      <p:sp>
+        <p:nvSpPr>
+          <p:cNvPr id="141" name="CustomShape 1"/>
+          <p:cNvSpPr/>
+          <p:nvPr/>
+        </p:nvSpPr>
+        <p:spPr>
+          <a:xfrm>
+            <a:off x="457200" y="274680"/>
+            <a:ext cx="8228520" cy="1141920"/>
+          </a:xfrm>
+          <a:prstGeom prst="rect">
+            <a:avLst/>
+          </a:prstGeom>
+          <a:noFill/>
+          <a:ln>
+            <a:noFill/>
+          </a:ln>
+        </p:spPr>
+        <p:style>
+          <a:lnRef idx="0"/>
+          <a:fillRef idx="0"/>
+          <a:effectRef idx="0"/>
+          <a:fontRef idx="minor"/>
+        </p:style>
+        <p:txBody>
+          <a:bodyPr lIns="90000" rIns="90000" tIns="45000" bIns="45000" anchor="ctr">
+            <a:noAutofit/>
+          </a:bodyPr>
+          <a:p>
+            <a:pPr>
+              <a:lnSpc>
+                <a:spcPct val="100000"/>
+              </a:lnSpc>
+            </a:pPr>
             <a:r>
               <a:rPr b="0" lang="en-US" sz="4400" spc="-1" strike="noStrike">
                 <a:solidFill>
                   <a:srgbClr val="000000"/>
                 </a:solidFill>
                 <a:latin typeface="Times New Roman"/>
-              </a:rPr>
-              <a:t>Tools/Platf</a:t>
-            </a:r>
-            <a:r>
-              <a:rPr b="0" lang="en-US" sz="4400" spc="-1" strike="noStrike">
-                <a:solidFill>
-                  <a:srgbClr val="000000"/>
-                </a:solidFill>
-                <a:latin typeface="Times New Roman"/>
-              </a:rPr>
-              <a:t>orm</a:t>
+                <a:ea typeface="DejaVu Sans"/>
+              </a:rPr>
+              <a:t>Proposed Tools/Platform</a:t>
             </a:r>
             <a:endParaRPr b="0" lang="en-US" sz="4400" spc="-1" strike="noStrike">
-              <a:solidFill>
-                <a:srgbClr val="000000"/>
-              </a:solidFill>
-              <a:latin typeface="Calibri"/>
+              <a:latin typeface="Arial"/>
             </a:endParaRPr>
           </a:p>
         </p:txBody>
       </p:sp>
       <p:graphicFrame>
         <p:nvGraphicFramePr>
-          <p:cNvPr id="148" name="Table 2"/>
+          <p:cNvPr id="142" name="Table 2"/>
           <p:cNvGraphicFramePr/>
           <p:nvPr/>
         </p:nvGraphicFramePr>
         <p:xfrm>
           <a:off x="457200" y="1752480"/>
-          <a:ext cx="8229240" cy="3083040"/>
+          <a:ext cx="8229240" cy="4009680"/>
         </p:xfrm>
         <a:graphic>
           <a:graphicData uri="http://schemas.openxmlformats.org/drawingml/2006/table">
@@ -10758,14 +10390,14 @@
       </p:graphicFrame>
       <p:sp>
         <p:nvSpPr>
-          <p:cNvPr id="149" name="TextShape 3"/>
-          <p:cNvSpPr txBox="1"/>
+          <p:cNvPr id="143" name="CustomShape 3"/>
+          <p:cNvSpPr/>
           <p:nvPr/>
         </p:nvSpPr>
         <p:spPr>
           <a:xfrm>
             <a:off x="6553080" y="6356520"/>
-            <a:ext cx="2133360" cy="364680"/>
+            <a:ext cx="2132640" cy="363960"/>
           </a:xfrm>
           <a:prstGeom prst="rect">
             <a:avLst/>
@@ -10775,215 +10407,12 @@
             <a:noFill/>
           </a:ln>
         </p:spPr>
-        <p:txBody>
-          <a:bodyPr anchor="ctr">
-            <a:noAutofit/>
-          </a:bodyPr>
-          <a:p>
-            <a:endParaRPr b="0" lang="en-US" sz="2400" spc="-1" strike="noStrike">
-              <a:latin typeface="Times New Roman"/>
-            </a:endParaRPr>
-          </a:p>
-        </p:txBody>
-      </p:sp>
-    </p:spTree>
-  </p:cSld>
-  <mc:AlternateContent>
-    <mc:Choice Requires="p14">
-      <p:transition spd="slow" p14:dur="2000"/>
-    </mc:Choice>
-    <mc:Fallback>
-      <p:transition spd="slow"/>
-    </mc:Fallback>
-  </mc:AlternateContent>
-</p:sld>
-</file>
-
-<file path=ppt/slides/slide9.xml><?xml version="1.0" encoding="utf-8"?>
-<p:sld xmlns:a="http://schemas.openxmlformats.org/drawingml/2006/main" xmlns:p="http://schemas.openxmlformats.org/presentationml/2006/main" xmlns:r="http://schemas.openxmlformats.org/officeDocument/2006/relationships" xmlns:p14="http://schemas.microsoft.com/office/powerpoint/2010/main" xmlns:p15="http://schemas.microsoft.com/office/powerpoint/2012/main" xmlns:mc="http://schemas.openxmlformats.org/markup-compatibility/2006">
-  <p:cSld>
-    <p:spTree>
-      <p:nvGrpSpPr>
-        <p:cNvPr id="1" name=""/>
-        <p:cNvGrpSpPr/>
-        <p:nvPr/>
-      </p:nvGrpSpPr>
-      <p:grpSpPr>
-        <a:xfrm>
-          <a:off x="0" y="0"/>
-          <a:ext cx="0" cy="0"/>
-          <a:chOff x="0" y="0"/>
-          <a:chExt cx="0" cy="0"/>
-        </a:xfrm>
-      </p:grpSpPr>
-      <p:sp>
-        <p:nvSpPr>
-          <p:cNvPr id="150" name="TextShape 1"/>
-          <p:cNvSpPr txBox="1"/>
-          <p:nvPr/>
-        </p:nvSpPr>
-        <p:spPr>
-          <a:xfrm>
-            <a:off x="457200" y="274680"/>
-            <a:ext cx="8229240" cy="1142640"/>
-          </a:xfrm>
-          <a:prstGeom prst="rect">
-            <a:avLst/>
-          </a:prstGeom>
-          <a:noFill/>
-          <a:ln>
-            <a:noFill/>
-          </a:ln>
-        </p:spPr>
-        <p:txBody>
-          <a:bodyPr anchor="ctr">
-            <a:noAutofit/>
-          </a:bodyPr>
-          <a:p>
-            <a:pPr>
-              <a:lnSpc>
-                <a:spcPct val="100000"/>
-              </a:lnSpc>
-            </a:pPr>
-            <a:r>
-              <a:rPr b="0" lang="en-US" sz="4400" spc="-1" strike="noStrike">
-                <a:solidFill>
-                  <a:srgbClr val="000000"/>
-                </a:solidFill>
-                <a:latin typeface="Times New Roman"/>
-              </a:rPr>
-              <a:t>Feasibility </a:t>
-            </a:r>
-            <a:endParaRPr b="0" lang="en-US" sz="4400" spc="-1" strike="noStrike">
-              <a:solidFill>
-                <a:srgbClr val="000000"/>
-              </a:solidFill>
-              <a:latin typeface="Calibri"/>
-            </a:endParaRPr>
-          </a:p>
-        </p:txBody>
-      </p:sp>
-      <p:sp>
-        <p:nvSpPr>
-          <p:cNvPr id="151" name="TextShape 2"/>
-          <p:cNvSpPr txBox="1"/>
-          <p:nvPr/>
-        </p:nvSpPr>
-        <p:spPr>
-          <a:xfrm>
-            <a:off x="457200" y="1600200"/>
-            <a:ext cx="8229240" cy="4525560"/>
-          </a:xfrm>
-          <a:prstGeom prst="rect">
-            <a:avLst/>
-          </a:prstGeom>
-          <a:noFill/>
-          <a:ln>
-            <a:noFill/>
-          </a:ln>
-        </p:spPr>
-        <p:txBody>
-          <a:bodyPr>
-            <a:noAutofit/>
-          </a:bodyPr>
-          <a:p>
-            <a:pPr marL="343080" indent="-342720">
-              <a:lnSpc>
-                <a:spcPct val="100000"/>
-              </a:lnSpc>
-              <a:spcBef>
-                <a:spcPts val="641"/>
-              </a:spcBef>
-              <a:buClr>
-                <a:srgbClr val="000000"/>
-              </a:buClr>
-              <a:buFont typeface="Arial"/>
-              <a:buChar char="•"/>
-            </a:pPr>
-            <a:r>
-              <a:rPr b="0" lang="en-US" sz="3200" spc="-1" strike="noStrike">
-                <a:solidFill>
-                  <a:srgbClr val="000000"/>
-                </a:solidFill>
-                <a:latin typeface="Times New Roman"/>
-              </a:rPr>
-              <a:t>Technical feasibility</a:t>
-            </a:r>
-            <a:endParaRPr b="0" lang="en-US" sz="3200" spc="-1" strike="noStrike">
-              <a:solidFill>
-                <a:srgbClr val="000000"/>
-              </a:solidFill>
-              <a:latin typeface="Calibri"/>
-            </a:endParaRPr>
-          </a:p>
-          <a:p>
-            <a:pPr>
-              <a:lnSpc>
-                <a:spcPct val="100000"/>
-              </a:lnSpc>
-              <a:spcBef>
-                <a:spcPts val="641"/>
-              </a:spcBef>
-              <a:tabLst>
-                <a:tab algn="l" pos="0"/>
-              </a:tabLst>
-            </a:pPr>
-            <a:r>
-              <a:rPr b="0" lang="en-US" sz="3200" spc="-1" strike="noStrike">
-                <a:solidFill>
-                  <a:srgbClr val="000000"/>
-                </a:solidFill>
-                <a:latin typeface="Times New Roman"/>
-              </a:rPr>
-              <a:t> </a:t>
-            </a:r>
-            <a:r>
-              <a:rPr b="0" lang="en-US" sz="3200" spc="-1" strike="noStrike">
-                <a:solidFill>
-                  <a:srgbClr val="000000"/>
-                </a:solidFill>
-                <a:latin typeface="Times New Roman"/>
-              </a:rPr>
-              <a:t>All the mentioned Tools and Technologies are     freely available. </a:t>
-            </a:r>
-            <a:endParaRPr b="0" lang="en-US" sz="3200" spc="-1" strike="noStrike">
-              <a:solidFill>
-                <a:srgbClr val="000000"/>
-              </a:solidFill>
-              <a:latin typeface="Calibri"/>
-            </a:endParaRPr>
-          </a:p>
-        </p:txBody>
-      </p:sp>
-      <p:sp>
-        <p:nvSpPr>
-          <p:cNvPr id="152" name="TextShape 3"/>
-          <p:cNvSpPr txBox="1"/>
-          <p:nvPr/>
-        </p:nvSpPr>
-        <p:spPr>
-          <a:xfrm>
-            <a:off x="6553080" y="6356520"/>
-            <a:ext cx="2133360" cy="364680"/>
-          </a:xfrm>
-          <a:prstGeom prst="rect">
-            <a:avLst/>
-          </a:prstGeom>
-          <a:noFill/>
-          <a:ln>
-            <a:noFill/>
-          </a:ln>
-        </p:spPr>
-        <p:txBody>
-          <a:bodyPr anchor="ctr">
-            <a:noAutofit/>
-          </a:bodyPr>
-          <a:p>
-            <a:endParaRPr b="0" lang="en-US" sz="2400" spc="-1" strike="noStrike">
-              <a:latin typeface="Times New Roman"/>
-            </a:endParaRPr>
-          </a:p>
-        </p:txBody>
+        <p:style>
+          <a:lnRef idx="0"/>
+          <a:fillRef idx="0"/>
+          <a:effectRef idx="0"/>
+          <a:fontRef idx="minor"/>
+        </p:style>
       </p:sp>
     </p:spTree>
   </p:cSld>
